--- a/adocs/documentation/src/main/asciidoc/quickstart/_images/module-dependencies.pptx
+++ b/adocs/documentation/src/main/asciidoc/quickstart/_images/module-dependencies.pptx
@@ -5,8 +5,9 @@
     <p:sldMasterId id="2147483648" r:id="rId1"/>
   </p:sldMasterIdLst>
   <p:sldIdLst>
-    <p:sldId id="256" r:id="rId2"/>
-    <p:sldId id="257" r:id="rId3"/>
+    <p:sldId id="257" r:id="rId2"/>
+    <p:sldId id="256" r:id="rId3"/>
+    <p:sldId id="258" r:id="rId4"/>
   </p:sldIdLst>
   <p:sldSz cx="12192000" cy="6858000"/>
   <p:notesSz cx="6858000" cy="9144000"/>
@@ -107,7 +108,7 @@
   </p:defaultTextStyle>
   <p:extLst>
     <p:ext uri="{EFAFB233-063F-42B5-8137-9DF3F51BA10A}">
-      <p15:sldGuideLst xmlns:p15="http://schemas.microsoft.com/office/powerpoint/2012/main" xmlns=""/>
+      <p15:sldGuideLst xmlns="" xmlns:p15="http://schemas.microsoft.com/office/powerpoint/2012/main"/>
     </p:ext>
   </p:extLst>
 </p:presentation>
@@ -139,7 +140,7 @@
           <p:cNvPr id="2" name="Title 1">
             <a:extLst>
               <a:ext uri="{FF2B5EF4-FFF2-40B4-BE49-F238E27FC236}">
-                <a16:creationId xmlns:a16="http://schemas.microsoft.com/office/drawing/2014/main" xmlns="" id="{333796B0-4756-43C2-B84B-B5206A784F46}"/>
+                <a16:creationId xmlns="" xmlns:a16="http://schemas.microsoft.com/office/drawing/2014/main" id="{333796B0-4756-43C2-B84B-B5206A784F46}"/>
               </a:ext>
             </a:extLst>
           </p:cNvPr>
@@ -177,7 +178,7 @@
           <p:cNvPr id="3" name="Subtitle 2">
             <a:extLst>
               <a:ext uri="{FF2B5EF4-FFF2-40B4-BE49-F238E27FC236}">
-                <a16:creationId xmlns:a16="http://schemas.microsoft.com/office/drawing/2014/main" xmlns="" id="{D0BD1E34-C780-43EF-9A82-F75715499E4E}"/>
+                <a16:creationId xmlns="" xmlns:a16="http://schemas.microsoft.com/office/drawing/2014/main" id="{D0BD1E34-C780-43EF-9A82-F75715499E4E}"/>
               </a:ext>
             </a:extLst>
           </p:cNvPr>
@@ -248,7 +249,7 @@
           <p:cNvPr id="4" name="Date Placeholder 3">
             <a:extLst>
               <a:ext uri="{FF2B5EF4-FFF2-40B4-BE49-F238E27FC236}">
-                <a16:creationId xmlns:a16="http://schemas.microsoft.com/office/drawing/2014/main" xmlns="" id="{003336FB-4FD3-43EB-A2F5-DCF54B28588D}"/>
+                <a16:creationId xmlns="" xmlns:a16="http://schemas.microsoft.com/office/drawing/2014/main" id="{003336FB-4FD3-43EB-A2F5-DCF54B28588D}"/>
               </a:ext>
             </a:extLst>
           </p:cNvPr>
@@ -277,7 +278,7 @@
           <p:cNvPr id="5" name="Footer Placeholder 4">
             <a:extLst>
               <a:ext uri="{FF2B5EF4-FFF2-40B4-BE49-F238E27FC236}">
-                <a16:creationId xmlns:a16="http://schemas.microsoft.com/office/drawing/2014/main" xmlns="" id="{619E4AFF-A9B2-402C-A489-CE1E840CD16A}"/>
+                <a16:creationId xmlns="" xmlns:a16="http://schemas.microsoft.com/office/drawing/2014/main" id="{619E4AFF-A9B2-402C-A489-CE1E840CD16A}"/>
               </a:ext>
             </a:extLst>
           </p:cNvPr>
@@ -302,7 +303,7 @@
           <p:cNvPr id="6" name="Slide Number Placeholder 5">
             <a:extLst>
               <a:ext uri="{FF2B5EF4-FFF2-40B4-BE49-F238E27FC236}">
-                <a16:creationId xmlns:a16="http://schemas.microsoft.com/office/drawing/2014/main" xmlns="" id="{A5F8AC86-A48B-4313-B050-C481EE147099}"/>
+                <a16:creationId xmlns="" xmlns:a16="http://schemas.microsoft.com/office/drawing/2014/main" id="{A5F8AC86-A48B-4313-B050-C481EE147099}"/>
               </a:ext>
             </a:extLst>
           </p:cNvPr>
@@ -361,7 +362,7 @@
           <p:cNvPr id="2" name="Title 1">
             <a:extLst>
               <a:ext uri="{FF2B5EF4-FFF2-40B4-BE49-F238E27FC236}">
-                <a16:creationId xmlns:a16="http://schemas.microsoft.com/office/drawing/2014/main" xmlns="" id="{1AE8B955-C62C-4777-9F97-0127962D3E2A}"/>
+                <a16:creationId xmlns="" xmlns:a16="http://schemas.microsoft.com/office/drawing/2014/main" id="{1AE8B955-C62C-4777-9F97-0127962D3E2A}"/>
               </a:ext>
             </a:extLst>
           </p:cNvPr>
@@ -390,7 +391,7 @@
           <p:cNvPr id="3" name="Vertical Text Placeholder 2">
             <a:extLst>
               <a:ext uri="{FF2B5EF4-FFF2-40B4-BE49-F238E27FC236}">
-                <a16:creationId xmlns:a16="http://schemas.microsoft.com/office/drawing/2014/main" xmlns="" id="{4E45D8EC-7DC0-41EF-A582-30F76E5A1ED0}"/>
+                <a16:creationId xmlns="" xmlns:a16="http://schemas.microsoft.com/office/drawing/2014/main" id="{4E45D8EC-7DC0-41EF-A582-30F76E5A1ED0}"/>
               </a:ext>
             </a:extLst>
           </p:cNvPr>
@@ -448,7 +449,7 @@
           <p:cNvPr id="4" name="Date Placeholder 3">
             <a:extLst>
               <a:ext uri="{FF2B5EF4-FFF2-40B4-BE49-F238E27FC236}">
-                <a16:creationId xmlns:a16="http://schemas.microsoft.com/office/drawing/2014/main" xmlns="" id="{33F57753-66A2-4897-9647-414660619513}"/>
+                <a16:creationId xmlns="" xmlns:a16="http://schemas.microsoft.com/office/drawing/2014/main" id="{33F57753-66A2-4897-9647-414660619513}"/>
               </a:ext>
             </a:extLst>
           </p:cNvPr>
@@ -477,7 +478,7 @@
           <p:cNvPr id="5" name="Footer Placeholder 4">
             <a:extLst>
               <a:ext uri="{FF2B5EF4-FFF2-40B4-BE49-F238E27FC236}">
-                <a16:creationId xmlns:a16="http://schemas.microsoft.com/office/drawing/2014/main" xmlns="" id="{D68C23A1-3518-4B55-B013-2125BD69DE73}"/>
+                <a16:creationId xmlns="" xmlns:a16="http://schemas.microsoft.com/office/drawing/2014/main" id="{D68C23A1-3518-4B55-B013-2125BD69DE73}"/>
               </a:ext>
             </a:extLst>
           </p:cNvPr>
@@ -502,7 +503,7 @@
           <p:cNvPr id="6" name="Slide Number Placeholder 5">
             <a:extLst>
               <a:ext uri="{FF2B5EF4-FFF2-40B4-BE49-F238E27FC236}">
-                <a16:creationId xmlns:a16="http://schemas.microsoft.com/office/drawing/2014/main" xmlns="" id="{68041DFD-35E5-41DA-A143-1265F9B7858F}"/>
+                <a16:creationId xmlns="" xmlns:a16="http://schemas.microsoft.com/office/drawing/2014/main" id="{68041DFD-35E5-41DA-A143-1265F9B7858F}"/>
               </a:ext>
             </a:extLst>
           </p:cNvPr>
@@ -561,7 +562,7 @@
           <p:cNvPr id="2" name="Vertical Title 1">
             <a:extLst>
               <a:ext uri="{FF2B5EF4-FFF2-40B4-BE49-F238E27FC236}">
-                <a16:creationId xmlns:a16="http://schemas.microsoft.com/office/drawing/2014/main" xmlns="" id="{5A793D99-0113-412B-9563-00E03E81F503}"/>
+                <a16:creationId xmlns="" xmlns:a16="http://schemas.microsoft.com/office/drawing/2014/main" id="{5A793D99-0113-412B-9563-00E03E81F503}"/>
               </a:ext>
             </a:extLst>
           </p:cNvPr>
@@ -595,7 +596,7 @@
           <p:cNvPr id="3" name="Vertical Text Placeholder 2">
             <a:extLst>
               <a:ext uri="{FF2B5EF4-FFF2-40B4-BE49-F238E27FC236}">
-                <a16:creationId xmlns:a16="http://schemas.microsoft.com/office/drawing/2014/main" xmlns="" id="{81885F29-A264-4116-86EA-A5CB428456DC}"/>
+                <a16:creationId xmlns="" xmlns:a16="http://schemas.microsoft.com/office/drawing/2014/main" id="{81885F29-A264-4116-86EA-A5CB428456DC}"/>
               </a:ext>
             </a:extLst>
           </p:cNvPr>
@@ -658,7 +659,7 @@
           <p:cNvPr id="4" name="Date Placeholder 3">
             <a:extLst>
               <a:ext uri="{FF2B5EF4-FFF2-40B4-BE49-F238E27FC236}">
-                <a16:creationId xmlns:a16="http://schemas.microsoft.com/office/drawing/2014/main" xmlns="" id="{DFB85925-CC98-4C16-B730-D3CB7D644310}"/>
+                <a16:creationId xmlns="" xmlns:a16="http://schemas.microsoft.com/office/drawing/2014/main" id="{DFB85925-CC98-4C16-B730-D3CB7D644310}"/>
               </a:ext>
             </a:extLst>
           </p:cNvPr>
@@ -687,7 +688,7 @@
           <p:cNvPr id="5" name="Footer Placeholder 4">
             <a:extLst>
               <a:ext uri="{FF2B5EF4-FFF2-40B4-BE49-F238E27FC236}">
-                <a16:creationId xmlns:a16="http://schemas.microsoft.com/office/drawing/2014/main" xmlns="" id="{A07FD04E-7054-4DF4-94B7-A440CC084BD1}"/>
+                <a16:creationId xmlns="" xmlns:a16="http://schemas.microsoft.com/office/drawing/2014/main" id="{A07FD04E-7054-4DF4-94B7-A440CC084BD1}"/>
               </a:ext>
             </a:extLst>
           </p:cNvPr>
@@ -712,7 +713,7 @@
           <p:cNvPr id="6" name="Slide Number Placeholder 5">
             <a:extLst>
               <a:ext uri="{FF2B5EF4-FFF2-40B4-BE49-F238E27FC236}">
-                <a16:creationId xmlns:a16="http://schemas.microsoft.com/office/drawing/2014/main" xmlns="" id="{42154541-0BA7-4DCA-92EC-A49D0F4DC7CF}"/>
+                <a16:creationId xmlns="" xmlns:a16="http://schemas.microsoft.com/office/drawing/2014/main" id="{42154541-0BA7-4DCA-92EC-A49D0F4DC7CF}"/>
               </a:ext>
             </a:extLst>
           </p:cNvPr>
@@ -771,7 +772,7 @@
           <p:cNvPr id="2" name="Title 1">
             <a:extLst>
               <a:ext uri="{FF2B5EF4-FFF2-40B4-BE49-F238E27FC236}">
-                <a16:creationId xmlns:a16="http://schemas.microsoft.com/office/drawing/2014/main" xmlns="" id="{19E90085-19A7-47C3-BFD0-6C8F86710BEE}"/>
+                <a16:creationId xmlns="" xmlns:a16="http://schemas.microsoft.com/office/drawing/2014/main" id="{19E90085-19A7-47C3-BFD0-6C8F86710BEE}"/>
               </a:ext>
             </a:extLst>
           </p:cNvPr>
@@ -800,7 +801,7 @@
           <p:cNvPr id="3" name="Content Placeholder 2">
             <a:extLst>
               <a:ext uri="{FF2B5EF4-FFF2-40B4-BE49-F238E27FC236}">
-                <a16:creationId xmlns:a16="http://schemas.microsoft.com/office/drawing/2014/main" xmlns="" id="{7DA13392-3E9F-47D2-8078-8465BCB46445}"/>
+                <a16:creationId xmlns="" xmlns:a16="http://schemas.microsoft.com/office/drawing/2014/main" id="{7DA13392-3E9F-47D2-8078-8465BCB46445}"/>
               </a:ext>
             </a:extLst>
           </p:cNvPr>
@@ -858,7 +859,7 @@
           <p:cNvPr id="4" name="Date Placeholder 3">
             <a:extLst>
               <a:ext uri="{FF2B5EF4-FFF2-40B4-BE49-F238E27FC236}">
-                <a16:creationId xmlns:a16="http://schemas.microsoft.com/office/drawing/2014/main" xmlns="" id="{855F4718-B8FE-4BEF-8F04-16A89E8033F2}"/>
+                <a16:creationId xmlns="" xmlns:a16="http://schemas.microsoft.com/office/drawing/2014/main" id="{855F4718-B8FE-4BEF-8F04-16A89E8033F2}"/>
               </a:ext>
             </a:extLst>
           </p:cNvPr>
@@ -887,7 +888,7 @@
           <p:cNvPr id="5" name="Footer Placeholder 4">
             <a:extLst>
               <a:ext uri="{FF2B5EF4-FFF2-40B4-BE49-F238E27FC236}">
-                <a16:creationId xmlns:a16="http://schemas.microsoft.com/office/drawing/2014/main" xmlns="" id="{5721535D-03BD-45EA-9CA3-F6F8AEA59ECB}"/>
+                <a16:creationId xmlns="" xmlns:a16="http://schemas.microsoft.com/office/drawing/2014/main" id="{5721535D-03BD-45EA-9CA3-F6F8AEA59ECB}"/>
               </a:ext>
             </a:extLst>
           </p:cNvPr>
@@ -912,7 +913,7 @@
           <p:cNvPr id="6" name="Slide Number Placeholder 5">
             <a:extLst>
               <a:ext uri="{FF2B5EF4-FFF2-40B4-BE49-F238E27FC236}">
-                <a16:creationId xmlns:a16="http://schemas.microsoft.com/office/drawing/2014/main" xmlns="" id="{DD1A4F9E-F4E9-435C-898B-FA634C97C056}"/>
+                <a16:creationId xmlns="" xmlns:a16="http://schemas.microsoft.com/office/drawing/2014/main" id="{DD1A4F9E-F4E9-435C-898B-FA634C97C056}"/>
               </a:ext>
             </a:extLst>
           </p:cNvPr>
@@ -971,7 +972,7 @@
           <p:cNvPr id="2" name="Title 1">
             <a:extLst>
               <a:ext uri="{FF2B5EF4-FFF2-40B4-BE49-F238E27FC236}">
-                <a16:creationId xmlns:a16="http://schemas.microsoft.com/office/drawing/2014/main" xmlns="" id="{ED0F5AC6-C4FF-46CC-B1B8-E61D8EDDDD7D}"/>
+                <a16:creationId xmlns="" xmlns:a16="http://schemas.microsoft.com/office/drawing/2014/main" id="{ED0F5AC6-C4FF-46CC-B1B8-E61D8EDDDD7D}"/>
               </a:ext>
             </a:extLst>
           </p:cNvPr>
@@ -1009,7 +1010,7 @@
           <p:cNvPr id="3" name="Text Placeholder 2">
             <a:extLst>
               <a:ext uri="{FF2B5EF4-FFF2-40B4-BE49-F238E27FC236}">
-                <a16:creationId xmlns:a16="http://schemas.microsoft.com/office/drawing/2014/main" xmlns="" id="{D1C772F3-B46D-4206-9F83-B9AE137BED7D}"/>
+                <a16:creationId xmlns="" xmlns:a16="http://schemas.microsoft.com/office/drawing/2014/main" id="{D1C772F3-B46D-4206-9F83-B9AE137BED7D}"/>
               </a:ext>
             </a:extLst>
           </p:cNvPr>
@@ -1134,7 +1135,7 @@
           <p:cNvPr id="4" name="Date Placeholder 3">
             <a:extLst>
               <a:ext uri="{FF2B5EF4-FFF2-40B4-BE49-F238E27FC236}">
-                <a16:creationId xmlns:a16="http://schemas.microsoft.com/office/drawing/2014/main" xmlns="" id="{99A4C995-C1D9-4CEE-AFD4-1B202571D3C9}"/>
+                <a16:creationId xmlns="" xmlns:a16="http://schemas.microsoft.com/office/drawing/2014/main" id="{99A4C995-C1D9-4CEE-AFD4-1B202571D3C9}"/>
               </a:ext>
             </a:extLst>
           </p:cNvPr>
@@ -1163,7 +1164,7 @@
           <p:cNvPr id="5" name="Footer Placeholder 4">
             <a:extLst>
               <a:ext uri="{FF2B5EF4-FFF2-40B4-BE49-F238E27FC236}">
-                <a16:creationId xmlns:a16="http://schemas.microsoft.com/office/drawing/2014/main" xmlns="" id="{856309E5-9839-4808-8FEF-6C483B2857C5}"/>
+                <a16:creationId xmlns="" xmlns:a16="http://schemas.microsoft.com/office/drawing/2014/main" id="{856309E5-9839-4808-8FEF-6C483B2857C5}"/>
               </a:ext>
             </a:extLst>
           </p:cNvPr>
@@ -1188,7 +1189,7 @@
           <p:cNvPr id="6" name="Slide Number Placeholder 5">
             <a:extLst>
               <a:ext uri="{FF2B5EF4-FFF2-40B4-BE49-F238E27FC236}">
-                <a16:creationId xmlns:a16="http://schemas.microsoft.com/office/drawing/2014/main" xmlns="" id="{A9E28372-FEAC-4C16-BBDB-F86B5E85053C}"/>
+                <a16:creationId xmlns="" xmlns:a16="http://schemas.microsoft.com/office/drawing/2014/main" id="{A9E28372-FEAC-4C16-BBDB-F86B5E85053C}"/>
               </a:ext>
             </a:extLst>
           </p:cNvPr>
@@ -1247,7 +1248,7 @@
           <p:cNvPr id="2" name="Title 1">
             <a:extLst>
               <a:ext uri="{FF2B5EF4-FFF2-40B4-BE49-F238E27FC236}">
-                <a16:creationId xmlns:a16="http://schemas.microsoft.com/office/drawing/2014/main" xmlns="" id="{2BD83234-31EE-45CD-BC6A-BCE2C8F28E4B}"/>
+                <a16:creationId xmlns="" xmlns:a16="http://schemas.microsoft.com/office/drawing/2014/main" id="{2BD83234-31EE-45CD-BC6A-BCE2C8F28E4B}"/>
               </a:ext>
             </a:extLst>
           </p:cNvPr>
@@ -1276,7 +1277,7 @@
           <p:cNvPr id="3" name="Content Placeholder 2">
             <a:extLst>
               <a:ext uri="{FF2B5EF4-FFF2-40B4-BE49-F238E27FC236}">
-                <a16:creationId xmlns:a16="http://schemas.microsoft.com/office/drawing/2014/main" xmlns="" id="{704294B2-B6B1-4995-8F95-299375D04569}"/>
+                <a16:creationId xmlns="" xmlns:a16="http://schemas.microsoft.com/office/drawing/2014/main" id="{704294B2-B6B1-4995-8F95-299375D04569}"/>
               </a:ext>
             </a:extLst>
           </p:cNvPr>
@@ -1339,7 +1340,7 @@
           <p:cNvPr id="4" name="Content Placeholder 3">
             <a:extLst>
               <a:ext uri="{FF2B5EF4-FFF2-40B4-BE49-F238E27FC236}">
-                <a16:creationId xmlns:a16="http://schemas.microsoft.com/office/drawing/2014/main" xmlns="" id="{73D62AEC-F99F-4753-A3CB-C8FE019E48F2}"/>
+                <a16:creationId xmlns="" xmlns:a16="http://schemas.microsoft.com/office/drawing/2014/main" id="{73D62AEC-F99F-4753-A3CB-C8FE019E48F2}"/>
               </a:ext>
             </a:extLst>
           </p:cNvPr>
@@ -1402,7 +1403,7 @@
           <p:cNvPr id="5" name="Date Placeholder 4">
             <a:extLst>
               <a:ext uri="{FF2B5EF4-FFF2-40B4-BE49-F238E27FC236}">
-                <a16:creationId xmlns:a16="http://schemas.microsoft.com/office/drawing/2014/main" xmlns="" id="{54F291EB-50AF-4981-925B-11CCFBF2E6A6}"/>
+                <a16:creationId xmlns="" xmlns:a16="http://schemas.microsoft.com/office/drawing/2014/main" id="{54F291EB-50AF-4981-925B-11CCFBF2E6A6}"/>
               </a:ext>
             </a:extLst>
           </p:cNvPr>
@@ -1431,7 +1432,7 @@
           <p:cNvPr id="6" name="Footer Placeholder 5">
             <a:extLst>
               <a:ext uri="{FF2B5EF4-FFF2-40B4-BE49-F238E27FC236}">
-                <a16:creationId xmlns:a16="http://schemas.microsoft.com/office/drawing/2014/main" xmlns="" id="{26C49041-751B-4C4A-932B-FC629AFF02F8}"/>
+                <a16:creationId xmlns="" xmlns:a16="http://schemas.microsoft.com/office/drawing/2014/main" id="{26C49041-751B-4C4A-932B-FC629AFF02F8}"/>
               </a:ext>
             </a:extLst>
           </p:cNvPr>
@@ -1456,7 +1457,7 @@
           <p:cNvPr id="7" name="Slide Number Placeholder 6">
             <a:extLst>
               <a:ext uri="{FF2B5EF4-FFF2-40B4-BE49-F238E27FC236}">
-                <a16:creationId xmlns:a16="http://schemas.microsoft.com/office/drawing/2014/main" xmlns="" id="{76D06E2A-82BF-4265-8526-3BA92AD03026}"/>
+                <a16:creationId xmlns="" xmlns:a16="http://schemas.microsoft.com/office/drawing/2014/main" id="{76D06E2A-82BF-4265-8526-3BA92AD03026}"/>
               </a:ext>
             </a:extLst>
           </p:cNvPr>
@@ -1515,7 +1516,7 @@
           <p:cNvPr id="2" name="Title 1">
             <a:extLst>
               <a:ext uri="{FF2B5EF4-FFF2-40B4-BE49-F238E27FC236}">
-                <a16:creationId xmlns:a16="http://schemas.microsoft.com/office/drawing/2014/main" xmlns="" id="{7BE51EE8-22F4-424B-B58C-735341D5B887}"/>
+                <a16:creationId xmlns="" xmlns:a16="http://schemas.microsoft.com/office/drawing/2014/main" id="{7BE51EE8-22F4-424B-B58C-735341D5B887}"/>
               </a:ext>
             </a:extLst>
           </p:cNvPr>
@@ -1549,7 +1550,7 @@
           <p:cNvPr id="3" name="Text Placeholder 2">
             <a:extLst>
               <a:ext uri="{FF2B5EF4-FFF2-40B4-BE49-F238E27FC236}">
-                <a16:creationId xmlns:a16="http://schemas.microsoft.com/office/drawing/2014/main" xmlns="" id="{8082B8F9-41F9-481F-A886-48B059F07EE4}"/>
+                <a16:creationId xmlns="" xmlns:a16="http://schemas.microsoft.com/office/drawing/2014/main" id="{8082B8F9-41F9-481F-A886-48B059F07EE4}"/>
               </a:ext>
             </a:extLst>
           </p:cNvPr>
@@ -1620,7 +1621,7 @@
           <p:cNvPr id="4" name="Content Placeholder 3">
             <a:extLst>
               <a:ext uri="{FF2B5EF4-FFF2-40B4-BE49-F238E27FC236}">
-                <a16:creationId xmlns:a16="http://schemas.microsoft.com/office/drawing/2014/main" xmlns="" id="{D30C6880-DF51-4BE0-8A8F-0DFFF92D4F3A}"/>
+                <a16:creationId xmlns="" xmlns:a16="http://schemas.microsoft.com/office/drawing/2014/main" id="{D30C6880-DF51-4BE0-8A8F-0DFFF92D4F3A}"/>
               </a:ext>
             </a:extLst>
           </p:cNvPr>
@@ -1683,7 +1684,7 @@
           <p:cNvPr id="5" name="Text Placeholder 4">
             <a:extLst>
               <a:ext uri="{FF2B5EF4-FFF2-40B4-BE49-F238E27FC236}">
-                <a16:creationId xmlns:a16="http://schemas.microsoft.com/office/drawing/2014/main" xmlns="" id="{A844033C-E2F6-4D7E-94DA-3EB8433D2B35}"/>
+                <a16:creationId xmlns="" xmlns:a16="http://schemas.microsoft.com/office/drawing/2014/main" id="{A844033C-E2F6-4D7E-94DA-3EB8433D2B35}"/>
               </a:ext>
             </a:extLst>
           </p:cNvPr>
@@ -1754,7 +1755,7 @@
           <p:cNvPr id="6" name="Content Placeholder 5">
             <a:extLst>
               <a:ext uri="{FF2B5EF4-FFF2-40B4-BE49-F238E27FC236}">
-                <a16:creationId xmlns:a16="http://schemas.microsoft.com/office/drawing/2014/main" xmlns="" id="{7F7D8E16-34FB-4E07-9570-36C12C246BC3}"/>
+                <a16:creationId xmlns="" xmlns:a16="http://schemas.microsoft.com/office/drawing/2014/main" id="{7F7D8E16-34FB-4E07-9570-36C12C246BC3}"/>
               </a:ext>
             </a:extLst>
           </p:cNvPr>
@@ -1817,7 +1818,7 @@
           <p:cNvPr id="7" name="Date Placeholder 6">
             <a:extLst>
               <a:ext uri="{FF2B5EF4-FFF2-40B4-BE49-F238E27FC236}">
-                <a16:creationId xmlns:a16="http://schemas.microsoft.com/office/drawing/2014/main" xmlns="" id="{0C7AF536-A30D-4D69-AD90-6ABD1B00536B}"/>
+                <a16:creationId xmlns="" xmlns:a16="http://schemas.microsoft.com/office/drawing/2014/main" id="{0C7AF536-A30D-4D69-AD90-6ABD1B00536B}"/>
               </a:ext>
             </a:extLst>
           </p:cNvPr>
@@ -1846,7 +1847,7 @@
           <p:cNvPr id="8" name="Footer Placeholder 7">
             <a:extLst>
               <a:ext uri="{FF2B5EF4-FFF2-40B4-BE49-F238E27FC236}">
-                <a16:creationId xmlns:a16="http://schemas.microsoft.com/office/drawing/2014/main" xmlns="" id="{2FEB79E3-F7A5-42F9-B500-4ADB2FEF25F0}"/>
+                <a16:creationId xmlns="" xmlns:a16="http://schemas.microsoft.com/office/drawing/2014/main" id="{2FEB79E3-F7A5-42F9-B500-4ADB2FEF25F0}"/>
               </a:ext>
             </a:extLst>
           </p:cNvPr>
@@ -1871,7 +1872,7 @@
           <p:cNvPr id="9" name="Slide Number Placeholder 8">
             <a:extLst>
               <a:ext uri="{FF2B5EF4-FFF2-40B4-BE49-F238E27FC236}">
-                <a16:creationId xmlns:a16="http://schemas.microsoft.com/office/drawing/2014/main" xmlns="" id="{325E87AE-722A-41D2-B3E3-C6A87698A09F}"/>
+                <a16:creationId xmlns="" xmlns:a16="http://schemas.microsoft.com/office/drawing/2014/main" id="{325E87AE-722A-41D2-B3E3-C6A87698A09F}"/>
               </a:ext>
             </a:extLst>
           </p:cNvPr>
@@ -1930,7 +1931,7 @@
           <p:cNvPr id="2" name="Title 1">
             <a:extLst>
               <a:ext uri="{FF2B5EF4-FFF2-40B4-BE49-F238E27FC236}">
-                <a16:creationId xmlns:a16="http://schemas.microsoft.com/office/drawing/2014/main" xmlns="" id="{62B161AB-59B9-4E10-B2AF-7471DC694BBC}"/>
+                <a16:creationId xmlns="" xmlns:a16="http://schemas.microsoft.com/office/drawing/2014/main" id="{62B161AB-59B9-4E10-B2AF-7471DC694BBC}"/>
               </a:ext>
             </a:extLst>
           </p:cNvPr>
@@ -1959,7 +1960,7 @@
           <p:cNvPr id="3" name="Date Placeholder 2">
             <a:extLst>
               <a:ext uri="{FF2B5EF4-FFF2-40B4-BE49-F238E27FC236}">
-                <a16:creationId xmlns:a16="http://schemas.microsoft.com/office/drawing/2014/main" xmlns="" id="{C1E188B7-80F9-46A2-BF25-8AD56A04A992}"/>
+                <a16:creationId xmlns="" xmlns:a16="http://schemas.microsoft.com/office/drawing/2014/main" id="{C1E188B7-80F9-46A2-BF25-8AD56A04A992}"/>
               </a:ext>
             </a:extLst>
           </p:cNvPr>
@@ -1988,7 +1989,7 @@
           <p:cNvPr id="4" name="Footer Placeholder 3">
             <a:extLst>
               <a:ext uri="{FF2B5EF4-FFF2-40B4-BE49-F238E27FC236}">
-                <a16:creationId xmlns:a16="http://schemas.microsoft.com/office/drawing/2014/main" xmlns="" id="{8420C53F-A56D-484C-AA74-C64A9DDF9DD7}"/>
+                <a16:creationId xmlns="" xmlns:a16="http://schemas.microsoft.com/office/drawing/2014/main" id="{8420C53F-A56D-484C-AA74-C64A9DDF9DD7}"/>
               </a:ext>
             </a:extLst>
           </p:cNvPr>
@@ -2013,7 +2014,7 @@
           <p:cNvPr id="5" name="Slide Number Placeholder 4">
             <a:extLst>
               <a:ext uri="{FF2B5EF4-FFF2-40B4-BE49-F238E27FC236}">
-                <a16:creationId xmlns:a16="http://schemas.microsoft.com/office/drawing/2014/main" xmlns="" id="{200404F9-7629-400D-9D6E-21AE45D169FC}"/>
+                <a16:creationId xmlns="" xmlns:a16="http://schemas.microsoft.com/office/drawing/2014/main" id="{200404F9-7629-400D-9D6E-21AE45D169FC}"/>
               </a:ext>
             </a:extLst>
           </p:cNvPr>
@@ -2072,7 +2073,7 @@
           <p:cNvPr id="2" name="Date Placeholder 1">
             <a:extLst>
               <a:ext uri="{FF2B5EF4-FFF2-40B4-BE49-F238E27FC236}">
-                <a16:creationId xmlns:a16="http://schemas.microsoft.com/office/drawing/2014/main" xmlns="" id="{A914868B-5396-437F-9E5C-620A8A71A33C}"/>
+                <a16:creationId xmlns="" xmlns:a16="http://schemas.microsoft.com/office/drawing/2014/main" id="{A914868B-5396-437F-9E5C-620A8A71A33C}"/>
               </a:ext>
             </a:extLst>
           </p:cNvPr>
@@ -2101,7 +2102,7 @@
           <p:cNvPr id="3" name="Footer Placeholder 2">
             <a:extLst>
               <a:ext uri="{FF2B5EF4-FFF2-40B4-BE49-F238E27FC236}">
-                <a16:creationId xmlns:a16="http://schemas.microsoft.com/office/drawing/2014/main" xmlns="" id="{7F355B25-BA69-4C04-9384-40F392FCC7E1}"/>
+                <a16:creationId xmlns="" xmlns:a16="http://schemas.microsoft.com/office/drawing/2014/main" id="{7F355B25-BA69-4C04-9384-40F392FCC7E1}"/>
               </a:ext>
             </a:extLst>
           </p:cNvPr>
@@ -2126,7 +2127,7 @@
           <p:cNvPr id="4" name="Slide Number Placeholder 3">
             <a:extLst>
               <a:ext uri="{FF2B5EF4-FFF2-40B4-BE49-F238E27FC236}">
-                <a16:creationId xmlns:a16="http://schemas.microsoft.com/office/drawing/2014/main" xmlns="" id="{A98A8500-6DA0-418D-A909-50F51081C706}"/>
+                <a16:creationId xmlns="" xmlns:a16="http://schemas.microsoft.com/office/drawing/2014/main" id="{A98A8500-6DA0-418D-A909-50F51081C706}"/>
               </a:ext>
             </a:extLst>
           </p:cNvPr>
@@ -2185,7 +2186,7 @@
           <p:cNvPr id="2" name="Title 1">
             <a:extLst>
               <a:ext uri="{FF2B5EF4-FFF2-40B4-BE49-F238E27FC236}">
-                <a16:creationId xmlns:a16="http://schemas.microsoft.com/office/drawing/2014/main" xmlns="" id="{3CD011CE-609B-4185-A7B1-E577E44FF559}"/>
+                <a16:creationId xmlns="" xmlns:a16="http://schemas.microsoft.com/office/drawing/2014/main" id="{3CD011CE-609B-4185-A7B1-E577E44FF559}"/>
               </a:ext>
             </a:extLst>
           </p:cNvPr>
@@ -2223,7 +2224,7 @@
           <p:cNvPr id="3" name="Content Placeholder 2">
             <a:extLst>
               <a:ext uri="{FF2B5EF4-FFF2-40B4-BE49-F238E27FC236}">
-                <a16:creationId xmlns:a16="http://schemas.microsoft.com/office/drawing/2014/main" xmlns="" id="{3B30142D-7524-4230-A010-F0E35B94CB8F}"/>
+                <a16:creationId xmlns="" xmlns:a16="http://schemas.microsoft.com/office/drawing/2014/main" id="{3B30142D-7524-4230-A010-F0E35B94CB8F}"/>
               </a:ext>
             </a:extLst>
           </p:cNvPr>
@@ -2314,7 +2315,7 @@
           <p:cNvPr id="4" name="Text Placeholder 3">
             <a:extLst>
               <a:ext uri="{FF2B5EF4-FFF2-40B4-BE49-F238E27FC236}">
-                <a16:creationId xmlns:a16="http://schemas.microsoft.com/office/drawing/2014/main" xmlns="" id="{DE86CA7A-3B8A-413C-8721-14E414AA181C}"/>
+                <a16:creationId xmlns="" xmlns:a16="http://schemas.microsoft.com/office/drawing/2014/main" id="{DE86CA7A-3B8A-413C-8721-14E414AA181C}"/>
               </a:ext>
             </a:extLst>
           </p:cNvPr>
@@ -2385,7 +2386,7 @@
           <p:cNvPr id="5" name="Date Placeholder 4">
             <a:extLst>
               <a:ext uri="{FF2B5EF4-FFF2-40B4-BE49-F238E27FC236}">
-                <a16:creationId xmlns:a16="http://schemas.microsoft.com/office/drawing/2014/main" xmlns="" id="{9C7F2E51-532D-45E3-A2DF-160398ED6E2A}"/>
+                <a16:creationId xmlns="" xmlns:a16="http://schemas.microsoft.com/office/drawing/2014/main" id="{9C7F2E51-532D-45E3-A2DF-160398ED6E2A}"/>
               </a:ext>
             </a:extLst>
           </p:cNvPr>
@@ -2414,7 +2415,7 @@
           <p:cNvPr id="6" name="Footer Placeholder 5">
             <a:extLst>
               <a:ext uri="{FF2B5EF4-FFF2-40B4-BE49-F238E27FC236}">
-                <a16:creationId xmlns:a16="http://schemas.microsoft.com/office/drawing/2014/main" xmlns="" id="{B5F8F62C-887C-40C4-BB52-84000EC318AC}"/>
+                <a16:creationId xmlns="" xmlns:a16="http://schemas.microsoft.com/office/drawing/2014/main" id="{B5F8F62C-887C-40C4-BB52-84000EC318AC}"/>
               </a:ext>
             </a:extLst>
           </p:cNvPr>
@@ -2439,7 +2440,7 @@
           <p:cNvPr id="7" name="Slide Number Placeholder 6">
             <a:extLst>
               <a:ext uri="{FF2B5EF4-FFF2-40B4-BE49-F238E27FC236}">
-                <a16:creationId xmlns:a16="http://schemas.microsoft.com/office/drawing/2014/main" xmlns="" id="{4AC46F4A-726D-46E2-AEAC-15C56222193D}"/>
+                <a16:creationId xmlns="" xmlns:a16="http://schemas.microsoft.com/office/drawing/2014/main" id="{4AC46F4A-726D-46E2-AEAC-15C56222193D}"/>
               </a:ext>
             </a:extLst>
           </p:cNvPr>
@@ -2498,7 +2499,7 @@
           <p:cNvPr id="2" name="Title 1">
             <a:extLst>
               <a:ext uri="{FF2B5EF4-FFF2-40B4-BE49-F238E27FC236}">
-                <a16:creationId xmlns:a16="http://schemas.microsoft.com/office/drawing/2014/main" xmlns="" id="{68956579-D66B-4156-B785-8328196D4375}"/>
+                <a16:creationId xmlns="" xmlns:a16="http://schemas.microsoft.com/office/drawing/2014/main" id="{68956579-D66B-4156-B785-8328196D4375}"/>
               </a:ext>
             </a:extLst>
           </p:cNvPr>
@@ -2536,7 +2537,7 @@
           <p:cNvPr id="3" name="Picture Placeholder 2">
             <a:extLst>
               <a:ext uri="{FF2B5EF4-FFF2-40B4-BE49-F238E27FC236}">
-                <a16:creationId xmlns:a16="http://schemas.microsoft.com/office/drawing/2014/main" xmlns="" id="{043FF339-7CBA-4C43-ABF4-957A26C0D6A1}"/>
+                <a16:creationId xmlns="" xmlns:a16="http://schemas.microsoft.com/office/drawing/2014/main" id="{043FF339-7CBA-4C43-ABF4-957A26C0D6A1}"/>
               </a:ext>
             </a:extLst>
           </p:cNvPr>
@@ -2603,7 +2604,7 @@
           <p:cNvPr id="4" name="Text Placeholder 3">
             <a:extLst>
               <a:ext uri="{FF2B5EF4-FFF2-40B4-BE49-F238E27FC236}">
-                <a16:creationId xmlns:a16="http://schemas.microsoft.com/office/drawing/2014/main" xmlns="" id="{B36349AC-9ADB-47A4-8913-EB782668EEA5}"/>
+                <a16:creationId xmlns="" xmlns:a16="http://schemas.microsoft.com/office/drawing/2014/main" id="{B36349AC-9ADB-47A4-8913-EB782668EEA5}"/>
               </a:ext>
             </a:extLst>
           </p:cNvPr>
@@ -2674,7 +2675,7 @@
           <p:cNvPr id="5" name="Date Placeholder 4">
             <a:extLst>
               <a:ext uri="{FF2B5EF4-FFF2-40B4-BE49-F238E27FC236}">
-                <a16:creationId xmlns:a16="http://schemas.microsoft.com/office/drawing/2014/main" xmlns="" id="{0AAD3D7D-E4F0-415C-9543-0D4F47C676A8}"/>
+                <a16:creationId xmlns="" xmlns:a16="http://schemas.microsoft.com/office/drawing/2014/main" id="{0AAD3D7D-E4F0-415C-9543-0D4F47C676A8}"/>
               </a:ext>
             </a:extLst>
           </p:cNvPr>
@@ -2703,7 +2704,7 @@
           <p:cNvPr id="6" name="Footer Placeholder 5">
             <a:extLst>
               <a:ext uri="{FF2B5EF4-FFF2-40B4-BE49-F238E27FC236}">
-                <a16:creationId xmlns:a16="http://schemas.microsoft.com/office/drawing/2014/main" xmlns="" id="{E6D0231E-66C7-42D0-BAD7-A99E0373CCD5}"/>
+                <a16:creationId xmlns="" xmlns:a16="http://schemas.microsoft.com/office/drawing/2014/main" id="{E6D0231E-66C7-42D0-BAD7-A99E0373CCD5}"/>
               </a:ext>
             </a:extLst>
           </p:cNvPr>
@@ -2728,7 +2729,7 @@
           <p:cNvPr id="7" name="Slide Number Placeholder 6">
             <a:extLst>
               <a:ext uri="{FF2B5EF4-FFF2-40B4-BE49-F238E27FC236}">
-                <a16:creationId xmlns:a16="http://schemas.microsoft.com/office/drawing/2014/main" xmlns="" id="{33440CCF-D719-4BCE-A229-BB113A53F138}"/>
+                <a16:creationId xmlns="" xmlns:a16="http://schemas.microsoft.com/office/drawing/2014/main" id="{33440CCF-D719-4BCE-A229-BB113A53F138}"/>
               </a:ext>
             </a:extLst>
           </p:cNvPr>
@@ -2792,7 +2793,7 @@
           <p:cNvPr id="2" name="Title Placeholder 1">
             <a:extLst>
               <a:ext uri="{FF2B5EF4-FFF2-40B4-BE49-F238E27FC236}">
-                <a16:creationId xmlns:a16="http://schemas.microsoft.com/office/drawing/2014/main" xmlns="" id="{F41775E8-7264-43D6-80D6-62459F128192}"/>
+                <a16:creationId xmlns="" xmlns:a16="http://schemas.microsoft.com/office/drawing/2014/main" id="{F41775E8-7264-43D6-80D6-62459F128192}"/>
               </a:ext>
             </a:extLst>
           </p:cNvPr>
@@ -2831,7 +2832,7 @@
           <p:cNvPr id="3" name="Text Placeholder 2">
             <a:extLst>
               <a:ext uri="{FF2B5EF4-FFF2-40B4-BE49-F238E27FC236}">
-                <a16:creationId xmlns:a16="http://schemas.microsoft.com/office/drawing/2014/main" xmlns="" id="{3FB8C3AE-0B96-4ACF-8DBF-DB40EEF65213}"/>
+                <a16:creationId xmlns="" xmlns:a16="http://schemas.microsoft.com/office/drawing/2014/main" id="{3FB8C3AE-0B96-4ACF-8DBF-DB40EEF65213}"/>
               </a:ext>
             </a:extLst>
           </p:cNvPr>
@@ -2899,7 +2900,7 @@
           <p:cNvPr id="4" name="Date Placeholder 3">
             <a:extLst>
               <a:ext uri="{FF2B5EF4-FFF2-40B4-BE49-F238E27FC236}">
-                <a16:creationId xmlns:a16="http://schemas.microsoft.com/office/drawing/2014/main" xmlns="" id="{5343DA76-671F-4C9E-8861-85F90B8A448E}"/>
+                <a16:creationId xmlns="" xmlns:a16="http://schemas.microsoft.com/office/drawing/2014/main" id="{5343DA76-671F-4C9E-8861-85F90B8A448E}"/>
               </a:ext>
             </a:extLst>
           </p:cNvPr>
@@ -2946,7 +2947,7 @@
           <p:cNvPr id="5" name="Footer Placeholder 4">
             <a:extLst>
               <a:ext uri="{FF2B5EF4-FFF2-40B4-BE49-F238E27FC236}">
-                <a16:creationId xmlns:a16="http://schemas.microsoft.com/office/drawing/2014/main" xmlns="" id="{5D5A8C18-250A-4990-98B3-AAA92754156B}"/>
+                <a16:creationId xmlns="" xmlns:a16="http://schemas.microsoft.com/office/drawing/2014/main" id="{5D5A8C18-250A-4990-98B3-AAA92754156B}"/>
               </a:ext>
             </a:extLst>
           </p:cNvPr>
@@ -2989,7 +2990,7 @@
           <p:cNvPr id="6" name="Slide Number Placeholder 5">
             <a:extLst>
               <a:ext uri="{FF2B5EF4-FFF2-40B4-BE49-F238E27FC236}">
-                <a16:creationId xmlns:a16="http://schemas.microsoft.com/office/drawing/2014/main" xmlns="" id="{B1EB9289-A6E8-4B43-9025-C94546D78925}"/>
+                <a16:creationId xmlns="" xmlns:a16="http://schemas.microsoft.com/office/drawing/2014/main" id="{B1EB9289-A6E8-4B43-9025-C94546D78925}"/>
               </a:ext>
             </a:extLst>
           </p:cNvPr>
@@ -3357,7 +3358,7 @@
           <p:cNvPr id="16" name="Rectangle 15">
             <a:extLst>
               <a:ext uri="{FF2B5EF4-FFF2-40B4-BE49-F238E27FC236}">
-                <a16:creationId xmlns:a16="http://schemas.microsoft.com/office/drawing/2014/main" xmlns="" id="{6AD9D01B-0C3A-4335-8511-9E6E85987F54}"/>
+                <a16:creationId xmlns="" xmlns:a16="http://schemas.microsoft.com/office/drawing/2014/main" id="{6AD9D01B-0C3A-4335-8511-9E6E85987F54}"/>
               </a:ext>
             </a:extLst>
           </p:cNvPr>
@@ -3366,8 +3367,8 @@
         </p:nvSpPr>
         <p:spPr>
           <a:xfrm>
-            <a:off x="1808917" y="847963"/>
-            <a:ext cx="3147773" cy="5960608"/>
+            <a:off x="1808917" y="1964267"/>
+            <a:ext cx="3147773" cy="4844304"/>
           </a:xfrm>
           <a:prstGeom prst="rect">
             <a:avLst/>
@@ -3401,10 +3402,10 @@
       </p:sp>
       <p:sp>
         <p:nvSpPr>
-          <p:cNvPr id="112" name="Rectangle 111">
-            <a:extLst>
-              <a:ext uri="{FF2B5EF4-FFF2-40B4-BE49-F238E27FC236}">
-                <a16:creationId xmlns:a16="http://schemas.microsoft.com/office/drawing/2014/main" xmlns="" id="{0A5AC652-E085-4895-8D11-8178B99CBC13}"/>
+          <p:cNvPr id="4" name="Rectangle 3">
+            <a:extLst>
+              <a:ext uri="{FF2B5EF4-FFF2-40B4-BE49-F238E27FC236}">
+                <a16:creationId xmlns="" xmlns:a16="http://schemas.microsoft.com/office/drawing/2014/main" id="{69906B7B-9CED-4534-985F-1D44228CFBCA}"/>
               </a:ext>
             </a:extLst>
           </p:cNvPr>
@@ -3413,64 +3414,7 @@
         </p:nvSpPr>
         <p:spPr>
           <a:xfrm>
-            <a:off x="8672566" y="2425148"/>
-            <a:ext cx="3124854" cy="4224715"/>
-          </a:xfrm>
-          <a:prstGeom prst="rect">
-            <a:avLst/>
-          </a:prstGeom>
-          <a:ln>
-            <a:prstDash val="sysDash"/>
-          </a:ln>
-        </p:spPr>
-        <p:style>
-          <a:lnRef idx="2">
-            <a:schemeClr val="accent1"/>
-          </a:lnRef>
-          <a:fillRef idx="1">
-            <a:schemeClr val="lt1"/>
-          </a:fillRef>
-          <a:effectRef idx="0">
-            <a:schemeClr val="accent1"/>
-          </a:effectRef>
-          <a:fontRef idx="minor">
-            <a:schemeClr val="dk1"/>
-          </a:fontRef>
-        </p:style>
-        <p:txBody>
-          <a:bodyPr rtlCol="0" anchor="t" anchorCtr="0"/>
-          <a:lstStyle/>
-          <a:p>
-            <a:pPr algn="r"/>
-            <a:r>
-              <a:rPr lang="en-GB" dirty="0"/>
-              <a:t>example</a:t>
-            </a:r>
-            <a:br>
-              <a:rPr lang="en-GB" dirty="0"/>
-            </a:br>
-            <a:r>
-              <a:rPr lang="en-GB" dirty="0"/>
-              <a:t>embedded camel</a:t>
-            </a:r>
-          </a:p>
-        </p:txBody>
-      </p:sp>
-      <p:sp>
-        <p:nvSpPr>
-          <p:cNvPr id="4" name="Rectangle 3">
-            <a:extLst>
-              <a:ext uri="{FF2B5EF4-FFF2-40B4-BE49-F238E27FC236}">
-                <a16:creationId xmlns:a16="http://schemas.microsoft.com/office/drawing/2014/main" xmlns="" id="{69906B7B-9CED-4534-985F-1D44228CFBCA}"/>
-              </a:ext>
-            </a:extLst>
-          </p:cNvPr>
-          <p:cNvSpPr/>
-          <p:nvPr/>
-        </p:nvSpPr>
-        <p:spPr>
-          <a:xfrm>
-            <a:off x="2075852" y="3053256"/>
+            <a:off x="2075852" y="3459672"/>
             <a:ext cx="2604565" cy="690847"/>
           </a:xfrm>
           <a:prstGeom prst="rect">
@@ -3519,10 +3463,10 @@
       </p:sp>
       <p:sp>
         <p:nvSpPr>
-          <p:cNvPr id="7" name="Rectangle 6">
-            <a:extLst>
-              <a:ext uri="{FF2B5EF4-FFF2-40B4-BE49-F238E27FC236}">
-                <a16:creationId xmlns:a16="http://schemas.microsoft.com/office/drawing/2014/main" xmlns="" id="{21A9F216-A1BF-4F01-B06E-3451A3FA6115}"/>
+          <p:cNvPr id="14" name="Rectangle 13">
+            <a:extLst>
+              <a:ext uri="{FF2B5EF4-FFF2-40B4-BE49-F238E27FC236}">
+                <a16:creationId xmlns="" xmlns:a16="http://schemas.microsoft.com/office/drawing/2014/main" id="{960C9FCA-57C7-4E79-891E-523602F7DC61}"/>
               </a:ext>
             </a:extLst>
           </p:cNvPr>
@@ -3531,15 +3475,225 @@
         </p:nvSpPr>
         <p:spPr>
           <a:xfrm>
-            <a:off x="5198637" y="1202468"/>
-            <a:ext cx="3206130" cy="5447396"/>
+            <a:off x="2075852" y="4736921"/>
+            <a:ext cx="2604565" cy="690847"/>
           </a:xfrm>
           <a:prstGeom prst="rect">
             <a:avLst/>
           </a:prstGeom>
+        </p:spPr>
+        <p:style>
+          <a:lnRef idx="2">
+            <a:schemeClr val="accent6">
+              <a:shade val="50000"/>
+            </a:schemeClr>
+          </a:lnRef>
+          <a:fillRef idx="1">
+            <a:schemeClr val="accent6"/>
+          </a:fillRef>
+          <a:effectRef idx="0">
+            <a:schemeClr val="accent6"/>
+          </a:effectRef>
+          <a:fontRef idx="minor">
+            <a:schemeClr val="lt1"/>
+          </a:fontRef>
+        </p:style>
+        <p:txBody>
+          <a:bodyPr rtlCol="0" anchor="ctr"/>
+          <a:lstStyle/>
+          <a:p>
+            <a:pPr algn="ctr"/>
+            <a:r>
+              <a:rPr lang="en-GB" dirty="0" err="1"/>
+              <a:t>incode-domainapp</a:t>
+            </a:r>
+            <a:r>
+              <a:rPr lang="en-GB" dirty="0"/>
+              <a:t>-</a:t>
+            </a:r>
+          </a:p>
+          <a:p>
+            <a:pPr algn="ctr"/>
+            <a:r>
+              <a:rPr lang="en-GB" dirty="0"/>
+              <a:t>module-simple</a:t>
+            </a:r>
+          </a:p>
+        </p:txBody>
+      </p:sp>
+      <p:sp>
+        <p:nvSpPr>
+          <p:cNvPr id="15" name="Rectangle 14">
+            <a:extLst>
+              <a:ext uri="{FF2B5EF4-FFF2-40B4-BE49-F238E27FC236}">
+                <a16:creationId xmlns="" xmlns:a16="http://schemas.microsoft.com/office/drawing/2014/main" id="{6F667E87-8FD6-46A5-A43E-073FA2488E92}"/>
+              </a:ext>
+            </a:extLst>
+          </p:cNvPr>
+          <p:cNvSpPr/>
+          <p:nvPr/>
+        </p:nvSpPr>
+        <p:spPr>
+          <a:xfrm>
+            <a:off x="2080520" y="2337045"/>
+            <a:ext cx="2604565" cy="690847"/>
+          </a:xfrm>
+          <a:prstGeom prst="rect">
+            <a:avLst/>
+          </a:prstGeom>
+        </p:spPr>
+        <p:style>
+          <a:lnRef idx="2">
+            <a:schemeClr val="accent1">
+              <a:shade val="50000"/>
+            </a:schemeClr>
+          </a:lnRef>
+          <a:fillRef idx="1">
+            <a:schemeClr val="accent1"/>
+          </a:fillRef>
+          <a:effectRef idx="0">
+            <a:schemeClr val="accent1"/>
+          </a:effectRef>
+          <a:fontRef idx="minor">
+            <a:schemeClr val="lt1"/>
+          </a:fontRef>
+        </p:style>
+        <p:txBody>
+          <a:bodyPr rtlCol="0" anchor="ctr"/>
+          <a:lstStyle/>
+          <a:p>
+            <a:pPr algn="ctr"/>
+            <a:r>
+              <a:rPr lang="en-GB" dirty="0" err="1"/>
+              <a:t>incode-domainapp</a:t>
+            </a:r>
+            <a:r>
+              <a:rPr lang="en-GB" dirty="0"/>
+              <a:t>-</a:t>
+            </a:r>
+          </a:p>
+          <a:p>
+            <a:pPr algn="ctr"/>
+            <a:r>
+              <a:rPr lang="en-GB" dirty="0" err="1"/>
+              <a:t>webapp</a:t>
+            </a:r>
+            <a:endParaRPr lang="en-GB" dirty="0"/>
+          </a:p>
+        </p:txBody>
+      </p:sp>
+      <p:cxnSp>
+        <p:nvCxnSpPr>
+          <p:cNvPr id="18" name="Connector: Curved 17">
+            <a:extLst>
+              <a:ext uri="{FF2B5EF4-FFF2-40B4-BE49-F238E27FC236}">
+                <a16:creationId xmlns="" xmlns:a16="http://schemas.microsoft.com/office/drawing/2014/main" id="{235B6DF2-10F1-4264-944B-DE3DE4342160}"/>
+              </a:ext>
+            </a:extLst>
+          </p:cNvPr>
+          <p:cNvCxnSpPr>
+            <a:cxnSpLocks/>
+            <a:stCxn id="15" idx="2"/>
+            <a:endCxn id="4" idx="0"/>
+          </p:cNvCxnSpPr>
+          <p:nvPr/>
+        </p:nvCxnSpPr>
+        <p:spPr>
+          <a:xfrm rot="5400000">
+            <a:off x="3164579" y="3241448"/>
+            <a:ext cx="431780" cy="4668"/>
+          </a:xfrm>
+          <a:prstGeom prst="curvedConnector3">
+            <a:avLst>
+              <a:gd name="adj1" fmla="val 50000"/>
+            </a:avLst>
+          </a:prstGeom>
           <a:ln>
-            <a:prstDash val="sysDash"/>
+            <a:prstDash val="dash"/>
+            <a:tailEnd type="arrow" w="lg" len="lg"/>
           </a:ln>
+        </p:spPr>
+        <p:style>
+          <a:lnRef idx="1">
+            <a:schemeClr val="accent1"/>
+          </a:lnRef>
+          <a:fillRef idx="0">
+            <a:schemeClr val="accent1"/>
+          </a:fillRef>
+          <a:effectRef idx="0">
+            <a:schemeClr val="accent1"/>
+          </a:effectRef>
+          <a:fontRef idx="minor">
+            <a:schemeClr val="tx1"/>
+          </a:fontRef>
+        </p:style>
+      </p:cxnSp>
+      <p:cxnSp>
+        <p:nvCxnSpPr>
+          <p:cNvPr id="45" name="Connector: Curved 44">
+            <a:extLst>
+              <a:ext uri="{FF2B5EF4-FFF2-40B4-BE49-F238E27FC236}">
+                <a16:creationId xmlns="" xmlns:a16="http://schemas.microsoft.com/office/drawing/2014/main" id="{326FFFD3-29E8-4568-9C85-C59AE4BE9FB7}"/>
+              </a:ext>
+            </a:extLst>
+          </p:cNvPr>
+          <p:cNvCxnSpPr>
+            <a:cxnSpLocks/>
+            <a:stCxn id="4" idx="2"/>
+            <a:endCxn id="14" idx="0"/>
+          </p:cNvCxnSpPr>
+          <p:nvPr/>
+        </p:nvCxnSpPr>
+        <p:spPr>
+          <a:xfrm rot="5400000">
+            <a:off x="3084934" y="4443720"/>
+            <a:ext cx="586402" cy="12700"/>
+          </a:xfrm>
+          <a:prstGeom prst="curvedConnector3">
+            <a:avLst>
+              <a:gd name="adj1" fmla="val 50000"/>
+            </a:avLst>
+          </a:prstGeom>
+          <a:ln>
+            <a:prstDash val="dash"/>
+            <a:tailEnd type="arrow" w="lg" len="lg"/>
+          </a:ln>
+        </p:spPr>
+        <p:style>
+          <a:lnRef idx="1">
+            <a:schemeClr val="accent1"/>
+          </a:lnRef>
+          <a:fillRef idx="0">
+            <a:schemeClr val="accent1"/>
+          </a:fillRef>
+          <a:effectRef idx="0">
+            <a:schemeClr val="accent1"/>
+          </a:effectRef>
+          <a:fontRef idx="minor">
+            <a:schemeClr val="tx1"/>
+          </a:fontRef>
+        </p:style>
+      </p:cxnSp>
+      <p:sp>
+        <p:nvSpPr>
+          <p:cNvPr id="48" name="Rectangle 47">
+            <a:extLst>
+              <a:ext uri="{FF2B5EF4-FFF2-40B4-BE49-F238E27FC236}">
+                <a16:creationId xmlns="" xmlns:a16="http://schemas.microsoft.com/office/drawing/2014/main" id="{EE301681-6BDF-4FD2-9EC5-D20399824C03}"/>
+              </a:ext>
+            </a:extLst>
+          </p:cNvPr>
+          <p:cNvSpPr/>
+          <p:nvPr/>
+        </p:nvSpPr>
+        <p:spPr>
+          <a:xfrm>
+            <a:off x="153696" y="3566657"/>
+            <a:ext cx="1080000" cy="411103"/>
+          </a:xfrm>
+          <a:prstGeom prst="rect">
+            <a:avLst/>
+          </a:prstGeom>
         </p:spPr>
         <p:style>
           <a:lnRef idx="2">
@@ -3556,30 +3710,95 @@
           </a:fontRef>
         </p:style>
         <p:txBody>
-          <a:bodyPr rtlCol="0" anchor="t" anchorCtr="0"/>
-          <a:lstStyle/>
-          <a:p>
-            <a:pPr algn="r"/>
-            <a:r>
-              <a:rPr lang="en-GB" dirty="0"/>
-              <a:t>example</a:t>
+          <a:bodyPr rtlCol="0" anchor="ctr" anchorCtr="0"/>
+          <a:lstStyle/>
+          <a:p>
+            <a:pPr algn="ctr"/>
+            <a:r>
+              <a:rPr lang="en-GB" sz="1400" dirty="0"/>
+              <a:t>parent</a:t>
+            </a:r>
+          </a:p>
+          <a:p>
+            <a:pPr algn="ctr"/>
+            <a:r>
+              <a:rPr lang="en-GB" sz="1400" dirty="0"/>
+              <a:t>.</a:t>
+            </a:r>
+            <a:r>
+              <a:rPr lang="en-GB" sz="1400" dirty="0" err="1"/>
+              <a:t>pom</a:t>
+            </a:r>
+            <a:endParaRPr lang="en-GB" sz="1400" dirty="0"/>
+          </a:p>
+        </p:txBody>
+      </p:sp>
+      <p:sp>
+        <p:nvSpPr>
+          <p:cNvPr id="49" name="Rectangle 48">
+            <a:extLst>
+              <a:ext uri="{FF2B5EF4-FFF2-40B4-BE49-F238E27FC236}">
+                <a16:creationId xmlns="" xmlns:a16="http://schemas.microsoft.com/office/drawing/2014/main" id="{A8AA121E-7888-4A5A-9BBF-0326D03B9E03}"/>
+              </a:ext>
+            </a:extLst>
+          </p:cNvPr>
+          <p:cNvSpPr/>
+          <p:nvPr/>
+        </p:nvSpPr>
+        <p:spPr>
+          <a:xfrm>
+            <a:off x="153695" y="4086023"/>
+            <a:ext cx="1080000" cy="422240"/>
+          </a:xfrm>
+          <a:prstGeom prst="rect">
+            <a:avLst/>
+          </a:prstGeom>
+        </p:spPr>
+        <p:style>
+          <a:lnRef idx="2">
+            <a:schemeClr val="accent5">
+              <a:shade val="50000"/>
+            </a:schemeClr>
+          </a:lnRef>
+          <a:fillRef idx="1">
+            <a:schemeClr val="accent5"/>
+          </a:fillRef>
+          <a:effectRef idx="0">
+            <a:schemeClr val="accent5"/>
+          </a:effectRef>
+          <a:fontRef idx="minor">
+            <a:schemeClr val="lt1"/>
+          </a:fontRef>
+        </p:style>
+        <p:txBody>
+          <a:bodyPr rtlCol="0" anchor="ctr"/>
+          <a:lstStyle/>
+          <a:p>
+            <a:pPr algn="ctr"/>
+            <a:r>
+              <a:rPr lang="en-GB" sz="1400" dirty="0" err="1"/>
+              <a:t>webapp</a:t>
+            </a:r>
+            <a:r>
+              <a:rPr lang="en-GB" sz="1400" dirty="0"/>
+              <a:t/>
             </a:r>
             <a:br>
-              <a:rPr lang="en-GB" dirty="0"/>
+              <a:rPr lang="en-GB" sz="1400" dirty="0"/>
             </a:br>
             <a:r>
-              <a:rPr lang="en-GB" dirty="0"/>
-              <a:t>platform usage</a:t>
-            </a:r>
-          </a:p>
-        </p:txBody>
-      </p:sp>
-      <p:sp>
-        <p:nvSpPr>
-          <p:cNvPr id="9" name="Rectangle 8">
-            <a:extLst>
-              <a:ext uri="{FF2B5EF4-FFF2-40B4-BE49-F238E27FC236}">
-                <a16:creationId xmlns:a16="http://schemas.microsoft.com/office/drawing/2014/main" xmlns="" id="{422E47CE-443D-45D5-93D0-68C19F813735}"/>
+              <a:rPr lang="en-GB" sz="1400" dirty="0"/>
+              <a:t>.war</a:t>
+            </a:r>
+          </a:p>
+        </p:txBody>
+      </p:sp>
+      <p:sp>
+        <p:nvSpPr>
+          <p:cNvPr id="51" name="Rectangle 50">
+            <a:extLst>
+              <a:ext uri="{FF2B5EF4-FFF2-40B4-BE49-F238E27FC236}">
+                <a16:creationId xmlns="" xmlns:a16="http://schemas.microsoft.com/office/drawing/2014/main" id="{F5ADB6AC-2574-45A0-BBF2-72D3981B103D}"/>
               </a:ext>
             </a:extLst>
           </p:cNvPr>
@@ -3588,8 +3807,8 @@
         </p:nvSpPr>
         <p:spPr>
           <a:xfrm>
-            <a:off x="5420419" y="2024438"/>
-            <a:ext cx="2604565" cy="690847"/>
+            <a:off x="153695" y="4616526"/>
+            <a:ext cx="1080000" cy="383056"/>
           </a:xfrm>
           <a:prstGeom prst="rect">
             <a:avLst/>
@@ -3617,34 +3836,30 @@
           <a:p>
             <a:pPr algn="ctr"/>
             <a:r>
-              <a:rPr lang="en-GB" dirty="0" err="1"/>
-              <a:t>incode-domainapp</a:t>
-            </a:r>
-            <a:r>
-              <a:rPr lang="en-GB" dirty="0"/>
-              <a:t>-</a:t>
-            </a:r>
+              <a:rPr lang="en-GB" sz="1400" dirty="0"/>
+              <a:t>app </a:t>
+            </a:r>
+            <a:r>
+              <a:rPr lang="en-GB" sz="1400" dirty="0" err="1"/>
+              <a:t>defn</a:t>
+            </a:r>
+            <a:endParaRPr lang="en-GB" sz="1400" dirty="0"/>
           </a:p>
           <a:p>
             <a:pPr algn="ctr"/>
             <a:r>
-              <a:rPr lang="en-GB" dirty="0"/>
-              <a:t>example-</a:t>
-            </a:r>
-            <a:r>
-              <a:rPr lang="en-GB" dirty="0" err="1"/>
-              <a:t>appdefn</a:t>
-            </a:r>
-            <a:endParaRPr lang="en-GB" dirty="0"/>
-          </a:p>
-        </p:txBody>
-      </p:sp>
-      <p:sp>
-        <p:nvSpPr>
-          <p:cNvPr id="10" name="Rectangle 9">
-            <a:extLst>
-              <a:ext uri="{FF2B5EF4-FFF2-40B4-BE49-F238E27FC236}">
-                <a16:creationId xmlns:a16="http://schemas.microsoft.com/office/drawing/2014/main" xmlns="" id="{4169747F-40A6-44FC-808C-7CF9794396D5}"/>
+              <a:rPr lang="en-GB" sz="1400" dirty="0"/>
+              <a:t>.jar</a:t>
+            </a:r>
+          </a:p>
+        </p:txBody>
+      </p:sp>
+      <p:sp>
+        <p:nvSpPr>
+          <p:cNvPr id="52" name="Rectangle 51">
+            <a:extLst>
+              <a:ext uri="{FF2B5EF4-FFF2-40B4-BE49-F238E27FC236}">
+                <a16:creationId xmlns="" xmlns:a16="http://schemas.microsoft.com/office/drawing/2014/main" id="{D362DFB8-D8E0-4F0B-A61A-69A210D62CC7}"/>
               </a:ext>
             </a:extLst>
           </p:cNvPr>
@@ -3653,68 +3868,8 @@
         </p:nvSpPr>
         <p:spPr>
           <a:xfrm>
-            <a:off x="8992149" y="5268169"/>
-            <a:ext cx="2604565" cy="690847"/>
-          </a:xfrm>
-          <a:prstGeom prst="rect">
-            <a:avLst/>
-          </a:prstGeom>
-        </p:spPr>
-        <p:style>
-          <a:lnRef idx="2">
-            <a:schemeClr val="accent3">
-              <a:shade val="50000"/>
-            </a:schemeClr>
-          </a:lnRef>
-          <a:fillRef idx="1">
-            <a:schemeClr val="accent3"/>
-          </a:fillRef>
-          <a:effectRef idx="0">
-            <a:schemeClr val="accent3"/>
-          </a:effectRef>
-          <a:fontRef idx="minor">
-            <a:schemeClr val="lt1"/>
-          </a:fontRef>
-        </p:style>
-        <p:txBody>
-          <a:bodyPr rtlCol="0" anchor="ctr"/>
-          <a:lstStyle/>
-          <a:p>
-            <a:pPr algn="ctr"/>
-            <a:r>
-              <a:rPr lang="en-GB" dirty="0" err="1"/>
-              <a:t>incode-domainapp</a:t>
-            </a:r>
-            <a:r>
-              <a:rPr lang="en-GB" dirty="0"/>
-              <a:t>-</a:t>
-            </a:r>
-          </a:p>
-          <a:p>
-            <a:pPr algn="ctr"/>
-            <a:r>
-              <a:rPr lang="en-GB" dirty="0"/>
-              <a:t>example-canonical</a:t>
-            </a:r>
-          </a:p>
-        </p:txBody>
-      </p:sp>
-      <p:sp>
-        <p:nvSpPr>
-          <p:cNvPr id="11" name="Rectangle 10">
-            <a:extLst>
-              <a:ext uri="{FF2B5EF4-FFF2-40B4-BE49-F238E27FC236}">
-                <a16:creationId xmlns:a16="http://schemas.microsoft.com/office/drawing/2014/main" xmlns="" id="{68D4EC8E-C04A-4C4B-85A1-8B6796BB3F5B}"/>
-              </a:ext>
-            </a:extLst>
-          </p:cNvPr>
-          <p:cNvSpPr/>
-          <p:nvPr/>
-        </p:nvSpPr>
-        <p:spPr>
-          <a:xfrm>
-            <a:off x="5420419" y="5268169"/>
-            <a:ext cx="2604565" cy="690847"/>
+            <a:off x="153695" y="5107845"/>
+            <a:ext cx="1080000" cy="399784"/>
           </a:xfrm>
           <a:prstGeom prst="rect">
             <a:avLst/>
@@ -3742,99 +3897,65 @@
           <a:p>
             <a:pPr algn="ctr"/>
             <a:r>
-              <a:rPr lang="en-GB" dirty="0" err="1"/>
-              <a:t>incode-domainapp</a:t>
-            </a:r>
-            <a:r>
-              <a:rPr lang="en-GB" dirty="0"/>
-              <a:t>-</a:t>
-            </a:r>
+              <a:rPr lang="en-GB" sz="1400" dirty="0"/>
+              <a:t>.</a:t>
+            </a:r>
+            <a:r>
+              <a:rPr lang="en-GB" sz="1400" dirty="0" err="1"/>
+              <a:t>dom</a:t>
+            </a:r>
+            <a:endParaRPr lang="en-GB" sz="1400" dirty="0"/>
           </a:p>
           <a:p>
             <a:pPr algn="ctr"/>
             <a:r>
-              <a:rPr lang="en-GB" dirty="0"/>
-              <a:t>example-</a:t>
-            </a:r>
-            <a:r>
-              <a:rPr lang="en-GB" dirty="0" err="1"/>
-              <a:t>dom</a:t>
-            </a:r>
-            <a:endParaRPr lang="en-GB" dirty="0"/>
-          </a:p>
-        </p:txBody>
-      </p:sp>
-      <p:sp>
-        <p:nvSpPr>
-          <p:cNvPr id="12" name="Rectangle 11">
-            <a:extLst>
-              <a:ext uri="{FF2B5EF4-FFF2-40B4-BE49-F238E27FC236}">
-                <a16:creationId xmlns:a16="http://schemas.microsoft.com/office/drawing/2014/main" xmlns="" id="{38FE1AE1-DE48-4CCB-953B-288605D173C4}"/>
-              </a:ext>
-            </a:extLst>
-          </p:cNvPr>
-          <p:cNvSpPr/>
-          <p:nvPr/>
-        </p:nvSpPr>
-        <p:spPr>
-          <a:xfrm>
-            <a:off x="8992150" y="3663281"/>
-            <a:ext cx="2604565" cy="690847"/>
+              <a:rPr lang="en-GB" sz="1400" dirty="0"/>
+              <a:t>.jar</a:t>
+            </a:r>
+          </a:p>
+        </p:txBody>
+      </p:sp>
+      <p:sp>
+        <p:nvSpPr>
+          <p:cNvPr id="95" name="TextBox 94">
+            <a:extLst>
+              <a:ext uri="{FF2B5EF4-FFF2-40B4-BE49-F238E27FC236}">
+                <a16:creationId xmlns="" xmlns:a16="http://schemas.microsoft.com/office/drawing/2014/main" id="{946AB88C-9410-4E16-910D-9E11D567DD57}"/>
+              </a:ext>
+            </a:extLst>
+          </p:cNvPr>
+          <p:cNvSpPr txBox="1"/>
+          <p:nvPr/>
+        </p:nvSpPr>
+        <p:spPr>
+          <a:xfrm>
+            <a:off x="92350" y="2280410"/>
+            <a:ext cx="492827" cy="307777"/>
           </a:xfrm>
           <a:prstGeom prst="rect">
             <a:avLst/>
           </a:prstGeom>
-        </p:spPr>
-        <p:style>
-          <a:lnRef idx="2">
-            <a:schemeClr val="accent3">
-              <a:shade val="50000"/>
-            </a:schemeClr>
-          </a:lnRef>
-          <a:fillRef idx="1">
-            <a:schemeClr val="accent3"/>
-          </a:fillRef>
-          <a:effectRef idx="0">
-            <a:schemeClr val="accent3"/>
-          </a:effectRef>
-          <a:fontRef idx="minor">
-            <a:schemeClr val="lt1"/>
-          </a:fontRef>
-        </p:style>
-        <p:txBody>
-          <a:bodyPr rtlCol="0" anchor="ctr"/>
-          <a:lstStyle/>
-          <a:p>
-            <a:pPr algn="ctr"/>
-            <a:r>
-              <a:rPr lang="en-GB" dirty="0" err="1"/>
-              <a:t>incode-domainapp</a:t>
-            </a:r>
-            <a:r>
-              <a:rPr lang="en-GB" dirty="0"/>
-              <a:t>-</a:t>
-            </a:r>
-          </a:p>
-          <a:p>
-            <a:pPr algn="ctr"/>
-            <a:r>
-              <a:rPr lang="en-GB" dirty="0"/>
-              <a:t>example-</a:t>
-            </a:r>
-            <a:r>
-              <a:rPr lang="en-GB" dirty="0" err="1"/>
-              <a:t>embeddedcamel</a:t>
-            </a:r>
-            <a:endParaRPr lang="en-GB" dirty="0"/>
-          </a:p>
-        </p:txBody>
-      </p:sp>
-      <p:sp>
-        <p:nvSpPr>
-          <p:cNvPr id="14" name="Rectangle 13">
-            <a:extLst>
-              <a:ext uri="{FF2B5EF4-FFF2-40B4-BE49-F238E27FC236}">
-                <a16:creationId xmlns:a16="http://schemas.microsoft.com/office/drawing/2014/main" xmlns="" id="{960C9FCA-57C7-4E79-891E-523602F7DC61}"/>
+          <a:noFill/>
+        </p:spPr>
+        <p:txBody>
+          <a:bodyPr wrap="none" rtlCol="0">
+            <a:spAutoFit/>
+          </a:bodyPr>
+          <a:lstStyle/>
+          <a:p>
+            <a:r>
+              <a:rPr lang="en-GB" sz="1400" i="1" dirty="0"/>
+              <a:t>Key:</a:t>
+            </a:r>
+          </a:p>
+        </p:txBody>
+      </p:sp>
+      <p:sp>
+        <p:nvSpPr>
+          <p:cNvPr id="27" name="Rectangle 26">
+            <a:extLst>
+              <a:ext uri="{FF2B5EF4-FFF2-40B4-BE49-F238E27FC236}">
+                <a16:creationId xmlns="" xmlns:a16="http://schemas.microsoft.com/office/drawing/2014/main" id="{AAC83E29-BD97-4EEC-9AB8-EF2C15FBAF0B}"/>
               </a:ext>
             </a:extLst>
           </p:cNvPr>
@@ -3843,504 +3964,8 @@
         </p:nvSpPr>
         <p:spPr>
           <a:xfrm>
-            <a:off x="2075852" y="4635317"/>
+            <a:off x="2082203" y="5959016"/>
             <a:ext cx="2604565" cy="690847"/>
-          </a:xfrm>
-          <a:prstGeom prst="rect">
-            <a:avLst/>
-          </a:prstGeom>
-        </p:spPr>
-        <p:style>
-          <a:lnRef idx="2">
-            <a:schemeClr val="accent6">
-              <a:shade val="50000"/>
-            </a:schemeClr>
-          </a:lnRef>
-          <a:fillRef idx="1">
-            <a:schemeClr val="accent6"/>
-          </a:fillRef>
-          <a:effectRef idx="0">
-            <a:schemeClr val="accent6"/>
-          </a:effectRef>
-          <a:fontRef idx="minor">
-            <a:schemeClr val="lt1"/>
-          </a:fontRef>
-        </p:style>
-        <p:txBody>
-          <a:bodyPr rtlCol="0" anchor="ctr"/>
-          <a:lstStyle/>
-          <a:p>
-            <a:pPr algn="ctr"/>
-            <a:r>
-              <a:rPr lang="en-GB" dirty="0" err="1"/>
-              <a:t>incode-domainapp</a:t>
-            </a:r>
-            <a:r>
-              <a:rPr lang="en-GB" dirty="0"/>
-              <a:t>-</a:t>
-            </a:r>
-          </a:p>
-          <a:p>
-            <a:pPr algn="ctr"/>
-            <a:r>
-              <a:rPr lang="en-GB" dirty="0"/>
-              <a:t>module-simple</a:t>
-            </a:r>
-          </a:p>
-        </p:txBody>
-      </p:sp>
-      <p:sp>
-        <p:nvSpPr>
-          <p:cNvPr id="15" name="Rectangle 14">
-            <a:extLst>
-              <a:ext uri="{FF2B5EF4-FFF2-40B4-BE49-F238E27FC236}">
-                <a16:creationId xmlns:a16="http://schemas.microsoft.com/office/drawing/2014/main" xmlns="" id="{6F667E87-8FD6-46A5-A43E-073FA2488E92}"/>
-              </a:ext>
-            </a:extLst>
-          </p:cNvPr>
-          <p:cNvSpPr/>
-          <p:nvPr/>
-        </p:nvSpPr>
-        <p:spPr>
-          <a:xfrm>
-            <a:off x="2080520" y="1202467"/>
-            <a:ext cx="2604565" cy="690847"/>
-          </a:xfrm>
-          <a:prstGeom prst="rect">
-            <a:avLst/>
-          </a:prstGeom>
-        </p:spPr>
-        <p:style>
-          <a:lnRef idx="2">
-            <a:schemeClr val="accent1">
-              <a:shade val="50000"/>
-            </a:schemeClr>
-          </a:lnRef>
-          <a:fillRef idx="1">
-            <a:schemeClr val="accent1"/>
-          </a:fillRef>
-          <a:effectRef idx="0">
-            <a:schemeClr val="accent1"/>
-          </a:effectRef>
-          <a:fontRef idx="minor">
-            <a:schemeClr val="lt1"/>
-          </a:fontRef>
-        </p:style>
-        <p:txBody>
-          <a:bodyPr rtlCol="0" anchor="ctr"/>
-          <a:lstStyle/>
-          <a:p>
-            <a:pPr algn="ctr"/>
-            <a:r>
-              <a:rPr lang="en-GB" dirty="0" err="1"/>
-              <a:t>incode-domainapp</a:t>
-            </a:r>
-            <a:r>
-              <a:rPr lang="en-GB" dirty="0"/>
-              <a:t>-</a:t>
-            </a:r>
-          </a:p>
-          <a:p>
-            <a:pPr algn="ctr"/>
-            <a:r>
-              <a:rPr lang="en-GB" dirty="0" err="1"/>
-              <a:t>webapp</a:t>
-            </a:r>
-            <a:endParaRPr lang="en-GB" dirty="0"/>
-          </a:p>
-        </p:txBody>
-      </p:sp>
-      <p:cxnSp>
-        <p:nvCxnSpPr>
-          <p:cNvPr id="18" name="Connector: Curved 17">
-            <a:extLst>
-              <a:ext uri="{FF2B5EF4-FFF2-40B4-BE49-F238E27FC236}">
-                <a16:creationId xmlns:a16="http://schemas.microsoft.com/office/drawing/2014/main" xmlns="" id="{235B6DF2-10F1-4264-944B-DE3DE4342160}"/>
-              </a:ext>
-            </a:extLst>
-          </p:cNvPr>
-          <p:cNvCxnSpPr>
-            <a:cxnSpLocks/>
-            <a:stCxn id="15" idx="2"/>
-            <a:endCxn id="4" idx="0"/>
-          </p:cNvCxnSpPr>
-          <p:nvPr/>
-        </p:nvCxnSpPr>
-        <p:spPr>
-          <a:xfrm rot="5400000">
-            <a:off x="2800498" y="2470951"/>
-            <a:ext cx="1159942" cy="4668"/>
-          </a:xfrm>
-          <a:prstGeom prst="curvedConnector3">
-            <a:avLst>
-              <a:gd name="adj1" fmla="val 50000"/>
-            </a:avLst>
-          </a:prstGeom>
-          <a:ln>
-            <a:prstDash val="dash"/>
-            <a:tailEnd type="arrow" w="lg" len="lg"/>
-          </a:ln>
-        </p:spPr>
-        <p:style>
-          <a:lnRef idx="1">
-            <a:schemeClr val="accent1"/>
-          </a:lnRef>
-          <a:fillRef idx="0">
-            <a:schemeClr val="accent1"/>
-          </a:fillRef>
-          <a:effectRef idx="0">
-            <a:schemeClr val="accent1"/>
-          </a:effectRef>
-          <a:fontRef idx="minor">
-            <a:schemeClr val="tx1"/>
-          </a:fontRef>
-        </p:style>
-      </p:cxnSp>
-      <p:cxnSp>
-        <p:nvCxnSpPr>
-          <p:cNvPr id="19" name="Connector: Curved 18">
-            <a:extLst>
-              <a:ext uri="{FF2B5EF4-FFF2-40B4-BE49-F238E27FC236}">
-                <a16:creationId xmlns:a16="http://schemas.microsoft.com/office/drawing/2014/main" xmlns="" id="{2FBC79EF-5E35-4E05-8803-3AF73A28C92F}"/>
-              </a:ext>
-            </a:extLst>
-          </p:cNvPr>
-          <p:cNvCxnSpPr>
-            <a:cxnSpLocks/>
-            <a:stCxn id="15" idx="3"/>
-            <a:endCxn id="9" idx="0"/>
-          </p:cNvCxnSpPr>
-          <p:nvPr/>
-        </p:nvCxnSpPr>
-        <p:spPr>
-          <a:xfrm>
-            <a:off x="4685085" y="1547891"/>
-            <a:ext cx="2037617" cy="476547"/>
-          </a:xfrm>
-          <a:prstGeom prst="curvedConnector2">
-            <a:avLst/>
-          </a:prstGeom>
-          <a:ln>
-            <a:prstDash val="dash"/>
-            <a:tailEnd type="arrow" w="lg" len="lg"/>
-          </a:ln>
-        </p:spPr>
-        <p:style>
-          <a:lnRef idx="1">
-            <a:schemeClr val="accent1"/>
-          </a:lnRef>
-          <a:fillRef idx="0">
-            <a:schemeClr val="accent1"/>
-          </a:fillRef>
-          <a:effectRef idx="0">
-            <a:schemeClr val="accent1"/>
-          </a:effectRef>
-          <a:fontRef idx="minor">
-            <a:schemeClr val="tx1"/>
-          </a:fontRef>
-        </p:style>
-      </p:cxnSp>
-      <p:cxnSp>
-        <p:nvCxnSpPr>
-          <p:cNvPr id="24" name="Connector: Curved 23">
-            <a:extLst>
-              <a:ext uri="{FF2B5EF4-FFF2-40B4-BE49-F238E27FC236}">
-                <a16:creationId xmlns:a16="http://schemas.microsoft.com/office/drawing/2014/main" xmlns="" id="{BE6E8495-EAF9-47A3-977B-5D2C8D412DD5}"/>
-              </a:ext>
-            </a:extLst>
-          </p:cNvPr>
-          <p:cNvCxnSpPr>
-            <a:cxnSpLocks/>
-            <a:stCxn id="9" idx="2"/>
-            <a:endCxn id="4" idx="3"/>
-          </p:cNvCxnSpPr>
-          <p:nvPr/>
-        </p:nvCxnSpPr>
-        <p:spPr>
-          <a:xfrm rot="5400000">
-            <a:off x="5359863" y="2035840"/>
-            <a:ext cx="683395" cy="2042285"/>
-          </a:xfrm>
-          <a:prstGeom prst="curvedConnector2">
-            <a:avLst/>
-          </a:prstGeom>
-          <a:ln>
-            <a:prstDash val="dash"/>
-            <a:tailEnd type="arrow" w="lg" len="lg"/>
-          </a:ln>
-        </p:spPr>
-        <p:style>
-          <a:lnRef idx="1">
-            <a:schemeClr val="accent1"/>
-          </a:lnRef>
-          <a:fillRef idx="0">
-            <a:schemeClr val="accent1"/>
-          </a:fillRef>
-          <a:effectRef idx="0">
-            <a:schemeClr val="accent1"/>
-          </a:effectRef>
-          <a:fontRef idx="minor">
-            <a:schemeClr val="tx1"/>
-          </a:fontRef>
-        </p:style>
-      </p:cxnSp>
-      <p:cxnSp>
-        <p:nvCxnSpPr>
-          <p:cNvPr id="31" name="Connector: Curved 30">
-            <a:extLst>
-              <a:ext uri="{FF2B5EF4-FFF2-40B4-BE49-F238E27FC236}">
-                <a16:creationId xmlns:a16="http://schemas.microsoft.com/office/drawing/2014/main" xmlns="" id="{F8EE246A-6C60-4FA3-A5F7-5FD3742399F7}"/>
-              </a:ext>
-            </a:extLst>
-          </p:cNvPr>
-          <p:cNvCxnSpPr>
-            <a:cxnSpLocks/>
-            <a:stCxn id="12" idx="2"/>
-            <a:endCxn id="10" idx="0"/>
-          </p:cNvCxnSpPr>
-          <p:nvPr/>
-        </p:nvCxnSpPr>
-        <p:spPr>
-          <a:xfrm rot="5400000">
-            <a:off x="9837413" y="4811148"/>
-            <a:ext cx="914041" cy="1"/>
-          </a:xfrm>
-          <a:prstGeom prst="curvedConnector3">
-            <a:avLst>
-              <a:gd name="adj1" fmla="val 50000"/>
-            </a:avLst>
-          </a:prstGeom>
-          <a:ln>
-            <a:prstDash val="dash"/>
-            <a:tailEnd type="arrow" w="lg" len="lg"/>
-          </a:ln>
-        </p:spPr>
-        <p:style>
-          <a:lnRef idx="1">
-            <a:schemeClr val="accent1"/>
-          </a:lnRef>
-          <a:fillRef idx="0">
-            <a:schemeClr val="accent1"/>
-          </a:fillRef>
-          <a:effectRef idx="0">
-            <a:schemeClr val="accent1"/>
-          </a:effectRef>
-          <a:fontRef idx="minor">
-            <a:schemeClr val="tx1"/>
-          </a:fontRef>
-        </p:style>
-      </p:cxnSp>
-      <p:cxnSp>
-        <p:nvCxnSpPr>
-          <p:cNvPr id="34" name="Connector: Curved 33">
-            <a:extLst>
-              <a:ext uri="{FF2B5EF4-FFF2-40B4-BE49-F238E27FC236}">
-                <a16:creationId xmlns:a16="http://schemas.microsoft.com/office/drawing/2014/main" xmlns="" id="{18F2C29F-2227-4AA4-8F29-568F54DCAE2B}"/>
-              </a:ext>
-            </a:extLst>
-          </p:cNvPr>
-          <p:cNvCxnSpPr>
-            <a:cxnSpLocks/>
-            <a:stCxn id="9" idx="2"/>
-            <a:endCxn id="11" idx="0"/>
-          </p:cNvCxnSpPr>
-          <p:nvPr/>
-        </p:nvCxnSpPr>
-        <p:spPr>
-          <a:xfrm rot="5400000">
-            <a:off x="5446260" y="3991727"/>
-            <a:ext cx="2552884" cy="12700"/>
-          </a:xfrm>
-          <a:prstGeom prst="curvedConnector3">
-            <a:avLst>
-              <a:gd name="adj1" fmla="val 50000"/>
-            </a:avLst>
-          </a:prstGeom>
-          <a:ln>
-            <a:prstDash val="dash"/>
-            <a:tailEnd type="arrow" w="lg" len="lg"/>
-          </a:ln>
-        </p:spPr>
-        <p:style>
-          <a:lnRef idx="1">
-            <a:schemeClr val="accent1"/>
-          </a:lnRef>
-          <a:fillRef idx="0">
-            <a:schemeClr val="accent1"/>
-          </a:fillRef>
-          <a:effectRef idx="0">
-            <a:schemeClr val="accent1"/>
-          </a:effectRef>
-          <a:fontRef idx="minor">
-            <a:schemeClr val="tx1"/>
-          </a:fontRef>
-        </p:style>
-      </p:cxnSp>
-      <p:cxnSp>
-        <p:nvCxnSpPr>
-          <p:cNvPr id="38" name="Connector: Curved 37">
-            <a:extLst>
-              <a:ext uri="{FF2B5EF4-FFF2-40B4-BE49-F238E27FC236}">
-                <a16:creationId xmlns:a16="http://schemas.microsoft.com/office/drawing/2014/main" xmlns="" id="{B7ACC004-2CE9-4C14-9EB0-56CB05770D71}"/>
-              </a:ext>
-            </a:extLst>
-          </p:cNvPr>
-          <p:cNvCxnSpPr>
-            <a:cxnSpLocks/>
-            <a:stCxn id="9" idx="2"/>
-            <a:endCxn id="12" idx="1"/>
-          </p:cNvCxnSpPr>
-          <p:nvPr/>
-        </p:nvCxnSpPr>
-        <p:spPr>
-          <a:xfrm rot="16200000" flipH="1">
-            <a:off x="7210716" y="2227271"/>
-            <a:ext cx="1293420" cy="2269448"/>
-          </a:xfrm>
-          <a:prstGeom prst="curvedConnector2">
-            <a:avLst/>
-          </a:prstGeom>
-          <a:ln>
-            <a:prstDash val="dash"/>
-            <a:tailEnd type="arrow" w="lg" len="lg"/>
-          </a:ln>
-        </p:spPr>
-        <p:style>
-          <a:lnRef idx="1">
-            <a:schemeClr val="accent1"/>
-          </a:lnRef>
-          <a:fillRef idx="0">
-            <a:schemeClr val="accent1"/>
-          </a:fillRef>
-          <a:effectRef idx="0">
-            <a:schemeClr val="accent1"/>
-          </a:effectRef>
-          <a:fontRef idx="minor">
-            <a:schemeClr val="tx1"/>
-          </a:fontRef>
-        </p:style>
-      </p:cxnSp>
-      <p:cxnSp>
-        <p:nvCxnSpPr>
-          <p:cNvPr id="45" name="Connector: Curved 44">
-            <a:extLst>
-              <a:ext uri="{FF2B5EF4-FFF2-40B4-BE49-F238E27FC236}">
-                <a16:creationId xmlns:a16="http://schemas.microsoft.com/office/drawing/2014/main" xmlns="" id="{326FFFD3-29E8-4568-9C85-C59AE4BE9FB7}"/>
-              </a:ext>
-            </a:extLst>
-          </p:cNvPr>
-          <p:cNvCxnSpPr>
-            <a:cxnSpLocks/>
-            <a:stCxn id="4" idx="2"/>
-            <a:endCxn id="14" idx="0"/>
-          </p:cNvCxnSpPr>
-          <p:nvPr/>
-        </p:nvCxnSpPr>
-        <p:spPr>
-          <a:xfrm rot="5400000">
-            <a:off x="2932528" y="4189710"/>
-            <a:ext cx="891214" cy="12700"/>
-          </a:xfrm>
-          <a:prstGeom prst="curvedConnector3">
-            <a:avLst>
-              <a:gd name="adj1" fmla="val 50000"/>
-            </a:avLst>
-          </a:prstGeom>
-          <a:ln>
-            <a:prstDash val="dash"/>
-            <a:tailEnd type="arrow" w="lg" len="lg"/>
-          </a:ln>
-        </p:spPr>
-        <p:style>
-          <a:lnRef idx="1">
-            <a:schemeClr val="accent1"/>
-          </a:lnRef>
-          <a:fillRef idx="0">
-            <a:schemeClr val="accent1"/>
-          </a:fillRef>
-          <a:effectRef idx="0">
-            <a:schemeClr val="accent1"/>
-          </a:effectRef>
-          <a:fontRef idx="minor">
-            <a:schemeClr val="tx1"/>
-          </a:fontRef>
-        </p:style>
-      </p:cxnSp>
-      <p:sp>
-        <p:nvSpPr>
-          <p:cNvPr id="48" name="Rectangle 47">
-            <a:extLst>
-              <a:ext uri="{FF2B5EF4-FFF2-40B4-BE49-F238E27FC236}">
-                <a16:creationId xmlns:a16="http://schemas.microsoft.com/office/drawing/2014/main" xmlns="" id="{EE301681-6BDF-4FD2-9EC5-D20399824C03}"/>
-              </a:ext>
-            </a:extLst>
-          </p:cNvPr>
-          <p:cNvSpPr/>
-          <p:nvPr/>
-        </p:nvSpPr>
-        <p:spPr>
-          <a:xfrm>
-            <a:off x="153696" y="3566657"/>
-            <a:ext cx="1080000" cy="411103"/>
-          </a:xfrm>
-          <a:prstGeom prst="rect">
-            <a:avLst/>
-          </a:prstGeom>
-        </p:spPr>
-        <p:style>
-          <a:lnRef idx="2">
-            <a:schemeClr val="accent1"/>
-          </a:lnRef>
-          <a:fillRef idx="1">
-            <a:schemeClr val="lt1"/>
-          </a:fillRef>
-          <a:effectRef idx="0">
-            <a:schemeClr val="accent1"/>
-          </a:effectRef>
-          <a:fontRef idx="minor">
-            <a:schemeClr val="dk1"/>
-          </a:fontRef>
-        </p:style>
-        <p:txBody>
-          <a:bodyPr rtlCol="0" anchor="ctr" anchorCtr="0"/>
-          <a:lstStyle/>
-          <a:p>
-            <a:pPr algn="ctr"/>
-            <a:r>
-              <a:rPr lang="en-GB" sz="1400" dirty="0"/>
-              <a:t>parent</a:t>
-            </a:r>
-          </a:p>
-          <a:p>
-            <a:pPr algn="ctr"/>
-            <a:r>
-              <a:rPr lang="en-GB" sz="1400" dirty="0"/>
-              <a:t>.</a:t>
-            </a:r>
-            <a:r>
-              <a:rPr lang="en-GB" sz="1400" dirty="0" err="1"/>
-              <a:t>pom</a:t>
-            </a:r>
-            <a:endParaRPr lang="en-GB" sz="1400" dirty="0"/>
-          </a:p>
-        </p:txBody>
-      </p:sp>
-      <p:sp>
-        <p:nvSpPr>
-          <p:cNvPr id="49" name="Rectangle 48">
-            <a:extLst>
-              <a:ext uri="{FF2B5EF4-FFF2-40B4-BE49-F238E27FC236}">
-                <a16:creationId xmlns:a16="http://schemas.microsoft.com/office/drawing/2014/main" xmlns="" id="{A8AA121E-7888-4A5A-9BBF-0326D03B9E03}"/>
-              </a:ext>
-            </a:extLst>
-          </p:cNvPr>
-          <p:cNvSpPr/>
-          <p:nvPr/>
-        </p:nvSpPr>
-        <p:spPr>
-          <a:xfrm>
-            <a:off x="153695" y="4086023"/>
-            <a:ext cx="1080000" cy="422240"/>
           </a:xfrm>
           <a:prstGeom prst="rect">
             <a:avLst/>
@@ -4368,90 +3993,75 @@
           <a:p>
             <a:pPr algn="ctr"/>
             <a:r>
-              <a:rPr lang="en-GB" sz="1400" dirty="0" err="1"/>
-              <a:t>webapp</a:t>
-            </a:r>
-            <a:r>
-              <a:rPr lang="en-GB" sz="1400" dirty="0"/>
-              <a:t/>
-            </a:r>
-            <a:br>
-              <a:rPr lang="en-GB" sz="1400" dirty="0"/>
-            </a:br>
-            <a:r>
-              <a:rPr lang="en-GB" sz="1400" dirty="0"/>
-              <a:t>.war</a:t>
-            </a:r>
-          </a:p>
-        </p:txBody>
-      </p:sp>
-      <p:sp>
-        <p:nvSpPr>
-          <p:cNvPr id="51" name="Rectangle 50">
-            <a:extLst>
-              <a:ext uri="{FF2B5EF4-FFF2-40B4-BE49-F238E27FC236}">
-                <a16:creationId xmlns:a16="http://schemas.microsoft.com/office/drawing/2014/main" xmlns="" id="{F5ADB6AC-2574-45A0-BBF2-72D3981B103D}"/>
-              </a:ext>
-            </a:extLst>
-          </p:cNvPr>
-          <p:cNvSpPr/>
-          <p:nvPr/>
-        </p:nvSpPr>
-        <p:spPr>
-          <a:xfrm>
-            <a:off x="153695" y="4616526"/>
-            <a:ext cx="1080000" cy="383056"/>
-          </a:xfrm>
-          <a:prstGeom prst="rect">
-            <a:avLst/>
-          </a:prstGeom>
+              <a:rPr lang="en-GB" dirty="0" err="1"/>
+              <a:t>incode-domainapp</a:t>
+            </a:r>
+            <a:r>
+              <a:rPr lang="en-GB" dirty="0"/>
+              <a:t>-</a:t>
+            </a:r>
+          </a:p>
+          <a:p>
+            <a:pPr algn="ctr"/>
+            <a:r>
+              <a:rPr lang="en-GB" dirty="0"/>
+              <a:t>module-base</a:t>
+            </a:r>
+          </a:p>
+        </p:txBody>
+      </p:sp>
+      <p:cxnSp>
+        <p:nvCxnSpPr>
+          <p:cNvPr id="28" name="Connector: Curved 27">
+            <a:extLst>
+              <a:ext uri="{FF2B5EF4-FFF2-40B4-BE49-F238E27FC236}">
+                <a16:creationId xmlns="" xmlns:a16="http://schemas.microsoft.com/office/drawing/2014/main" id="{007CFC32-577B-44FD-9292-FCE2548F3D68}"/>
+              </a:ext>
+            </a:extLst>
+          </p:cNvPr>
+          <p:cNvCxnSpPr>
+            <a:cxnSpLocks/>
+            <a:stCxn id="14" idx="2"/>
+            <a:endCxn id="27" idx="0"/>
+          </p:cNvCxnSpPr>
+          <p:nvPr/>
+        </p:nvCxnSpPr>
+        <p:spPr>
+          <a:xfrm rot="16200000" flipH="1">
+            <a:off x="3115686" y="5690216"/>
+            <a:ext cx="531248" cy="6351"/>
+          </a:xfrm>
+          <a:prstGeom prst="curvedConnector3">
+            <a:avLst>
+              <a:gd name="adj1" fmla="val 50000"/>
+            </a:avLst>
+          </a:prstGeom>
+          <a:ln>
+            <a:prstDash val="dash"/>
+            <a:tailEnd type="arrow" w="lg" len="lg"/>
+          </a:ln>
         </p:spPr>
         <p:style>
-          <a:lnRef idx="2">
-            <a:schemeClr val="accent2">
-              <a:shade val="50000"/>
-            </a:schemeClr>
+          <a:lnRef idx="1">
+            <a:schemeClr val="accent1"/>
           </a:lnRef>
-          <a:fillRef idx="1">
-            <a:schemeClr val="accent2"/>
+          <a:fillRef idx="0">
+            <a:schemeClr val="accent1"/>
           </a:fillRef>
           <a:effectRef idx="0">
-            <a:schemeClr val="accent2"/>
+            <a:schemeClr val="accent1"/>
           </a:effectRef>
           <a:fontRef idx="minor">
-            <a:schemeClr val="lt1"/>
+            <a:schemeClr val="tx1"/>
           </a:fontRef>
         </p:style>
-        <p:txBody>
-          <a:bodyPr rtlCol="0" anchor="ctr"/>
-          <a:lstStyle/>
-          <a:p>
-            <a:pPr algn="ctr"/>
-            <a:r>
-              <a:rPr lang="en-GB" sz="1400" dirty="0"/>
-              <a:t>app </a:t>
-            </a:r>
-            <a:r>
-              <a:rPr lang="en-GB" sz="1400" dirty="0" err="1"/>
-              <a:t>defn</a:t>
-            </a:r>
-            <a:endParaRPr lang="en-GB" sz="1400" dirty="0"/>
-          </a:p>
-          <a:p>
-            <a:pPr algn="ctr"/>
-            <a:r>
-              <a:rPr lang="en-GB" sz="1400" dirty="0"/>
-              <a:t>.jar</a:t>
-            </a:r>
-          </a:p>
-        </p:txBody>
-      </p:sp>
-      <p:sp>
-        <p:nvSpPr>
-          <p:cNvPr id="52" name="Rectangle 51">
-            <a:extLst>
-              <a:ext uri="{FF2B5EF4-FFF2-40B4-BE49-F238E27FC236}">
-                <a16:creationId xmlns:a16="http://schemas.microsoft.com/office/drawing/2014/main" xmlns="" id="{D362DFB8-D8E0-4F0B-A61A-69A210D62CC7}"/>
+      </p:cxnSp>
+      <p:sp>
+        <p:nvSpPr>
+          <p:cNvPr id="35" name="Rectangle 34">
+            <a:extLst>
+              <a:ext uri="{FF2B5EF4-FFF2-40B4-BE49-F238E27FC236}">
+                <a16:creationId xmlns="" xmlns:a16="http://schemas.microsoft.com/office/drawing/2014/main" id="{F054E78D-5EDF-4692-8237-C86FD5FFFDF3}"/>
               </a:ext>
             </a:extLst>
           </p:cNvPr>
@@ -4460,203 +4070,8 @@
         </p:nvSpPr>
         <p:spPr>
           <a:xfrm>
-            <a:off x="153695" y="5107845"/>
-            <a:ext cx="1080000" cy="399784"/>
-          </a:xfrm>
-          <a:prstGeom prst="rect">
-            <a:avLst/>
-          </a:prstGeom>
-        </p:spPr>
-        <p:style>
-          <a:lnRef idx="2">
-            <a:schemeClr val="accent6">
-              <a:shade val="50000"/>
-            </a:schemeClr>
-          </a:lnRef>
-          <a:fillRef idx="1">
-            <a:schemeClr val="accent6"/>
-          </a:fillRef>
-          <a:effectRef idx="0">
-            <a:schemeClr val="accent6"/>
-          </a:effectRef>
-          <a:fontRef idx="minor">
-            <a:schemeClr val="lt1"/>
-          </a:fontRef>
-        </p:style>
-        <p:txBody>
-          <a:bodyPr rtlCol="0" anchor="ctr"/>
-          <a:lstStyle/>
-          <a:p>
-            <a:pPr algn="ctr"/>
-            <a:r>
-              <a:rPr lang="en-GB" sz="1400" dirty="0"/>
-              <a:t>.</a:t>
-            </a:r>
-            <a:r>
-              <a:rPr lang="en-GB" sz="1400" dirty="0" err="1"/>
-              <a:t>dom</a:t>
-            </a:r>
-            <a:endParaRPr lang="en-GB" sz="1400" dirty="0"/>
-          </a:p>
-          <a:p>
-            <a:pPr algn="ctr"/>
-            <a:r>
-              <a:rPr lang="en-GB" sz="1400" dirty="0"/>
-              <a:t>.jar</a:t>
-            </a:r>
-          </a:p>
-        </p:txBody>
-      </p:sp>
-      <p:sp>
-        <p:nvSpPr>
-          <p:cNvPr id="54" name="Rectangle 53">
-            <a:extLst>
-              <a:ext uri="{FF2B5EF4-FFF2-40B4-BE49-F238E27FC236}">
-                <a16:creationId xmlns:a16="http://schemas.microsoft.com/office/drawing/2014/main" xmlns="" id="{9E80E87D-1602-437A-BDED-ACE256305F52}"/>
-              </a:ext>
-            </a:extLst>
-          </p:cNvPr>
-          <p:cNvSpPr/>
-          <p:nvPr/>
-        </p:nvSpPr>
-        <p:spPr>
-          <a:xfrm>
-            <a:off x="153695" y="6146397"/>
-            <a:ext cx="1080000" cy="404561"/>
-          </a:xfrm>
-          <a:prstGeom prst="rect">
-            <a:avLst/>
-          </a:prstGeom>
-        </p:spPr>
-        <p:style>
-          <a:lnRef idx="2">
-            <a:schemeClr val="accent3">
-              <a:shade val="50000"/>
-            </a:schemeClr>
-          </a:lnRef>
-          <a:fillRef idx="1">
-            <a:schemeClr val="accent3"/>
-          </a:fillRef>
-          <a:effectRef idx="0">
-            <a:schemeClr val="accent3"/>
-          </a:effectRef>
-          <a:fontRef idx="minor">
-            <a:schemeClr val="lt1"/>
-          </a:fontRef>
-        </p:style>
-        <p:txBody>
-          <a:bodyPr rtlCol="0" anchor="ctr"/>
-          <a:lstStyle/>
-          <a:p>
-            <a:pPr algn="ctr"/>
-            <a:r>
-              <a:rPr lang="en-GB" sz="1400" dirty="0"/>
-              <a:t>camel/</a:t>
-            </a:r>
-            <a:r>
-              <a:rPr lang="en-GB" sz="1400" dirty="0" err="1"/>
-              <a:t>dto</a:t>
-            </a:r>
-            <a:r>
-              <a:rPr lang="en-GB" sz="1400" dirty="0"/>
-              <a:t/>
-            </a:r>
-            <a:br>
-              <a:rPr lang="en-GB" sz="1400" dirty="0"/>
-            </a:br>
-            <a:r>
-              <a:rPr lang="en-GB" sz="1400" dirty="0"/>
-              <a:t>.jar</a:t>
-            </a:r>
-          </a:p>
-        </p:txBody>
-      </p:sp>
-      <p:sp>
-        <p:nvSpPr>
-          <p:cNvPr id="66" name="TextBox 65">
-            <a:extLst>
-              <a:ext uri="{FF2B5EF4-FFF2-40B4-BE49-F238E27FC236}">
-                <a16:creationId xmlns:a16="http://schemas.microsoft.com/office/drawing/2014/main" xmlns="" id="{DC55C7B9-8370-4BA5-8D4E-4632D29BB355}"/>
-              </a:ext>
-            </a:extLst>
-          </p:cNvPr>
-          <p:cNvSpPr txBox="1"/>
-          <p:nvPr/>
-        </p:nvSpPr>
-        <p:spPr>
-          <a:xfrm>
-            <a:off x="5258637" y="2953915"/>
-            <a:ext cx="899092" cy="307777"/>
-          </a:xfrm>
-          <a:prstGeom prst="rect">
-            <a:avLst/>
-          </a:prstGeom>
-          <a:noFill/>
-        </p:spPr>
-        <p:txBody>
-          <a:bodyPr wrap="none" rtlCol="0">
-            <a:spAutoFit/>
-          </a:bodyPr>
-          <a:lstStyle/>
-          <a:p>
-            <a:r>
-              <a:rPr lang="en-GB" sz="1400" dirty="0"/>
-              <a:t>“extends”</a:t>
-            </a:r>
-          </a:p>
-        </p:txBody>
-      </p:sp>
-      <p:sp>
-        <p:nvSpPr>
-          <p:cNvPr id="95" name="TextBox 94">
-            <a:extLst>
-              <a:ext uri="{FF2B5EF4-FFF2-40B4-BE49-F238E27FC236}">
-                <a16:creationId xmlns:a16="http://schemas.microsoft.com/office/drawing/2014/main" xmlns="" id="{946AB88C-9410-4E16-910D-9E11D567DD57}"/>
-              </a:ext>
-            </a:extLst>
-          </p:cNvPr>
-          <p:cNvSpPr txBox="1"/>
-          <p:nvPr/>
-        </p:nvSpPr>
-        <p:spPr>
-          <a:xfrm>
-            <a:off x="92350" y="2280410"/>
-            <a:ext cx="492827" cy="307777"/>
-          </a:xfrm>
-          <a:prstGeom prst="rect">
-            <a:avLst/>
-          </a:prstGeom>
-          <a:noFill/>
-        </p:spPr>
-        <p:txBody>
-          <a:bodyPr wrap="none" rtlCol="0">
-            <a:spAutoFit/>
-          </a:bodyPr>
-          <a:lstStyle/>
-          <a:p>
-            <a:r>
-              <a:rPr lang="en-GB" sz="1400" i="1" dirty="0"/>
-              <a:t>Key:</a:t>
-            </a:r>
-          </a:p>
-        </p:txBody>
-      </p:sp>
-      <p:sp>
-        <p:nvSpPr>
-          <p:cNvPr id="27" name="Rectangle 26">
-            <a:extLst>
-              <a:ext uri="{FF2B5EF4-FFF2-40B4-BE49-F238E27FC236}">
-                <a16:creationId xmlns:a16="http://schemas.microsoft.com/office/drawing/2014/main" xmlns="" id="{AAC83E29-BD97-4EEC-9AB8-EF2C15FBAF0B}"/>
-              </a:ext>
-            </a:extLst>
-          </p:cNvPr>
-          <p:cNvSpPr/>
-          <p:nvPr/>
-        </p:nvSpPr>
-        <p:spPr>
-          <a:xfrm>
-            <a:off x="2082203" y="5959016"/>
-            <a:ext cx="2604565" cy="690847"/>
+            <a:off x="153695" y="5615892"/>
+            <a:ext cx="1080000" cy="422240"/>
           </a:xfrm>
           <a:prstGeom prst="rect">
             <a:avLst/>
@@ -4684,43 +4099,45 @@
           <a:p>
             <a:pPr algn="ctr"/>
             <a:r>
-              <a:rPr lang="en-GB" dirty="0" err="1"/>
-              <a:t>incode-domainapp</a:t>
-            </a:r>
-            <a:r>
-              <a:rPr lang="en-GB" dirty="0"/>
-              <a:t>-</a:t>
-            </a:r>
-          </a:p>
-          <a:p>
-            <a:pPr algn="ctr"/>
-            <a:r>
-              <a:rPr lang="en-GB" dirty="0"/>
-              <a:t>module-base</a:t>
+              <a:rPr lang="en-GB" sz="1400" dirty="0"/>
+              <a:t>base </a:t>
+            </a:r>
+            <a:r>
+              <a:rPr lang="en-GB" sz="1400" dirty="0" err="1"/>
+              <a:t>utils</a:t>
+            </a:r>
+            <a:r>
+              <a:rPr lang="en-GB" sz="1400" dirty="0"/>
+              <a:t/>
+            </a:r>
+            <a:br>
+              <a:rPr lang="en-GB" sz="1400" dirty="0"/>
+            </a:br>
+            <a:r>
+              <a:rPr lang="en-GB" sz="1400" dirty="0"/>
+              <a:t>.jar</a:t>
             </a:r>
           </a:p>
         </p:txBody>
       </p:sp>
       <p:cxnSp>
         <p:nvCxnSpPr>
-          <p:cNvPr id="28" name="Connector: Curved 27">
-            <a:extLst>
-              <a:ext uri="{FF2B5EF4-FFF2-40B4-BE49-F238E27FC236}">
-                <a16:creationId xmlns:a16="http://schemas.microsoft.com/office/drawing/2014/main" xmlns="" id="{007CFC32-577B-44FD-9292-FCE2548F3D68}"/>
+          <p:cNvPr id="36" name="Connector: Curved 35">
+            <a:extLst>
+              <a:ext uri="{FF2B5EF4-FFF2-40B4-BE49-F238E27FC236}">
+                <a16:creationId xmlns="" xmlns:a16="http://schemas.microsoft.com/office/drawing/2014/main" id="{B7BC151F-D659-417F-A783-51938BE4BEA8}"/>
               </a:ext>
             </a:extLst>
           </p:cNvPr>
           <p:cNvCxnSpPr>
             <a:cxnSpLocks/>
-            <a:stCxn id="14" idx="2"/>
-            <a:endCxn id="27" idx="0"/>
           </p:cNvCxnSpPr>
           <p:nvPr/>
         </p:nvCxnSpPr>
         <p:spPr>
-          <a:xfrm rot="16200000" flipH="1">
-            <a:off x="3064884" y="5639414"/>
-            <a:ext cx="632852" cy="6351"/>
+          <a:xfrm rot="10800000">
+            <a:off x="125522" y="3326291"/>
+            <a:ext cx="396230" cy="6788"/>
           </a:xfrm>
           <a:prstGeom prst="curvedConnector3">
             <a:avLst>
@@ -4747,195 +4164,43 @@
           </a:fontRef>
         </p:style>
       </p:cxnSp>
-      <p:cxnSp>
-        <p:nvCxnSpPr>
-          <p:cNvPr id="32" name="Connector: Curved 31">
-            <a:extLst>
-              <a:ext uri="{FF2B5EF4-FFF2-40B4-BE49-F238E27FC236}">
-                <a16:creationId xmlns:a16="http://schemas.microsoft.com/office/drawing/2014/main" xmlns="" id="{49133326-9AF8-4286-8C9B-2EB5BA79270C}"/>
-              </a:ext>
-            </a:extLst>
-          </p:cNvPr>
-          <p:cNvCxnSpPr>
-            <a:cxnSpLocks/>
-            <a:stCxn id="11" idx="2"/>
-            <a:endCxn id="27" idx="3"/>
-          </p:cNvCxnSpPr>
-          <p:nvPr/>
-        </p:nvCxnSpPr>
-        <p:spPr>
-          <a:xfrm rot="5400000">
-            <a:off x="5532023" y="5113761"/>
-            <a:ext cx="345424" cy="2035934"/>
-          </a:xfrm>
-          <a:prstGeom prst="curvedConnector2">
-            <a:avLst/>
-          </a:prstGeom>
-          <a:ln>
-            <a:prstDash val="dash"/>
-            <a:tailEnd type="arrow" w="lg" len="lg"/>
-          </a:ln>
-        </p:spPr>
-        <p:style>
-          <a:lnRef idx="1">
-            <a:schemeClr val="accent1"/>
-          </a:lnRef>
-          <a:fillRef idx="0">
-            <a:schemeClr val="accent1"/>
-          </a:fillRef>
-          <a:effectRef idx="0">
-            <a:schemeClr val="accent1"/>
-          </a:effectRef>
-          <a:fontRef idx="minor">
-            <a:schemeClr val="tx1"/>
-          </a:fontRef>
-        </p:style>
-      </p:cxnSp>
-      <p:sp>
-        <p:nvSpPr>
-          <p:cNvPr id="35" name="Rectangle 34">
-            <a:extLst>
-              <a:ext uri="{FF2B5EF4-FFF2-40B4-BE49-F238E27FC236}">
-                <a16:creationId xmlns:a16="http://schemas.microsoft.com/office/drawing/2014/main" xmlns="" id="{F054E78D-5EDF-4692-8237-C86FD5FFFDF3}"/>
-              </a:ext>
-            </a:extLst>
-          </p:cNvPr>
-          <p:cNvSpPr/>
-          <p:nvPr/>
-        </p:nvSpPr>
-        <p:spPr>
-          <a:xfrm>
-            <a:off x="153695" y="5615892"/>
-            <a:ext cx="1080000" cy="422240"/>
+      <p:sp>
+        <p:nvSpPr>
+          <p:cNvPr id="40" name="TextBox 39">
+            <a:extLst>
+              <a:ext uri="{FF2B5EF4-FFF2-40B4-BE49-F238E27FC236}">
+                <a16:creationId xmlns="" xmlns:a16="http://schemas.microsoft.com/office/drawing/2014/main" id="{8104B7EB-F2A1-4398-B999-ECC472E7BCF3}"/>
+              </a:ext>
+            </a:extLst>
+          </p:cNvPr>
+          <p:cNvSpPr txBox="1"/>
+          <p:nvPr/>
+        </p:nvSpPr>
+        <p:spPr>
+          <a:xfrm>
+            <a:off x="552592" y="3056824"/>
+            <a:ext cx="1083951" cy="523220"/>
           </a:xfrm>
           <a:prstGeom prst="rect">
             <a:avLst/>
           </a:prstGeom>
-        </p:spPr>
-        <p:style>
-          <a:lnRef idx="2">
-            <a:schemeClr val="accent5">
-              <a:shade val="50000"/>
-            </a:schemeClr>
-          </a:lnRef>
-          <a:fillRef idx="1">
-            <a:schemeClr val="accent5"/>
-          </a:fillRef>
-          <a:effectRef idx="0">
-            <a:schemeClr val="accent5"/>
-          </a:effectRef>
-          <a:fontRef idx="minor">
-            <a:schemeClr val="lt1"/>
-          </a:fontRef>
-        </p:style>
-        <p:txBody>
-          <a:bodyPr rtlCol="0" anchor="ctr"/>
-          <a:lstStyle/>
-          <a:p>
-            <a:pPr algn="ctr"/>
+          <a:noFill/>
+        </p:spPr>
+        <p:txBody>
+          <a:bodyPr wrap="none" rtlCol="0">
+            <a:spAutoFit/>
+          </a:bodyPr>
+          <a:lstStyle/>
+          <a:p>
             <a:r>
               <a:rPr lang="en-GB" sz="1400" dirty="0"/>
-              <a:t>base </a:t>
-            </a:r>
-            <a:r>
-              <a:rPr lang="en-GB" sz="1400" dirty="0" err="1"/>
-              <a:t>utils</a:t>
-            </a:r>
-            <a:r>
-              <a:rPr lang="en-GB" sz="1400" dirty="0"/>
-              <a:t/>
+              <a:t>maven</a:t>
             </a:r>
             <a:br>
               <a:rPr lang="en-GB" sz="1400" dirty="0"/>
             </a:br>
             <a:r>
               <a:rPr lang="en-GB" sz="1400" dirty="0"/>
-              <a:t>.jar</a:t>
-            </a:r>
-          </a:p>
-        </p:txBody>
-      </p:sp>
-      <p:cxnSp>
-        <p:nvCxnSpPr>
-          <p:cNvPr id="36" name="Connector: Curved 35">
-            <a:extLst>
-              <a:ext uri="{FF2B5EF4-FFF2-40B4-BE49-F238E27FC236}">
-                <a16:creationId xmlns:a16="http://schemas.microsoft.com/office/drawing/2014/main" xmlns="" id="{B7BC151F-D659-417F-A783-51938BE4BEA8}"/>
-              </a:ext>
-            </a:extLst>
-          </p:cNvPr>
-          <p:cNvCxnSpPr>
-            <a:cxnSpLocks/>
-          </p:cNvCxnSpPr>
-          <p:nvPr/>
-        </p:nvCxnSpPr>
-        <p:spPr>
-          <a:xfrm rot="10800000">
-            <a:off x="125522" y="3326291"/>
-            <a:ext cx="396230" cy="6788"/>
-          </a:xfrm>
-          <a:prstGeom prst="curvedConnector3">
-            <a:avLst>
-              <a:gd name="adj1" fmla="val 50000"/>
-            </a:avLst>
-          </a:prstGeom>
-          <a:ln>
-            <a:prstDash val="dash"/>
-            <a:tailEnd type="arrow" w="lg" len="lg"/>
-          </a:ln>
-        </p:spPr>
-        <p:style>
-          <a:lnRef idx="1">
-            <a:schemeClr val="accent1"/>
-          </a:lnRef>
-          <a:fillRef idx="0">
-            <a:schemeClr val="accent1"/>
-          </a:fillRef>
-          <a:effectRef idx="0">
-            <a:schemeClr val="accent1"/>
-          </a:effectRef>
-          <a:fontRef idx="minor">
-            <a:schemeClr val="tx1"/>
-          </a:fontRef>
-        </p:style>
-      </p:cxnSp>
-      <p:sp>
-        <p:nvSpPr>
-          <p:cNvPr id="40" name="TextBox 39">
-            <a:extLst>
-              <a:ext uri="{FF2B5EF4-FFF2-40B4-BE49-F238E27FC236}">
-                <a16:creationId xmlns:a16="http://schemas.microsoft.com/office/drawing/2014/main" xmlns="" id="{8104B7EB-F2A1-4398-B999-ECC472E7BCF3}"/>
-              </a:ext>
-            </a:extLst>
-          </p:cNvPr>
-          <p:cNvSpPr txBox="1"/>
-          <p:nvPr/>
-        </p:nvSpPr>
-        <p:spPr>
-          <a:xfrm>
-            <a:off x="552592" y="3056824"/>
-            <a:ext cx="1083951" cy="523220"/>
-          </a:xfrm>
-          <a:prstGeom prst="rect">
-            <a:avLst/>
-          </a:prstGeom>
-          <a:noFill/>
-        </p:spPr>
-        <p:txBody>
-          <a:bodyPr wrap="none" rtlCol="0">
-            <a:spAutoFit/>
-          </a:bodyPr>
-          <a:lstStyle/>
-          <a:p>
-            <a:r>
-              <a:rPr lang="en-GB" sz="1400" dirty="0"/>
-              <a:t>maven</a:t>
-            </a:r>
-            <a:br>
-              <a:rPr lang="en-GB" sz="1400" dirty="0"/>
-            </a:br>
-            <a:r>
-              <a:rPr lang="en-GB" sz="1400" dirty="0"/>
               <a:t>dependency</a:t>
             </a:r>
           </a:p>
@@ -4946,7 +4211,7 @@
           <p:cNvPr id="17" name="Flowchart: Document 16">
             <a:extLst>
               <a:ext uri="{FF2B5EF4-FFF2-40B4-BE49-F238E27FC236}">
-                <a16:creationId xmlns:a16="http://schemas.microsoft.com/office/drawing/2014/main" xmlns="" id="{1BF166FF-B4DB-41E3-9A74-DC0DAC98390D}"/>
+                <a16:creationId xmlns="" xmlns:a16="http://schemas.microsoft.com/office/drawing/2014/main" id="{1BF166FF-B4DB-41E3-9A74-DC0DAC98390D}"/>
               </a:ext>
             </a:extLst>
           </p:cNvPr>
@@ -4955,7 +4220,7 @@
         </p:nvSpPr>
         <p:spPr>
           <a:xfrm>
-            <a:off x="6170006" y="87754"/>
+            <a:off x="2831791" y="412465"/>
             <a:ext cx="1105390" cy="760209"/>
           </a:xfrm>
           <a:prstGeom prst="flowChartDocument">
@@ -4993,68 +4258,26 @@
           <p:cNvPr id="42" name="Connector: Curved 41">
             <a:extLst>
               <a:ext uri="{FF2B5EF4-FFF2-40B4-BE49-F238E27FC236}">
-                <a16:creationId xmlns:a16="http://schemas.microsoft.com/office/drawing/2014/main" xmlns="" id="{71DA3FF6-075C-4197-9416-C83BC0D386E8}"/>
+                <a16:creationId xmlns="" xmlns:a16="http://schemas.microsoft.com/office/drawing/2014/main" id="{71DA3FF6-075C-4197-9416-C83BC0D386E8}"/>
               </a:ext>
             </a:extLst>
           </p:cNvPr>
           <p:cNvCxnSpPr>
             <a:cxnSpLocks/>
-            <a:stCxn id="17" idx="1"/>
+            <a:stCxn id="17" idx="2"/>
             <a:endCxn id="16" idx="0"/>
           </p:cNvCxnSpPr>
           <p:nvPr/>
         </p:nvCxnSpPr>
         <p:spPr>
-          <a:xfrm rot="10800000" flipV="1">
-            <a:off x="3382804" y="467859"/>
-            <a:ext cx="2787202" cy="380104"/>
-          </a:xfrm>
-          <a:prstGeom prst="curvedConnector2">
-            <a:avLst/>
-          </a:prstGeom>
-          <a:ln>
-            <a:prstDash val="lgDashDot"/>
-            <a:tailEnd type="arrow" w="lg" len="lg"/>
-          </a:ln>
-        </p:spPr>
-        <p:style>
-          <a:lnRef idx="1">
-            <a:schemeClr val="accent1"/>
-          </a:lnRef>
-          <a:fillRef idx="0">
-            <a:schemeClr val="accent1"/>
-          </a:fillRef>
-          <a:effectRef idx="0">
-            <a:schemeClr val="accent1"/>
-          </a:effectRef>
-          <a:fontRef idx="minor">
-            <a:schemeClr val="tx1"/>
-          </a:fontRef>
-        </p:style>
-      </p:cxnSp>
-      <p:cxnSp>
-        <p:nvCxnSpPr>
-          <p:cNvPr id="73" name="Connector: Curved 72">
-            <a:extLst>
-              <a:ext uri="{FF2B5EF4-FFF2-40B4-BE49-F238E27FC236}">
-                <a16:creationId xmlns:a16="http://schemas.microsoft.com/office/drawing/2014/main" xmlns="" id="{BDCFE337-ECA9-4F4B-894B-5B9210753B6A}"/>
-              </a:ext>
-            </a:extLst>
-          </p:cNvPr>
-          <p:cNvCxnSpPr>
-            <a:cxnSpLocks/>
-            <a:stCxn id="17" idx="3"/>
-            <a:endCxn id="112" idx="0"/>
-          </p:cNvCxnSpPr>
-          <p:nvPr/>
-        </p:nvCxnSpPr>
-        <p:spPr>
-          <a:xfrm>
-            <a:off x="7275396" y="467859"/>
-            <a:ext cx="2959597" cy="1957289"/>
-          </a:xfrm>
-          <a:prstGeom prst="curvedConnector2">
-            <a:avLst/>
+          <a:xfrm rot="5400000">
+            <a:off x="2962720" y="1542500"/>
+            <a:ext cx="841851" cy="1682"/>
+          </a:xfrm>
+          <a:prstGeom prst="curvedConnector3">
+            <a:avLst>
+              <a:gd name="adj1" fmla="val 50000"/>
+            </a:avLst>
           </a:prstGeom>
           <a:ln>
             <a:prstDash val="lgDashDot"/>
@@ -5081,7 +4304,7 @@
           <p:cNvPr id="81" name="Connector: Curved 80">
             <a:extLst>
               <a:ext uri="{FF2B5EF4-FFF2-40B4-BE49-F238E27FC236}">
-                <a16:creationId xmlns:a16="http://schemas.microsoft.com/office/drawing/2014/main" xmlns="" id="{E0DBBBB3-E178-4C40-9E51-8AC6789AE499}"/>
+                <a16:creationId xmlns="" xmlns:a16="http://schemas.microsoft.com/office/drawing/2014/main" id="{E0DBBBB3-E178-4C40-9E51-8AC6789AE499}"/>
               </a:ext>
             </a:extLst>
           </p:cNvPr>
@@ -5125,7 +4348,7 @@
           <p:cNvPr id="83" name="TextBox 82">
             <a:extLst>
               <a:ext uri="{FF2B5EF4-FFF2-40B4-BE49-F238E27FC236}">
-                <a16:creationId xmlns:a16="http://schemas.microsoft.com/office/drawing/2014/main" xmlns="" id="{5F7004B3-D2B5-41DE-9626-D8782E719A5C}"/>
+                <a16:creationId xmlns="" xmlns:a16="http://schemas.microsoft.com/office/drawing/2014/main" id="{5F7004B3-D2B5-41DE-9626-D8782E719A5C}"/>
               </a:ext>
             </a:extLst>
           </p:cNvPr>
@@ -5167,7 +4390,7 @@
           <p:cNvPr id="84" name="TextBox 83">
             <a:extLst>
               <a:ext uri="{FF2B5EF4-FFF2-40B4-BE49-F238E27FC236}">
-                <a16:creationId xmlns:a16="http://schemas.microsoft.com/office/drawing/2014/main" xmlns="" id="{46342F55-5205-4C6F-81BD-4A1BFFAFE65C}"/>
+                <a16:creationId xmlns="" xmlns:a16="http://schemas.microsoft.com/office/drawing/2014/main" id="{46342F55-5205-4C6F-81BD-4A1BFFAFE65C}"/>
               </a:ext>
             </a:extLst>
           </p:cNvPr>
@@ -5176,7 +4399,7 @@
         </p:nvSpPr>
         <p:spPr>
           <a:xfrm>
-            <a:off x="2717586" y="218897"/>
+            <a:off x="1269081" y="1389452"/>
             <a:ext cx="1824410" cy="307777"/>
           </a:xfrm>
           <a:prstGeom prst="rect">
@@ -5197,218 +4420,10 @@
           </a:p>
         </p:txBody>
       </p:sp>
-      <p:sp>
-        <p:nvSpPr>
-          <p:cNvPr id="86" name="TextBox 85">
-            <a:extLst>
-              <a:ext uri="{FF2B5EF4-FFF2-40B4-BE49-F238E27FC236}">
-                <a16:creationId xmlns:a16="http://schemas.microsoft.com/office/drawing/2014/main" xmlns="" id="{3F73D5FF-B89C-4BF6-9D26-63687EA8AE9D}"/>
-              </a:ext>
-            </a:extLst>
-          </p:cNvPr>
-          <p:cNvSpPr txBox="1"/>
-          <p:nvPr/>
-        </p:nvSpPr>
-        <p:spPr>
-          <a:xfrm>
-            <a:off x="9395858" y="230809"/>
-            <a:ext cx="2297296" cy="523220"/>
-          </a:xfrm>
-          <a:prstGeom prst="rect">
-            <a:avLst/>
-          </a:prstGeom>
-          <a:noFill/>
-        </p:spPr>
-        <p:txBody>
-          <a:bodyPr wrap="none" rtlCol="0">
-            <a:spAutoFit/>
-          </a:bodyPr>
-          <a:lstStyle/>
-          <a:p>
-            <a:r>
-              <a:rPr lang="en-GB" sz="1400" dirty="0"/>
-              <a:t>Bootstraps Embedded Camel</a:t>
-            </a:r>
-            <a:br>
-              <a:rPr lang="en-GB" sz="1400" dirty="0"/>
-            </a:br>
-            <a:r>
-              <a:rPr lang="en-GB" sz="1400" dirty="0"/>
-              <a:t>(+ Spring + </a:t>
-            </a:r>
-            <a:r>
-              <a:rPr lang="en-GB" sz="1400" dirty="0" err="1"/>
-              <a:t>ActiveMQ</a:t>
-            </a:r>
-            <a:r>
-              <a:rPr lang="en-GB" sz="1400" dirty="0"/>
-              <a:t>)</a:t>
-            </a:r>
-          </a:p>
-        </p:txBody>
-      </p:sp>
-      <p:cxnSp>
-        <p:nvCxnSpPr>
-          <p:cNvPr id="41" name="Connector: Curved 40">
-            <a:extLst>
-              <a:ext uri="{FF2B5EF4-FFF2-40B4-BE49-F238E27FC236}">
-                <a16:creationId xmlns:a16="http://schemas.microsoft.com/office/drawing/2014/main" xmlns="" id="{69136D57-9160-416D-B3F9-878F1C369BCD}"/>
-              </a:ext>
-            </a:extLst>
-          </p:cNvPr>
-          <p:cNvCxnSpPr>
-            <a:cxnSpLocks/>
-            <a:stCxn id="12" idx="2"/>
-            <a:endCxn id="14" idx="3"/>
-          </p:cNvCxnSpPr>
-          <p:nvPr/>
-        </p:nvCxnSpPr>
-        <p:spPr>
-          <a:xfrm rot="5400000">
-            <a:off x="7174119" y="1860426"/>
-            <a:ext cx="626613" cy="5614016"/>
-          </a:xfrm>
-          <a:prstGeom prst="curvedConnector2">
-            <a:avLst/>
-          </a:prstGeom>
-          <a:ln>
-            <a:prstDash val="dash"/>
-            <a:tailEnd type="arrow" w="lg" len="lg"/>
-          </a:ln>
-        </p:spPr>
-        <p:style>
-          <a:lnRef idx="1">
-            <a:schemeClr val="accent1"/>
-          </a:lnRef>
-          <a:fillRef idx="0">
-            <a:schemeClr val="accent1"/>
-          </a:fillRef>
-          <a:effectRef idx="0">
-            <a:schemeClr val="accent1"/>
-          </a:effectRef>
-          <a:fontRef idx="minor">
-            <a:schemeClr val="tx1"/>
-          </a:fontRef>
-        </p:style>
-      </p:cxnSp>
-      <p:cxnSp>
-        <p:nvCxnSpPr>
-          <p:cNvPr id="106" name="Connector: Curved 105">
-            <a:extLst>
-              <a:ext uri="{FF2B5EF4-FFF2-40B4-BE49-F238E27FC236}">
-                <a16:creationId xmlns:a16="http://schemas.microsoft.com/office/drawing/2014/main" xmlns="" id="{38519E07-9814-45DE-8F54-B74E8EFEB8F7}"/>
-              </a:ext>
-            </a:extLst>
-          </p:cNvPr>
-          <p:cNvCxnSpPr>
-            <a:cxnSpLocks/>
-            <a:stCxn id="4" idx="2"/>
-            <a:endCxn id="12" idx="1"/>
-          </p:cNvCxnSpPr>
-          <p:nvPr/>
-        </p:nvCxnSpPr>
-        <p:spPr>
-          <a:xfrm rot="16200000" flipH="1">
-            <a:off x="6052841" y="1069396"/>
-            <a:ext cx="264602" cy="5614015"/>
-          </a:xfrm>
-          <a:prstGeom prst="curvedConnector2">
-            <a:avLst/>
-          </a:prstGeom>
-          <a:ln>
-            <a:prstDash val="dash"/>
-            <a:tailEnd type="arrow" w="lg" len="lg"/>
-          </a:ln>
-        </p:spPr>
-        <p:style>
-          <a:lnRef idx="1">
-            <a:schemeClr val="accent1"/>
-          </a:lnRef>
-          <a:fillRef idx="0">
-            <a:schemeClr val="accent1"/>
-          </a:fillRef>
-          <a:effectRef idx="0">
-            <a:schemeClr val="accent1"/>
-          </a:effectRef>
-          <a:fontRef idx="minor">
-            <a:schemeClr val="tx1"/>
-          </a:fontRef>
-        </p:style>
-      </p:cxnSp>
-      <p:sp>
-        <p:nvSpPr>
-          <p:cNvPr id="110" name="TextBox 109">
-            <a:extLst>
-              <a:ext uri="{FF2B5EF4-FFF2-40B4-BE49-F238E27FC236}">
-                <a16:creationId xmlns:a16="http://schemas.microsoft.com/office/drawing/2014/main" xmlns="" id="{8856B0F9-F83E-45D3-8CAF-995CA4A37218}"/>
-              </a:ext>
-            </a:extLst>
-          </p:cNvPr>
-          <p:cNvSpPr txBox="1"/>
-          <p:nvPr/>
-        </p:nvSpPr>
-        <p:spPr>
-          <a:xfrm>
-            <a:off x="4661306" y="1581985"/>
-            <a:ext cx="902042" cy="307777"/>
-          </a:xfrm>
-          <a:prstGeom prst="rect">
-            <a:avLst/>
-          </a:prstGeom>
-          <a:noFill/>
-        </p:spPr>
-        <p:txBody>
-          <a:bodyPr wrap="none" rtlCol="0">
-            <a:spAutoFit/>
-          </a:bodyPr>
-          <a:lstStyle/>
-          <a:p>
-            <a:r>
-              <a:rPr lang="en-GB" sz="1400" dirty="0"/>
-              <a:t>(optional)</a:t>
-            </a:r>
-          </a:p>
-        </p:txBody>
-      </p:sp>
-      <p:sp>
-        <p:nvSpPr>
-          <p:cNvPr id="46" name="TextBox 45">
-            <a:extLst>
-              <a:ext uri="{FF2B5EF4-FFF2-40B4-BE49-F238E27FC236}">
-                <a16:creationId xmlns:a16="http://schemas.microsoft.com/office/drawing/2014/main" xmlns="" id="{D7630F3E-F103-4873-9F6A-6A9F01A8DE6C}"/>
-              </a:ext>
-            </a:extLst>
-          </p:cNvPr>
-          <p:cNvSpPr txBox="1"/>
-          <p:nvPr/>
-        </p:nvSpPr>
-        <p:spPr>
-          <a:xfrm>
-            <a:off x="3977910" y="3907111"/>
-            <a:ext cx="902042" cy="307777"/>
-          </a:xfrm>
-          <a:prstGeom prst="rect">
-            <a:avLst/>
-          </a:prstGeom>
-          <a:noFill/>
-        </p:spPr>
-        <p:txBody>
-          <a:bodyPr wrap="none" rtlCol="0">
-            <a:spAutoFit/>
-          </a:bodyPr>
-          <a:lstStyle/>
-          <a:p>
-            <a:r>
-              <a:rPr lang="en-GB" sz="1400" dirty="0"/>
-              <a:t>(optional)</a:t>
-            </a:r>
-          </a:p>
-        </p:txBody>
-      </p:sp>
     </p:spTree>
     <p:extLst>
       <p:ext uri="{BB962C8B-B14F-4D97-AF65-F5344CB8AC3E}">
-        <p14:creationId xmlns:p14="http://schemas.microsoft.com/office/powerpoint/2010/main" val="213524573"/>
+        <p14:creationId xmlns:p14="http://schemas.microsoft.com/office/powerpoint/2010/main" val="4247783368"/>
       </p:ext>
     </p:extLst>
   </p:cSld>
@@ -5440,7 +4455,7 @@
           <p:cNvPr id="16" name="Rectangle 15">
             <a:extLst>
               <a:ext uri="{FF2B5EF4-FFF2-40B4-BE49-F238E27FC236}">
-                <a16:creationId xmlns:a16="http://schemas.microsoft.com/office/drawing/2014/main" xmlns="" id="{6AD9D01B-0C3A-4335-8511-9E6E85987F54}"/>
+                <a16:creationId xmlns="" xmlns:a16="http://schemas.microsoft.com/office/drawing/2014/main" id="{6AD9D01B-0C3A-4335-8511-9E6E85987F54}"/>
               </a:ext>
             </a:extLst>
           </p:cNvPr>
@@ -5449,8 +4464,8 @@
         </p:nvSpPr>
         <p:spPr>
           <a:xfrm>
-            <a:off x="1808917" y="1964267"/>
-            <a:ext cx="3147773" cy="4844304"/>
+            <a:off x="1808917" y="847963"/>
+            <a:ext cx="3147773" cy="5960608"/>
           </a:xfrm>
           <a:prstGeom prst="rect">
             <a:avLst/>
@@ -5484,10 +4499,67 @@
       </p:sp>
       <p:sp>
         <p:nvSpPr>
+          <p:cNvPr id="112" name="Rectangle 111">
+            <a:extLst>
+              <a:ext uri="{FF2B5EF4-FFF2-40B4-BE49-F238E27FC236}">
+                <a16:creationId xmlns="" xmlns:a16="http://schemas.microsoft.com/office/drawing/2014/main" id="{0A5AC652-E085-4895-8D11-8178B99CBC13}"/>
+              </a:ext>
+            </a:extLst>
+          </p:cNvPr>
+          <p:cNvSpPr/>
+          <p:nvPr/>
+        </p:nvSpPr>
+        <p:spPr>
+          <a:xfrm>
+            <a:off x="6505014" y="2425148"/>
+            <a:ext cx="3124854" cy="4224715"/>
+          </a:xfrm>
+          <a:prstGeom prst="rect">
+            <a:avLst/>
+          </a:prstGeom>
+          <a:ln>
+            <a:prstDash val="sysDash"/>
+          </a:ln>
+        </p:spPr>
+        <p:style>
+          <a:lnRef idx="2">
+            <a:schemeClr val="accent1"/>
+          </a:lnRef>
+          <a:fillRef idx="1">
+            <a:schemeClr val="lt1"/>
+          </a:fillRef>
+          <a:effectRef idx="0">
+            <a:schemeClr val="accent1"/>
+          </a:effectRef>
+          <a:fontRef idx="minor">
+            <a:schemeClr val="dk1"/>
+          </a:fontRef>
+        </p:style>
+        <p:txBody>
+          <a:bodyPr rtlCol="0" anchor="t" anchorCtr="0"/>
+          <a:lstStyle/>
+          <a:p>
+            <a:pPr algn="r"/>
+            <a:r>
+              <a:rPr lang="en-GB" dirty="0"/>
+              <a:t>example</a:t>
+            </a:r>
+            <a:br>
+              <a:rPr lang="en-GB" dirty="0"/>
+            </a:br>
+            <a:r>
+              <a:rPr lang="en-GB" dirty="0"/>
+              <a:t>embedded camel</a:t>
+            </a:r>
+          </a:p>
+        </p:txBody>
+      </p:sp>
+      <p:sp>
+        <p:nvSpPr>
           <p:cNvPr id="4" name="Rectangle 3">
             <a:extLst>
               <a:ext uri="{FF2B5EF4-FFF2-40B4-BE49-F238E27FC236}">
-                <a16:creationId xmlns:a16="http://schemas.microsoft.com/office/drawing/2014/main" xmlns="" id="{69906B7B-9CED-4534-985F-1D44228CFBCA}"/>
+                <a16:creationId xmlns="" xmlns:a16="http://schemas.microsoft.com/office/drawing/2014/main" id="{69906B7B-9CED-4534-985F-1D44228CFBCA}"/>
               </a:ext>
             </a:extLst>
           </p:cNvPr>
@@ -5496,7 +4568,7 @@
         </p:nvSpPr>
         <p:spPr>
           <a:xfrm>
-            <a:off x="2075852" y="3459672"/>
+            <a:off x="2075852" y="3053256"/>
             <a:ext cx="2604565" cy="690847"/>
           </a:xfrm>
           <a:prstGeom prst="rect">
@@ -5545,10 +4617,135 @@
       </p:sp>
       <p:sp>
         <p:nvSpPr>
+          <p:cNvPr id="10" name="Rectangle 9">
+            <a:extLst>
+              <a:ext uri="{FF2B5EF4-FFF2-40B4-BE49-F238E27FC236}">
+                <a16:creationId xmlns="" xmlns:a16="http://schemas.microsoft.com/office/drawing/2014/main" id="{4169747F-40A6-44FC-808C-7CF9794396D5}"/>
+              </a:ext>
+            </a:extLst>
+          </p:cNvPr>
+          <p:cNvSpPr/>
+          <p:nvPr/>
+        </p:nvSpPr>
+        <p:spPr>
+          <a:xfrm>
+            <a:off x="6824597" y="5268169"/>
+            <a:ext cx="2604565" cy="690847"/>
+          </a:xfrm>
+          <a:prstGeom prst="rect">
+            <a:avLst/>
+          </a:prstGeom>
+        </p:spPr>
+        <p:style>
+          <a:lnRef idx="2">
+            <a:schemeClr val="accent3">
+              <a:shade val="50000"/>
+            </a:schemeClr>
+          </a:lnRef>
+          <a:fillRef idx="1">
+            <a:schemeClr val="accent3"/>
+          </a:fillRef>
+          <a:effectRef idx="0">
+            <a:schemeClr val="accent3"/>
+          </a:effectRef>
+          <a:fontRef idx="minor">
+            <a:schemeClr val="lt1"/>
+          </a:fontRef>
+        </p:style>
+        <p:txBody>
+          <a:bodyPr rtlCol="0" anchor="ctr"/>
+          <a:lstStyle/>
+          <a:p>
+            <a:pPr algn="ctr"/>
+            <a:r>
+              <a:rPr lang="en-GB" dirty="0" err="1"/>
+              <a:t>incode-domainapp</a:t>
+            </a:r>
+            <a:r>
+              <a:rPr lang="en-GB" dirty="0"/>
+              <a:t>-</a:t>
+            </a:r>
+          </a:p>
+          <a:p>
+            <a:pPr algn="ctr"/>
+            <a:r>
+              <a:rPr lang="en-GB" dirty="0"/>
+              <a:t>example-canonical</a:t>
+            </a:r>
+          </a:p>
+        </p:txBody>
+      </p:sp>
+      <p:sp>
+        <p:nvSpPr>
+          <p:cNvPr id="12" name="Rectangle 11">
+            <a:extLst>
+              <a:ext uri="{FF2B5EF4-FFF2-40B4-BE49-F238E27FC236}">
+                <a16:creationId xmlns="" xmlns:a16="http://schemas.microsoft.com/office/drawing/2014/main" id="{38FE1AE1-DE48-4CCB-953B-288605D173C4}"/>
+              </a:ext>
+            </a:extLst>
+          </p:cNvPr>
+          <p:cNvSpPr/>
+          <p:nvPr/>
+        </p:nvSpPr>
+        <p:spPr>
+          <a:xfrm>
+            <a:off x="6824598" y="3663281"/>
+            <a:ext cx="2604565" cy="690847"/>
+          </a:xfrm>
+          <a:prstGeom prst="rect">
+            <a:avLst/>
+          </a:prstGeom>
+        </p:spPr>
+        <p:style>
+          <a:lnRef idx="2">
+            <a:schemeClr val="accent3">
+              <a:shade val="50000"/>
+            </a:schemeClr>
+          </a:lnRef>
+          <a:fillRef idx="1">
+            <a:schemeClr val="accent3"/>
+          </a:fillRef>
+          <a:effectRef idx="0">
+            <a:schemeClr val="accent3"/>
+          </a:effectRef>
+          <a:fontRef idx="minor">
+            <a:schemeClr val="lt1"/>
+          </a:fontRef>
+        </p:style>
+        <p:txBody>
+          <a:bodyPr rtlCol="0" anchor="ctr"/>
+          <a:lstStyle/>
+          <a:p>
+            <a:pPr algn="ctr"/>
+            <a:r>
+              <a:rPr lang="en-GB" dirty="0" err="1"/>
+              <a:t>incode-domainapp</a:t>
+            </a:r>
+            <a:r>
+              <a:rPr lang="en-GB" dirty="0"/>
+              <a:t>-</a:t>
+            </a:r>
+          </a:p>
+          <a:p>
+            <a:pPr algn="ctr"/>
+            <a:r>
+              <a:rPr lang="en-GB" dirty="0"/>
+              <a:t>example-</a:t>
+            </a:r>
+            <a:r>
+              <a:rPr lang="en-GB" dirty="0" err="1"/>
+              <a:t>embeddedcamel</a:t>
+            </a:r>
+            <a:endParaRPr lang="en-GB" dirty="0"/>
+          </a:p>
+        </p:txBody>
+      </p:sp>
+      <p:sp>
+        <p:nvSpPr>
           <p:cNvPr id="14" name="Rectangle 13">
             <a:extLst>
               <a:ext uri="{FF2B5EF4-FFF2-40B4-BE49-F238E27FC236}">
-                <a16:creationId xmlns:a16="http://schemas.microsoft.com/office/drawing/2014/main" xmlns="" id="{960C9FCA-57C7-4E79-891E-523602F7DC61}"/>
+                <a16:creationId xmlns="" xmlns:a16="http://schemas.microsoft.com/office/drawing/2014/main" id="{960C9FCA-57C7-4E79-891E-523602F7DC61}"/>
               </a:ext>
             </a:extLst>
           </p:cNvPr>
@@ -5557,7 +4754,7 @@
         </p:nvSpPr>
         <p:spPr>
           <a:xfrm>
-            <a:off x="2075852" y="4736921"/>
+            <a:off x="2075852" y="4635317"/>
             <a:ext cx="2604565" cy="690847"/>
           </a:xfrm>
           <a:prstGeom prst="rect">
@@ -5608,7 +4805,7 @@
           <p:cNvPr id="15" name="Rectangle 14">
             <a:extLst>
               <a:ext uri="{FF2B5EF4-FFF2-40B4-BE49-F238E27FC236}">
-                <a16:creationId xmlns:a16="http://schemas.microsoft.com/office/drawing/2014/main" xmlns="" id="{6F667E87-8FD6-46A5-A43E-073FA2488E92}"/>
+                <a16:creationId xmlns="" xmlns:a16="http://schemas.microsoft.com/office/drawing/2014/main" id="{6F667E87-8FD6-46A5-A43E-073FA2488E92}"/>
               </a:ext>
             </a:extLst>
           </p:cNvPr>
@@ -5617,7 +4814,7 @@
         </p:nvSpPr>
         <p:spPr>
           <a:xfrm>
-            <a:off x="2080520" y="2337045"/>
+            <a:off x="2080520" y="1202467"/>
             <a:ext cx="2604565" cy="690847"/>
           </a:xfrm>
           <a:prstGeom prst="rect">
@@ -5669,7 +4866,7 @@
           <p:cNvPr id="18" name="Connector: Curved 17">
             <a:extLst>
               <a:ext uri="{FF2B5EF4-FFF2-40B4-BE49-F238E27FC236}">
-                <a16:creationId xmlns:a16="http://schemas.microsoft.com/office/drawing/2014/main" xmlns="" id="{235B6DF2-10F1-4264-944B-DE3DE4342160}"/>
+                <a16:creationId xmlns="" xmlns:a16="http://schemas.microsoft.com/office/drawing/2014/main" id="{235B6DF2-10F1-4264-944B-DE3DE4342160}"/>
               </a:ext>
             </a:extLst>
           </p:cNvPr>
@@ -5682,8 +4879,54 @@
         </p:nvCxnSpPr>
         <p:spPr>
           <a:xfrm rot="5400000">
-            <a:off x="3164579" y="3241448"/>
-            <a:ext cx="431780" cy="4668"/>
+            <a:off x="2800498" y="2470951"/>
+            <a:ext cx="1159942" cy="4668"/>
+          </a:xfrm>
+          <a:prstGeom prst="curvedConnector3">
+            <a:avLst>
+              <a:gd name="adj1" fmla="val 50000"/>
+            </a:avLst>
+          </a:prstGeom>
+          <a:ln>
+            <a:prstDash val="dash"/>
+            <a:tailEnd type="arrow" w="lg" len="lg"/>
+          </a:ln>
+        </p:spPr>
+        <p:style>
+          <a:lnRef idx="1">
+            <a:schemeClr val="accent1"/>
+          </a:lnRef>
+          <a:fillRef idx="0">
+            <a:schemeClr val="accent1"/>
+          </a:fillRef>
+          <a:effectRef idx="0">
+            <a:schemeClr val="accent1"/>
+          </a:effectRef>
+          <a:fontRef idx="minor">
+            <a:schemeClr val="tx1"/>
+          </a:fontRef>
+        </p:style>
+      </p:cxnSp>
+      <p:cxnSp>
+        <p:nvCxnSpPr>
+          <p:cNvPr id="31" name="Connector: Curved 30">
+            <a:extLst>
+              <a:ext uri="{FF2B5EF4-FFF2-40B4-BE49-F238E27FC236}">
+                <a16:creationId xmlns="" xmlns:a16="http://schemas.microsoft.com/office/drawing/2014/main" id="{F8EE246A-6C60-4FA3-A5F7-5FD3742399F7}"/>
+              </a:ext>
+            </a:extLst>
+          </p:cNvPr>
+          <p:cNvCxnSpPr>
+            <a:cxnSpLocks/>
+            <a:stCxn id="12" idx="2"/>
+            <a:endCxn id="10" idx="0"/>
+          </p:cNvCxnSpPr>
+          <p:nvPr/>
+        </p:nvCxnSpPr>
+        <p:spPr>
+          <a:xfrm rot="5400000">
+            <a:off x="7669861" y="4811148"/>
+            <a:ext cx="914041" cy="1"/>
           </a:xfrm>
           <a:prstGeom prst="curvedConnector3">
             <a:avLst>
@@ -5715,7 +4958,7 @@
           <p:cNvPr id="45" name="Connector: Curved 44">
             <a:extLst>
               <a:ext uri="{FF2B5EF4-FFF2-40B4-BE49-F238E27FC236}">
-                <a16:creationId xmlns:a16="http://schemas.microsoft.com/office/drawing/2014/main" xmlns="" id="{326FFFD3-29E8-4568-9C85-C59AE4BE9FB7}"/>
+                <a16:creationId xmlns="" xmlns:a16="http://schemas.microsoft.com/office/drawing/2014/main" id="{326FFFD3-29E8-4568-9C85-C59AE4BE9FB7}"/>
               </a:ext>
             </a:extLst>
           </p:cNvPr>
@@ -5728,8 +4971,8 @@
         </p:nvCxnSpPr>
         <p:spPr>
           <a:xfrm rot="5400000">
-            <a:off x="3084934" y="4443720"/>
-            <a:ext cx="586402" cy="12700"/>
+            <a:off x="2932528" y="4189710"/>
+            <a:ext cx="891214" cy="12700"/>
           </a:xfrm>
           <a:prstGeom prst="curvedConnector3">
             <a:avLst>
@@ -5761,7 +5004,7 @@
           <p:cNvPr id="48" name="Rectangle 47">
             <a:extLst>
               <a:ext uri="{FF2B5EF4-FFF2-40B4-BE49-F238E27FC236}">
-                <a16:creationId xmlns:a16="http://schemas.microsoft.com/office/drawing/2014/main" xmlns="" id="{EE301681-6BDF-4FD2-9EC5-D20399824C03}"/>
+                <a16:creationId xmlns="" xmlns:a16="http://schemas.microsoft.com/office/drawing/2014/main" id="{EE301681-6BDF-4FD2-9EC5-D20399824C03}"/>
               </a:ext>
             </a:extLst>
           </p:cNvPr>
@@ -5820,7 +5063,7 @@
           <p:cNvPr id="49" name="Rectangle 48">
             <a:extLst>
               <a:ext uri="{FF2B5EF4-FFF2-40B4-BE49-F238E27FC236}">
-                <a16:creationId xmlns:a16="http://schemas.microsoft.com/office/drawing/2014/main" xmlns="" id="{A8AA121E-7888-4A5A-9BBF-0326D03B9E03}"/>
+                <a16:creationId xmlns="" xmlns:a16="http://schemas.microsoft.com/office/drawing/2014/main" id="{A8AA121E-7888-4A5A-9BBF-0326D03B9E03}"/>
               </a:ext>
             </a:extLst>
           </p:cNvPr>
@@ -5880,7 +5123,7 @@
           <p:cNvPr id="51" name="Rectangle 50">
             <a:extLst>
               <a:ext uri="{FF2B5EF4-FFF2-40B4-BE49-F238E27FC236}">
-                <a16:creationId xmlns:a16="http://schemas.microsoft.com/office/drawing/2014/main" xmlns="" id="{F5ADB6AC-2574-45A0-BBF2-72D3981B103D}"/>
+                <a16:creationId xmlns="" xmlns:a16="http://schemas.microsoft.com/office/drawing/2014/main" id="{F5ADB6AC-2574-45A0-BBF2-72D3981B103D}"/>
               </a:ext>
             </a:extLst>
           </p:cNvPr>
@@ -5941,7 +5184,7 @@
           <p:cNvPr id="52" name="Rectangle 51">
             <a:extLst>
               <a:ext uri="{FF2B5EF4-FFF2-40B4-BE49-F238E27FC236}">
-                <a16:creationId xmlns:a16="http://schemas.microsoft.com/office/drawing/2014/main" xmlns="" id="{D362DFB8-D8E0-4F0B-A61A-69A210D62CC7}"/>
+                <a16:creationId xmlns="" xmlns:a16="http://schemas.microsoft.com/office/drawing/2014/main" id="{D362DFB8-D8E0-4F0B-A61A-69A210D62CC7}"/>
               </a:ext>
             </a:extLst>
           </p:cNvPr>
@@ -5999,10 +5242,74 @@
       </p:sp>
       <p:sp>
         <p:nvSpPr>
+          <p:cNvPr id="54" name="Rectangle 53">
+            <a:extLst>
+              <a:ext uri="{FF2B5EF4-FFF2-40B4-BE49-F238E27FC236}">
+                <a16:creationId xmlns="" xmlns:a16="http://schemas.microsoft.com/office/drawing/2014/main" id="{9E80E87D-1602-437A-BDED-ACE256305F52}"/>
+              </a:ext>
+            </a:extLst>
+          </p:cNvPr>
+          <p:cNvSpPr/>
+          <p:nvPr/>
+        </p:nvSpPr>
+        <p:spPr>
+          <a:xfrm>
+            <a:off x="153695" y="6146397"/>
+            <a:ext cx="1080000" cy="404561"/>
+          </a:xfrm>
+          <a:prstGeom prst="rect">
+            <a:avLst/>
+          </a:prstGeom>
+        </p:spPr>
+        <p:style>
+          <a:lnRef idx="2">
+            <a:schemeClr val="accent3">
+              <a:shade val="50000"/>
+            </a:schemeClr>
+          </a:lnRef>
+          <a:fillRef idx="1">
+            <a:schemeClr val="accent3"/>
+          </a:fillRef>
+          <a:effectRef idx="0">
+            <a:schemeClr val="accent3"/>
+          </a:effectRef>
+          <a:fontRef idx="minor">
+            <a:schemeClr val="lt1"/>
+          </a:fontRef>
+        </p:style>
+        <p:txBody>
+          <a:bodyPr rtlCol="0" anchor="ctr"/>
+          <a:lstStyle/>
+          <a:p>
+            <a:pPr algn="ctr"/>
+            <a:r>
+              <a:rPr lang="en-GB" sz="1400" dirty="0"/>
+              <a:t>camel/</a:t>
+            </a:r>
+            <a:r>
+              <a:rPr lang="en-GB" sz="1400" dirty="0" err="1"/>
+              <a:t>dto</a:t>
+            </a:r>
+            <a:r>
+              <a:rPr lang="en-GB" sz="1400" dirty="0"/>
+              <a:t/>
+            </a:r>
+            <a:br>
+              <a:rPr lang="en-GB" sz="1400" dirty="0"/>
+            </a:br>
+            <a:r>
+              <a:rPr lang="en-GB" sz="1400" dirty="0"/>
+              <a:t>.jar</a:t>
+            </a:r>
+          </a:p>
+        </p:txBody>
+      </p:sp>
+      <p:sp>
+        <p:nvSpPr>
           <p:cNvPr id="95" name="TextBox 94">
             <a:extLst>
               <a:ext uri="{FF2B5EF4-FFF2-40B4-BE49-F238E27FC236}">
-                <a16:creationId xmlns:a16="http://schemas.microsoft.com/office/drawing/2014/main" xmlns="" id="{946AB88C-9410-4E16-910D-9E11D567DD57}"/>
+                <a16:creationId xmlns="" xmlns:a16="http://schemas.microsoft.com/office/drawing/2014/main" id="{946AB88C-9410-4E16-910D-9E11D567DD57}"/>
               </a:ext>
             </a:extLst>
           </p:cNvPr>
@@ -6037,7 +5344,7 @@
           <p:cNvPr id="27" name="Rectangle 26">
             <a:extLst>
               <a:ext uri="{FF2B5EF4-FFF2-40B4-BE49-F238E27FC236}">
-                <a16:creationId xmlns:a16="http://schemas.microsoft.com/office/drawing/2014/main" xmlns="" id="{AAC83E29-BD97-4EEC-9AB8-EF2C15FBAF0B}"/>
+                <a16:creationId xmlns="" xmlns:a16="http://schemas.microsoft.com/office/drawing/2014/main" id="{AAC83E29-BD97-4EEC-9AB8-EF2C15FBAF0B}"/>
               </a:ext>
             </a:extLst>
           </p:cNvPr>
@@ -6097,7 +5404,7 @@
           <p:cNvPr id="28" name="Connector: Curved 27">
             <a:extLst>
               <a:ext uri="{FF2B5EF4-FFF2-40B4-BE49-F238E27FC236}">
-                <a16:creationId xmlns:a16="http://schemas.microsoft.com/office/drawing/2014/main" xmlns="" id="{007CFC32-577B-44FD-9292-FCE2548F3D68}"/>
+                <a16:creationId xmlns="" xmlns:a16="http://schemas.microsoft.com/office/drawing/2014/main" id="{007CFC32-577B-44FD-9292-FCE2548F3D68}"/>
               </a:ext>
             </a:extLst>
           </p:cNvPr>
@@ -6110,8 +5417,8 @@
         </p:nvCxnSpPr>
         <p:spPr>
           <a:xfrm rot="16200000" flipH="1">
-            <a:off x="3115686" y="5690216"/>
-            <a:ext cx="531248" cy="6351"/>
+            <a:off x="3064884" y="5639414"/>
+            <a:ext cx="632852" cy="6351"/>
           </a:xfrm>
           <a:prstGeom prst="curvedConnector3">
             <a:avLst>
@@ -6143,7 +5450,7 @@
           <p:cNvPr id="35" name="Rectangle 34">
             <a:extLst>
               <a:ext uri="{FF2B5EF4-FFF2-40B4-BE49-F238E27FC236}">
-                <a16:creationId xmlns:a16="http://schemas.microsoft.com/office/drawing/2014/main" xmlns="" id="{F054E78D-5EDF-4692-8237-C86FD5FFFDF3}"/>
+                <a16:creationId xmlns="" xmlns:a16="http://schemas.microsoft.com/office/drawing/2014/main" id="{F054E78D-5EDF-4692-8237-C86FD5FFFDF3}"/>
               </a:ext>
             </a:extLst>
           </p:cNvPr>
@@ -6207,7 +5514,7 @@
           <p:cNvPr id="36" name="Connector: Curved 35">
             <a:extLst>
               <a:ext uri="{FF2B5EF4-FFF2-40B4-BE49-F238E27FC236}">
-                <a16:creationId xmlns:a16="http://schemas.microsoft.com/office/drawing/2014/main" xmlns="" id="{B7BC151F-D659-417F-A783-51938BE4BEA8}"/>
+                <a16:creationId xmlns="" xmlns:a16="http://schemas.microsoft.com/office/drawing/2014/main" id="{B7BC151F-D659-417F-A783-51938BE4BEA8}"/>
               </a:ext>
             </a:extLst>
           </p:cNvPr>
@@ -6251,7 +5558,7 @@
           <p:cNvPr id="40" name="TextBox 39">
             <a:extLst>
               <a:ext uri="{FF2B5EF4-FFF2-40B4-BE49-F238E27FC236}">
-                <a16:creationId xmlns:a16="http://schemas.microsoft.com/office/drawing/2014/main" xmlns="" id="{8104B7EB-F2A1-4398-B999-ECC472E7BCF3}"/>
+                <a16:creationId xmlns="" xmlns:a16="http://schemas.microsoft.com/office/drawing/2014/main" id="{8104B7EB-F2A1-4398-B999-ECC472E7BCF3}"/>
               </a:ext>
             </a:extLst>
           </p:cNvPr>
@@ -6293,7 +5600,7 @@
           <p:cNvPr id="17" name="Flowchart: Document 16">
             <a:extLst>
               <a:ext uri="{FF2B5EF4-FFF2-40B4-BE49-F238E27FC236}">
-                <a16:creationId xmlns:a16="http://schemas.microsoft.com/office/drawing/2014/main" xmlns="" id="{1BF166FF-B4DB-41E3-9A74-DC0DAC98390D}"/>
+                <a16:creationId xmlns="" xmlns:a16="http://schemas.microsoft.com/office/drawing/2014/main" id="{1BF166FF-B4DB-41E3-9A74-DC0DAC98390D}"/>
               </a:ext>
             </a:extLst>
           </p:cNvPr>
@@ -6302,7 +5609,7 @@
         </p:nvSpPr>
         <p:spPr>
           <a:xfrm>
-            <a:off x="2831791" y="412465"/>
+            <a:off x="5255570" y="87754"/>
             <a:ext cx="1105390" cy="760209"/>
           </a:xfrm>
           <a:prstGeom prst="flowChartDocument">
@@ -6340,26 +5647,68 @@
           <p:cNvPr id="42" name="Connector: Curved 41">
             <a:extLst>
               <a:ext uri="{FF2B5EF4-FFF2-40B4-BE49-F238E27FC236}">
-                <a16:creationId xmlns:a16="http://schemas.microsoft.com/office/drawing/2014/main" xmlns="" id="{71DA3FF6-075C-4197-9416-C83BC0D386E8}"/>
+                <a16:creationId xmlns="" xmlns:a16="http://schemas.microsoft.com/office/drawing/2014/main" id="{71DA3FF6-075C-4197-9416-C83BC0D386E8}"/>
               </a:ext>
             </a:extLst>
           </p:cNvPr>
           <p:cNvCxnSpPr>
             <a:cxnSpLocks/>
-            <a:stCxn id="17" idx="2"/>
+            <a:stCxn id="17" idx="1"/>
             <a:endCxn id="16" idx="0"/>
           </p:cNvCxnSpPr>
           <p:nvPr/>
         </p:nvCxnSpPr>
         <p:spPr>
-          <a:xfrm rot="5400000">
-            <a:off x="2962720" y="1542500"/>
-            <a:ext cx="841851" cy="1682"/>
-          </a:xfrm>
-          <a:prstGeom prst="curvedConnector3">
-            <a:avLst>
-              <a:gd name="adj1" fmla="val 50000"/>
-            </a:avLst>
+          <a:xfrm rot="10800000" flipV="1">
+            <a:off x="3382804" y="467859"/>
+            <a:ext cx="1872766" cy="380104"/>
+          </a:xfrm>
+          <a:prstGeom prst="curvedConnector2">
+            <a:avLst/>
+          </a:prstGeom>
+          <a:ln>
+            <a:prstDash val="lgDashDot"/>
+            <a:tailEnd type="arrow" w="lg" len="lg"/>
+          </a:ln>
+        </p:spPr>
+        <p:style>
+          <a:lnRef idx="1">
+            <a:schemeClr val="accent1"/>
+          </a:lnRef>
+          <a:fillRef idx="0">
+            <a:schemeClr val="accent1"/>
+          </a:fillRef>
+          <a:effectRef idx="0">
+            <a:schemeClr val="accent1"/>
+          </a:effectRef>
+          <a:fontRef idx="minor">
+            <a:schemeClr val="tx1"/>
+          </a:fontRef>
+        </p:style>
+      </p:cxnSp>
+      <p:cxnSp>
+        <p:nvCxnSpPr>
+          <p:cNvPr id="73" name="Connector: Curved 72">
+            <a:extLst>
+              <a:ext uri="{FF2B5EF4-FFF2-40B4-BE49-F238E27FC236}">
+                <a16:creationId xmlns="" xmlns:a16="http://schemas.microsoft.com/office/drawing/2014/main" id="{BDCFE337-ECA9-4F4B-894B-5B9210753B6A}"/>
+              </a:ext>
+            </a:extLst>
+          </p:cNvPr>
+          <p:cNvCxnSpPr>
+            <a:cxnSpLocks/>
+            <a:stCxn id="17" idx="3"/>
+            <a:endCxn id="112" idx="0"/>
+          </p:cNvCxnSpPr>
+          <p:nvPr/>
+        </p:nvCxnSpPr>
+        <p:spPr>
+          <a:xfrm>
+            <a:off x="6360960" y="467859"/>
+            <a:ext cx="1706481" cy="1957289"/>
+          </a:xfrm>
+          <a:prstGeom prst="curvedConnector2">
+            <a:avLst/>
           </a:prstGeom>
           <a:ln>
             <a:prstDash val="lgDashDot"/>
@@ -6386,7 +5735,7 @@
           <p:cNvPr id="81" name="Connector: Curved 80">
             <a:extLst>
               <a:ext uri="{FF2B5EF4-FFF2-40B4-BE49-F238E27FC236}">
-                <a16:creationId xmlns:a16="http://schemas.microsoft.com/office/drawing/2014/main" xmlns="" id="{E0DBBBB3-E178-4C40-9E51-8AC6789AE499}"/>
+                <a16:creationId xmlns="" xmlns:a16="http://schemas.microsoft.com/office/drawing/2014/main" id="{E0DBBBB3-E178-4C40-9E51-8AC6789AE499}"/>
               </a:ext>
             </a:extLst>
           </p:cNvPr>
@@ -6430,7 +5779,7 @@
           <p:cNvPr id="83" name="TextBox 82">
             <a:extLst>
               <a:ext uri="{FF2B5EF4-FFF2-40B4-BE49-F238E27FC236}">
-                <a16:creationId xmlns:a16="http://schemas.microsoft.com/office/drawing/2014/main" xmlns="" id="{5F7004B3-D2B5-41DE-9626-D8782E719A5C}"/>
+                <a16:creationId xmlns="" xmlns:a16="http://schemas.microsoft.com/office/drawing/2014/main" id="{5F7004B3-D2B5-41DE-9626-D8782E719A5C}"/>
               </a:ext>
             </a:extLst>
           </p:cNvPr>
@@ -6472,7 +5821,7 @@
           <p:cNvPr id="84" name="TextBox 83">
             <a:extLst>
               <a:ext uri="{FF2B5EF4-FFF2-40B4-BE49-F238E27FC236}">
-                <a16:creationId xmlns:a16="http://schemas.microsoft.com/office/drawing/2014/main" xmlns="" id="{46342F55-5205-4C6F-81BD-4A1BFFAFE65C}"/>
+                <a16:creationId xmlns="" xmlns:a16="http://schemas.microsoft.com/office/drawing/2014/main" id="{46342F55-5205-4C6F-81BD-4A1BFFAFE65C}"/>
               </a:ext>
             </a:extLst>
           </p:cNvPr>
@@ -6481,7 +5830,7 @@
         </p:nvSpPr>
         <p:spPr>
           <a:xfrm>
-            <a:off x="1269081" y="1389452"/>
+            <a:off x="2717586" y="218897"/>
             <a:ext cx="1824410" cy="307777"/>
           </a:xfrm>
           <a:prstGeom prst="rect">
@@ -6502,10 +5851,2266 @@
           </a:p>
         </p:txBody>
       </p:sp>
+      <p:sp>
+        <p:nvSpPr>
+          <p:cNvPr id="86" name="TextBox 85">
+            <a:extLst>
+              <a:ext uri="{FF2B5EF4-FFF2-40B4-BE49-F238E27FC236}">
+                <a16:creationId xmlns="" xmlns:a16="http://schemas.microsoft.com/office/drawing/2014/main" id="{3F73D5FF-B89C-4BF6-9D26-63687EA8AE9D}"/>
+              </a:ext>
+            </a:extLst>
+          </p:cNvPr>
+          <p:cNvSpPr txBox="1"/>
+          <p:nvPr/>
+        </p:nvSpPr>
+        <p:spPr>
+          <a:xfrm>
+            <a:off x="7228306" y="230809"/>
+            <a:ext cx="2297296" cy="523220"/>
+          </a:xfrm>
+          <a:prstGeom prst="rect">
+            <a:avLst/>
+          </a:prstGeom>
+          <a:noFill/>
+        </p:spPr>
+        <p:txBody>
+          <a:bodyPr wrap="none" rtlCol="0">
+            <a:spAutoFit/>
+          </a:bodyPr>
+          <a:lstStyle/>
+          <a:p>
+            <a:r>
+              <a:rPr lang="en-GB" sz="1400" dirty="0"/>
+              <a:t>Bootstraps Embedded Camel</a:t>
+            </a:r>
+            <a:br>
+              <a:rPr lang="en-GB" sz="1400" dirty="0"/>
+            </a:br>
+            <a:r>
+              <a:rPr lang="en-GB" sz="1400" dirty="0"/>
+              <a:t>(+ Spring + </a:t>
+            </a:r>
+            <a:r>
+              <a:rPr lang="en-GB" sz="1400" dirty="0" err="1"/>
+              <a:t>ActiveMQ</a:t>
+            </a:r>
+            <a:r>
+              <a:rPr lang="en-GB" sz="1400" dirty="0"/>
+              <a:t>)</a:t>
+            </a:r>
+          </a:p>
+        </p:txBody>
+      </p:sp>
+      <p:cxnSp>
+        <p:nvCxnSpPr>
+          <p:cNvPr id="41" name="Connector: Curved 40">
+            <a:extLst>
+              <a:ext uri="{FF2B5EF4-FFF2-40B4-BE49-F238E27FC236}">
+                <a16:creationId xmlns="" xmlns:a16="http://schemas.microsoft.com/office/drawing/2014/main" id="{69136D57-9160-416D-B3F9-878F1C369BCD}"/>
+              </a:ext>
+            </a:extLst>
+          </p:cNvPr>
+          <p:cNvCxnSpPr>
+            <a:cxnSpLocks/>
+            <a:stCxn id="12" idx="2"/>
+            <a:endCxn id="14" idx="3"/>
+          </p:cNvCxnSpPr>
+          <p:nvPr/>
+        </p:nvCxnSpPr>
+        <p:spPr>
+          <a:xfrm rot="5400000">
+            <a:off x="6090343" y="2944202"/>
+            <a:ext cx="626613" cy="3446464"/>
+          </a:xfrm>
+          <a:prstGeom prst="curvedConnector2">
+            <a:avLst/>
+          </a:prstGeom>
+          <a:ln>
+            <a:prstDash val="dash"/>
+            <a:tailEnd type="arrow" w="lg" len="lg"/>
+          </a:ln>
+        </p:spPr>
+        <p:style>
+          <a:lnRef idx="1">
+            <a:schemeClr val="accent1"/>
+          </a:lnRef>
+          <a:fillRef idx="0">
+            <a:schemeClr val="accent1"/>
+          </a:fillRef>
+          <a:effectRef idx="0">
+            <a:schemeClr val="accent1"/>
+          </a:effectRef>
+          <a:fontRef idx="minor">
+            <a:schemeClr val="tx1"/>
+          </a:fontRef>
+        </p:style>
+      </p:cxnSp>
+      <p:cxnSp>
+        <p:nvCxnSpPr>
+          <p:cNvPr id="106" name="Connector: Curved 105">
+            <a:extLst>
+              <a:ext uri="{FF2B5EF4-FFF2-40B4-BE49-F238E27FC236}">
+                <a16:creationId xmlns="" xmlns:a16="http://schemas.microsoft.com/office/drawing/2014/main" id="{38519E07-9814-45DE-8F54-B74E8EFEB8F7}"/>
+              </a:ext>
+            </a:extLst>
+          </p:cNvPr>
+          <p:cNvCxnSpPr>
+            <a:cxnSpLocks/>
+            <a:stCxn id="4" idx="2"/>
+            <a:endCxn id="12" idx="1"/>
+          </p:cNvCxnSpPr>
+          <p:nvPr/>
+        </p:nvCxnSpPr>
+        <p:spPr>
+          <a:xfrm rot="16200000" flipH="1">
+            <a:off x="4969065" y="2153172"/>
+            <a:ext cx="264602" cy="3446463"/>
+          </a:xfrm>
+          <a:prstGeom prst="curvedConnector2">
+            <a:avLst/>
+          </a:prstGeom>
+          <a:ln>
+            <a:prstDash val="dash"/>
+            <a:tailEnd type="arrow" w="lg" len="lg"/>
+          </a:ln>
+        </p:spPr>
+        <p:style>
+          <a:lnRef idx="1">
+            <a:schemeClr val="accent1"/>
+          </a:lnRef>
+          <a:fillRef idx="0">
+            <a:schemeClr val="accent1"/>
+          </a:fillRef>
+          <a:effectRef idx="0">
+            <a:schemeClr val="accent1"/>
+          </a:effectRef>
+          <a:fontRef idx="minor">
+            <a:schemeClr val="tx1"/>
+          </a:fontRef>
+        </p:style>
+      </p:cxnSp>
+      <p:sp>
+        <p:nvSpPr>
+          <p:cNvPr id="46" name="TextBox 45">
+            <a:extLst>
+              <a:ext uri="{FF2B5EF4-FFF2-40B4-BE49-F238E27FC236}">
+                <a16:creationId xmlns="" xmlns:a16="http://schemas.microsoft.com/office/drawing/2014/main" id="{D7630F3E-F103-4873-9F6A-6A9F01A8DE6C}"/>
+              </a:ext>
+            </a:extLst>
+          </p:cNvPr>
+          <p:cNvSpPr txBox="1"/>
+          <p:nvPr/>
+        </p:nvSpPr>
+        <p:spPr>
+          <a:xfrm>
+            <a:off x="3977910" y="3907111"/>
+            <a:ext cx="902042" cy="307777"/>
+          </a:xfrm>
+          <a:prstGeom prst="rect">
+            <a:avLst/>
+          </a:prstGeom>
+          <a:noFill/>
+        </p:spPr>
+        <p:txBody>
+          <a:bodyPr wrap="none" rtlCol="0">
+            <a:spAutoFit/>
+          </a:bodyPr>
+          <a:lstStyle/>
+          <a:p>
+            <a:r>
+              <a:rPr lang="en-GB" sz="1400" dirty="0"/>
+              <a:t>(optional)</a:t>
+            </a:r>
+          </a:p>
+        </p:txBody>
+      </p:sp>
     </p:spTree>
     <p:extLst>
       <p:ext uri="{BB962C8B-B14F-4D97-AF65-F5344CB8AC3E}">
-        <p14:creationId xmlns:p14="http://schemas.microsoft.com/office/powerpoint/2010/main" val="4247783368"/>
+        <p14:creationId xmlns:p14="http://schemas.microsoft.com/office/powerpoint/2010/main" val="213524573"/>
+      </p:ext>
+    </p:extLst>
+  </p:cSld>
+  <p:clrMapOvr>
+    <a:masterClrMapping/>
+  </p:clrMapOvr>
+</p:sld>
+</file>
+
+<file path=ppt/slides/slide3.xml><?xml version="1.0" encoding="utf-8"?>
+<p:sld xmlns:a="http://schemas.openxmlformats.org/drawingml/2006/main" xmlns:r="http://schemas.openxmlformats.org/officeDocument/2006/relationships" xmlns:p="http://schemas.openxmlformats.org/presentationml/2006/main">
+  <p:cSld>
+    <p:spTree>
+      <p:nvGrpSpPr>
+        <p:cNvPr id="1" name=""/>
+        <p:cNvGrpSpPr/>
+        <p:nvPr/>
+      </p:nvGrpSpPr>
+      <p:grpSpPr>
+        <a:xfrm>
+          <a:off x="0" y="0"/>
+          <a:ext cx="0" cy="0"/>
+          <a:chOff x="0" y="0"/>
+          <a:chExt cx="0" cy="0"/>
+        </a:xfrm>
+      </p:grpSpPr>
+      <p:sp>
+        <p:nvSpPr>
+          <p:cNvPr id="16" name="Rectangle 15">
+            <a:extLst>
+              <a:ext uri="{FF2B5EF4-FFF2-40B4-BE49-F238E27FC236}">
+                <a16:creationId xmlns="" xmlns:a16="http://schemas.microsoft.com/office/drawing/2014/main" id="{6AD9D01B-0C3A-4335-8511-9E6E85987F54}"/>
+              </a:ext>
+            </a:extLst>
+          </p:cNvPr>
+          <p:cNvSpPr/>
+          <p:nvPr/>
+        </p:nvSpPr>
+        <p:spPr>
+          <a:xfrm>
+            <a:off x="1808917" y="847963"/>
+            <a:ext cx="3147773" cy="5960608"/>
+          </a:xfrm>
+          <a:prstGeom prst="rect">
+            <a:avLst/>
+          </a:prstGeom>
+        </p:spPr>
+        <p:style>
+          <a:lnRef idx="2">
+            <a:schemeClr val="accent1"/>
+          </a:lnRef>
+          <a:fillRef idx="1">
+            <a:schemeClr val="lt1"/>
+          </a:fillRef>
+          <a:effectRef idx="0">
+            <a:schemeClr val="accent1"/>
+          </a:effectRef>
+          <a:fontRef idx="minor">
+            <a:schemeClr val="dk1"/>
+          </a:fontRef>
+        </p:style>
+        <p:txBody>
+          <a:bodyPr rtlCol="0" anchor="t" anchorCtr="0"/>
+          <a:lstStyle/>
+          <a:p>
+            <a:r>
+              <a:rPr lang="en-GB" dirty="0" err="1"/>
+              <a:t>incode-domainapp</a:t>
+            </a:r>
+            <a:endParaRPr lang="en-GB" dirty="0"/>
+          </a:p>
+        </p:txBody>
+      </p:sp>
+      <p:sp>
+        <p:nvSpPr>
+          <p:cNvPr id="112" name="Rectangle 111">
+            <a:extLst>
+              <a:ext uri="{FF2B5EF4-FFF2-40B4-BE49-F238E27FC236}">
+                <a16:creationId xmlns="" xmlns:a16="http://schemas.microsoft.com/office/drawing/2014/main" id="{0A5AC652-E085-4895-8D11-8178B99CBC13}"/>
+              </a:ext>
+            </a:extLst>
+          </p:cNvPr>
+          <p:cNvSpPr/>
+          <p:nvPr/>
+        </p:nvSpPr>
+        <p:spPr>
+          <a:xfrm>
+            <a:off x="8672566" y="2425148"/>
+            <a:ext cx="3124854" cy="4224715"/>
+          </a:xfrm>
+          <a:prstGeom prst="rect">
+            <a:avLst/>
+          </a:prstGeom>
+          <a:ln>
+            <a:prstDash val="sysDash"/>
+          </a:ln>
+        </p:spPr>
+        <p:style>
+          <a:lnRef idx="2">
+            <a:schemeClr val="accent1"/>
+          </a:lnRef>
+          <a:fillRef idx="1">
+            <a:schemeClr val="lt1"/>
+          </a:fillRef>
+          <a:effectRef idx="0">
+            <a:schemeClr val="accent1"/>
+          </a:effectRef>
+          <a:fontRef idx="minor">
+            <a:schemeClr val="dk1"/>
+          </a:fontRef>
+        </p:style>
+        <p:txBody>
+          <a:bodyPr rtlCol="0" anchor="t" anchorCtr="0"/>
+          <a:lstStyle/>
+          <a:p>
+            <a:pPr algn="r"/>
+            <a:r>
+              <a:rPr lang="en-GB" dirty="0"/>
+              <a:t>example</a:t>
+            </a:r>
+            <a:br>
+              <a:rPr lang="en-GB" dirty="0"/>
+            </a:br>
+            <a:r>
+              <a:rPr lang="en-GB" dirty="0"/>
+              <a:t>embedded camel</a:t>
+            </a:r>
+          </a:p>
+        </p:txBody>
+      </p:sp>
+      <p:sp>
+        <p:nvSpPr>
+          <p:cNvPr id="4" name="Rectangle 3">
+            <a:extLst>
+              <a:ext uri="{FF2B5EF4-FFF2-40B4-BE49-F238E27FC236}">
+                <a16:creationId xmlns="" xmlns:a16="http://schemas.microsoft.com/office/drawing/2014/main" id="{69906B7B-9CED-4534-985F-1D44228CFBCA}"/>
+              </a:ext>
+            </a:extLst>
+          </p:cNvPr>
+          <p:cNvSpPr/>
+          <p:nvPr/>
+        </p:nvSpPr>
+        <p:spPr>
+          <a:xfrm>
+            <a:off x="2075852" y="3053256"/>
+            <a:ext cx="2604565" cy="690847"/>
+          </a:xfrm>
+          <a:prstGeom prst="rect">
+            <a:avLst/>
+          </a:prstGeom>
+        </p:spPr>
+        <p:style>
+          <a:lnRef idx="2">
+            <a:schemeClr val="accent2">
+              <a:shade val="50000"/>
+            </a:schemeClr>
+          </a:lnRef>
+          <a:fillRef idx="1">
+            <a:schemeClr val="accent2"/>
+          </a:fillRef>
+          <a:effectRef idx="0">
+            <a:schemeClr val="accent2"/>
+          </a:effectRef>
+          <a:fontRef idx="minor">
+            <a:schemeClr val="lt1"/>
+          </a:fontRef>
+        </p:style>
+        <p:txBody>
+          <a:bodyPr rtlCol="0" anchor="ctr"/>
+          <a:lstStyle/>
+          <a:p>
+            <a:pPr algn="ctr"/>
+            <a:r>
+              <a:rPr lang="en-GB" dirty="0" err="1"/>
+              <a:t>incode-domainapp</a:t>
+            </a:r>
+            <a:r>
+              <a:rPr lang="en-GB" dirty="0"/>
+              <a:t>-</a:t>
+            </a:r>
+          </a:p>
+          <a:p>
+            <a:pPr algn="ctr"/>
+            <a:r>
+              <a:rPr lang="en-GB" dirty="0" err="1"/>
+              <a:t>appdefn</a:t>
+            </a:r>
+            <a:endParaRPr lang="en-GB" dirty="0"/>
+          </a:p>
+        </p:txBody>
+      </p:sp>
+      <p:sp>
+        <p:nvSpPr>
+          <p:cNvPr id="7" name="Rectangle 6">
+            <a:extLst>
+              <a:ext uri="{FF2B5EF4-FFF2-40B4-BE49-F238E27FC236}">
+                <a16:creationId xmlns="" xmlns:a16="http://schemas.microsoft.com/office/drawing/2014/main" id="{21A9F216-A1BF-4F01-B06E-3451A3FA6115}"/>
+              </a:ext>
+            </a:extLst>
+          </p:cNvPr>
+          <p:cNvSpPr/>
+          <p:nvPr/>
+        </p:nvSpPr>
+        <p:spPr>
+          <a:xfrm>
+            <a:off x="5198637" y="1202468"/>
+            <a:ext cx="3206130" cy="5447396"/>
+          </a:xfrm>
+          <a:prstGeom prst="rect">
+            <a:avLst/>
+          </a:prstGeom>
+          <a:ln>
+            <a:prstDash val="sysDash"/>
+          </a:ln>
+        </p:spPr>
+        <p:style>
+          <a:lnRef idx="2">
+            <a:schemeClr val="accent1"/>
+          </a:lnRef>
+          <a:fillRef idx="1">
+            <a:schemeClr val="lt1"/>
+          </a:fillRef>
+          <a:effectRef idx="0">
+            <a:schemeClr val="accent1"/>
+          </a:effectRef>
+          <a:fontRef idx="minor">
+            <a:schemeClr val="dk1"/>
+          </a:fontRef>
+        </p:style>
+        <p:txBody>
+          <a:bodyPr rtlCol="0" anchor="t" anchorCtr="0"/>
+          <a:lstStyle/>
+          <a:p>
+            <a:pPr algn="r"/>
+            <a:r>
+              <a:rPr lang="en-GB" dirty="0"/>
+              <a:t>example</a:t>
+            </a:r>
+            <a:br>
+              <a:rPr lang="en-GB" dirty="0"/>
+            </a:br>
+            <a:r>
+              <a:rPr lang="en-GB" dirty="0"/>
+              <a:t>platform usage</a:t>
+            </a:r>
+          </a:p>
+        </p:txBody>
+      </p:sp>
+      <p:sp>
+        <p:nvSpPr>
+          <p:cNvPr id="9" name="Rectangle 8">
+            <a:extLst>
+              <a:ext uri="{FF2B5EF4-FFF2-40B4-BE49-F238E27FC236}">
+                <a16:creationId xmlns="" xmlns:a16="http://schemas.microsoft.com/office/drawing/2014/main" id="{422E47CE-443D-45D5-93D0-68C19F813735}"/>
+              </a:ext>
+            </a:extLst>
+          </p:cNvPr>
+          <p:cNvSpPr/>
+          <p:nvPr/>
+        </p:nvSpPr>
+        <p:spPr>
+          <a:xfrm>
+            <a:off x="5420419" y="2024438"/>
+            <a:ext cx="2604565" cy="690847"/>
+          </a:xfrm>
+          <a:prstGeom prst="rect">
+            <a:avLst/>
+          </a:prstGeom>
+        </p:spPr>
+        <p:style>
+          <a:lnRef idx="2">
+            <a:schemeClr val="accent2">
+              <a:shade val="50000"/>
+            </a:schemeClr>
+          </a:lnRef>
+          <a:fillRef idx="1">
+            <a:schemeClr val="accent2"/>
+          </a:fillRef>
+          <a:effectRef idx="0">
+            <a:schemeClr val="accent2"/>
+          </a:effectRef>
+          <a:fontRef idx="minor">
+            <a:schemeClr val="lt1"/>
+          </a:fontRef>
+        </p:style>
+        <p:txBody>
+          <a:bodyPr rtlCol="0" anchor="ctr"/>
+          <a:lstStyle/>
+          <a:p>
+            <a:pPr algn="ctr"/>
+            <a:r>
+              <a:rPr lang="en-GB" dirty="0" err="1"/>
+              <a:t>incode-domainapp</a:t>
+            </a:r>
+            <a:r>
+              <a:rPr lang="en-GB" dirty="0"/>
+              <a:t>-</a:t>
+            </a:r>
+          </a:p>
+          <a:p>
+            <a:pPr algn="ctr"/>
+            <a:r>
+              <a:rPr lang="en-GB" dirty="0"/>
+              <a:t>example-</a:t>
+            </a:r>
+            <a:r>
+              <a:rPr lang="en-GB" dirty="0" err="1"/>
+              <a:t>appdefn</a:t>
+            </a:r>
+            <a:endParaRPr lang="en-GB" dirty="0"/>
+          </a:p>
+        </p:txBody>
+      </p:sp>
+      <p:sp>
+        <p:nvSpPr>
+          <p:cNvPr id="10" name="Rectangle 9">
+            <a:extLst>
+              <a:ext uri="{FF2B5EF4-FFF2-40B4-BE49-F238E27FC236}">
+                <a16:creationId xmlns="" xmlns:a16="http://schemas.microsoft.com/office/drawing/2014/main" id="{4169747F-40A6-44FC-808C-7CF9794396D5}"/>
+              </a:ext>
+            </a:extLst>
+          </p:cNvPr>
+          <p:cNvSpPr/>
+          <p:nvPr/>
+        </p:nvSpPr>
+        <p:spPr>
+          <a:xfrm>
+            <a:off x="8992149" y="5268169"/>
+            <a:ext cx="2604565" cy="690847"/>
+          </a:xfrm>
+          <a:prstGeom prst="rect">
+            <a:avLst/>
+          </a:prstGeom>
+        </p:spPr>
+        <p:style>
+          <a:lnRef idx="2">
+            <a:schemeClr val="accent3">
+              <a:shade val="50000"/>
+            </a:schemeClr>
+          </a:lnRef>
+          <a:fillRef idx="1">
+            <a:schemeClr val="accent3"/>
+          </a:fillRef>
+          <a:effectRef idx="0">
+            <a:schemeClr val="accent3"/>
+          </a:effectRef>
+          <a:fontRef idx="minor">
+            <a:schemeClr val="lt1"/>
+          </a:fontRef>
+        </p:style>
+        <p:txBody>
+          <a:bodyPr rtlCol="0" anchor="ctr"/>
+          <a:lstStyle/>
+          <a:p>
+            <a:pPr algn="ctr"/>
+            <a:r>
+              <a:rPr lang="en-GB" dirty="0" err="1"/>
+              <a:t>incode-domainapp</a:t>
+            </a:r>
+            <a:r>
+              <a:rPr lang="en-GB" dirty="0"/>
+              <a:t>-</a:t>
+            </a:r>
+          </a:p>
+          <a:p>
+            <a:pPr algn="ctr"/>
+            <a:r>
+              <a:rPr lang="en-GB" dirty="0"/>
+              <a:t>example-canonical</a:t>
+            </a:r>
+          </a:p>
+        </p:txBody>
+      </p:sp>
+      <p:sp>
+        <p:nvSpPr>
+          <p:cNvPr id="11" name="Rectangle 10">
+            <a:extLst>
+              <a:ext uri="{FF2B5EF4-FFF2-40B4-BE49-F238E27FC236}">
+                <a16:creationId xmlns="" xmlns:a16="http://schemas.microsoft.com/office/drawing/2014/main" id="{68D4EC8E-C04A-4C4B-85A1-8B6796BB3F5B}"/>
+              </a:ext>
+            </a:extLst>
+          </p:cNvPr>
+          <p:cNvSpPr/>
+          <p:nvPr/>
+        </p:nvSpPr>
+        <p:spPr>
+          <a:xfrm>
+            <a:off x="5420419" y="5268169"/>
+            <a:ext cx="2604565" cy="690847"/>
+          </a:xfrm>
+          <a:prstGeom prst="rect">
+            <a:avLst/>
+          </a:prstGeom>
+        </p:spPr>
+        <p:style>
+          <a:lnRef idx="2">
+            <a:schemeClr val="accent6">
+              <a:shade val="50000"/>
+            </a:schemeClr>
+          </a:lnRef>
+          <a:fillRef idx="1">
+            <a:schemeClr val="accent6"/>
+          </a:fillRef>
+          <a:effectRef idx="0">
+            <a:schemeClr val="accent6"/>
+          </a:effectRef>
+          <a:fontRef idx="minor">
+            <a:schemeClr val="lt1"/>
+          </a:fontRef>
+        </p:style>
+        <p:txBody>
+          <a:bodyPr rtlCol="0" anchor="ctr"/>
+          <a:lstStyle/>
+          <a:p>
+            <a:pPr algn="ctr"/>
+            <a:r>
+              <a:rPr lang="en-GB" dirty="0" err="1"/>
+              <a:t>incode-domainapp</a:t>
+            </a:r>
+            <a:r>
+              <a:rPr lang="en-GB" dirty="0"/>
+              <a:t>-</a:t>
+            </a:r>
+          </a:p>
+          <a:p>
+            <a:pPr algn="ctr"/>
+            <a:r>
+              <a:rPr lang="en-GB" dirty="0"/>
+              <a:t>example-</a:t>
+            </a:r>
+            <a:r>
+              <a:rPr lang="en-GB" dirty="0" err="1"/>
+              <a:t>dom</a:t>
+            </a:r>
+            <a:endParaRPr lang="en-GB" dirty="0"/>
+          </a:p>
+        </p:txBody>
+      </p:sp>
+      <p:sp>
+        <p:nvSpPr>
+          <p:cNvPr id="12" name="Rectangle 11">
+            <a:extLst>
+              <a:ext uri="{FF2B5EF4-FFF2-40B4-BE49-F238E27FC236}">
+                <a16:creationId xmlns="" xmlns:a16="http://schemas.microsoft.com/office/drawing/2014/main" id="{38FE1AE1-DE48-4CCB-953B-288605D173C4}"/>
+              </a:ext>
+            </a:extLst>
+          </p:cNvPr>
+          <p:cNvSpPr/>
+          <p:nvPr/>
+        </p:nvSpPr>
+        <p:spPr>
+          <a:xfrm>
+            <a:off x="8992150" y="3663281"/>
+            <a:ext cx="2604565" cy="690847"/>
+          </a:xfrm>
+          <a:prstGeom prst="rect">
+            <a:avLst/>
+          </a:prstGeom>
+        </p:spPr>
+        <p:style>
+          <a:lnRef idx="2">
+            <a:schemeClr val="accent3">
+              <a:shade val="50000"/>
+            </a:schemeClr>
+          </a:lnRef>
+          <a:fillRef idx="1">
+            <a:schemeClr val="accent3"/>
+          </a:fillRef>
+          <a:effectRef idx="0">
+            <a:schemeClr val="accent3"/>
+          </a:effectRef>
+          <a:fontRef idx="minor">
+            <a:schemeClr val="lt1"/>
+          </a:fontRef>
+        </p:style>
+        <p:txBody>
+          <a:bodyPr rtlCol="0" anchor="ctr"/>
+          <a:lstStyle/>
+          <a:p>
+            <a:pPr algn="ctr"/>
+            <a:r>
+              <a:rPr lang="en-GB" dirty="0" err="1"/>
+              <a:t>incode-domainapp</a:t>
+            </a:r>
+            <a:r>
+              <a:rPr lang="en-GB" dirty="0"/>
+              <a:t>-</a:t>
+            </a:r>
+          </a:p>
+          <a:p>
+            <a:pPr algn="ctr"/>
+            <a:r>
+              <a:rPr lang="en-GB" dirty="0"/>
+              <a:t>example-</a:t>
+            </a:r>
+            <a:r>
+              <a:rPr lang="en-GB" dirty="0" err="1"/>
+              <a:t>embeddedcamel</a:t>
+            </a:r>
+            <a:endParaRPr lang="en-GB" dirty="0"/>
+          </a:p>
+        </p:txBody>
+      </p:sp>
+      <p:sp>
+        <p:nvSpPr>
+          <p:cNvPr id="14" name="Rectangle 13">
+            <a:extLst>
+              <a:ext uri="{FF2B5EF4-FFF2-40B4-BE49-F238E27FC236}">
+                <a16:creationId xmlns="" xmlns:a16="http://schemas.microsoft.com/office/drawing/2014/main" id="{960C9FCA-57C7-4E79-891E-523602F7DC61}"/>
+              </a:ext>
+            </a:extLst>
+          </p:cNvPr>
+          <p:cNvSpPr/>
+          <p:nvPr/>
+        </p:nvSpPr>
+        <p:spPr>
+          <a:xfrm>
+            <a:off x="2075852" y="4635317"/>
+            <a:ext cx="2604565" cy="690847"/>
+          </a:xfrm>
+          <a:prstGeom prst="rect">
+            <a:avLst/>
+          </a:prstGeom>
+        </p:spPr>
+        <p:style>
+          <a:lnRef idx="2">
+            <a:schemeClr val="accent6">
+              <a:shade val="50000"/>
+            </a:schemeClr>
+          </a:lnRef>
+          <a:fillRef idx="1">
+            <a:schemeClr val="accent6"/>
+          </a:fillRef>
+          <a:effectRef idx="0">
+            <a:schemeClr val="accent6"/>
+          </a:effectRef>
+          <a:fontRef idx="minor">
+            <a:schemeClr val="lt1"/>
+          </a:fontRef>
+        </p:style>
+        <p:txBody>
+          <a:bodyPr rtlCol="0" anchor="ctr"/>
+          <a:lstStyle/>
+          <a:p>
+            <a:pPr algn="ctr"/>
+            <a:r>
+              <a:rPr lang="en-GB" dirty="0" err="1"/>
+              <a:t>incode-domainapp</a:t>
+            </a:r>
+            <a:r>
+              <a:rPr lang="en-GB" dirty="0"/>
+              <a:t>-</a:t>
+            </a:r>
+          </a:p>
+          <a:p>
+            <a:pPr algn="ctr"/>
+            <a:r>
+              <a:rPr lang="en-GB" dirty="0"/>
+              <a:t>module-simple</a:t>
+            </a:r>
+          </a:p>
+        </p:txBody>
+      </p:sp>
+      <p:sp>
+        <p:nvSpPr>
+          <p:cNvPr id="15" name="Rectangle 14">
+            <a:extLst>
+              <a:ext uri="{FF2B5EF4-FFF2-40B4-BE49-F238E27FC236}">
+                <a16:creationId xmlns="" xmlns:a16="http://schemas.microsoft.com/office/drawing/2014/main" id="{6F667E87-8FD6-46A5-A43E-073FA2488E92}"/>
+              </a:ext>
+            </a:extLst>
+          </p:cNvPr>
+          <p:cNvSpPr/>
+          <p:nvPr/>
+        </p:nvSpPr>
+        <p:spPr>
+          <a:xfrm>
+            <a:off x="2080520" y="1202467"/>
+            <a:ext cx="2604565" cy="690847"/>
+          </a:xfrm>
+          <a:prstGeom prst="rect">
+            <a:avLst/>
+          </a:prstGeom>
+        </p:spPr>
+        <p:style>
+          <a:lnRef idx="2">
+            <a:schemeClr val="accent1">
+              <a:shade val="50000"/>
+            </a:schemeClr>
+          </a:lnRef>
+          <a:fillRef idx="1">
+            <a:schemeClr val="accent1"/>
+          </a:fillRef>
+          <a:effectRef idx="0">
+            <a:schemeClr val="accent1"/>
+          </a:effectRef>
+          <a:fontRef idx="minor">
+            <a:schemeClr val="lt1"/>
+          </a:fontRef>
+        </p:style>
+        <p:txBody>
+          <a:bodyPr rtlCol="0" anchor="ctr"/>
+          <a:lstStyle/>
+          <a:p>
+            <a:pPr algn="ctr"/>
+            <a:r>
+              <a:rPr lang="en-GB" dirty="0" err="1"/>
+              <a:t>incode-domainapp</a:t>
+            </a:r>
+            <a:r>
+              <a:rPr lang="en-GB" dirty="0"/>
+              <a:t>-</a:t>
+            </a:r>
+          </a:p>
+          <a:p>
+            <a:pPr algn="ctr"/>
+            <a:r>
+              <a:rPr lang="en-GB" dirty="0" err="1"/>
+              <a:t>webapp</a:t>
+            </a:r>
+            <a:endParaRPr lang="en-GB" dirty="0"/>
+          </a:p>
+        </p:txBody>
+      </p:sp>
+      <p:cxnSp>
+        <p:nvCxnSpPr>
+          <p:cNvPr id="18" name="Connector: Curved 17">
+            <a:extLst>
+              <a:ext uri="{FF2B5EF4-FFF2-40B4-BE49-F238E27FC236}">
+                <a16:creationId xmlns="" xmlns:a16="http://schemas.microsoft.com/office/drawing/2014/main" id="{235B6DF2-10F1-4264-944B-DE3DE4342160}"/>
+              </a:ext>
+            </a:extLst>
+          </p:cNvPr>
+          <p:cNvCxnSpPr>
+            <a:cxnSpLocks/>
+            <a:stCxn id="15" idx="2"/>
+            <a:endCxn id="4" idx="0"/>
+          </p:cNvCxnSpPr>
+          <p:nvPr/>
+        </p:nvCxnSpPr>
+        <p:spPr>
+          <a:xfrm rot="5400000">
+            <a:off x="2800498" y="2470951"/>
+            <a:ext cx="1159942" cy="4668"/>
+          </a:xfrm>
+          <a:prstGeom prst="curvedConnector3">
+            <a:avLst>
+              <a:gd name="adj1" fmla="val 50000"/>
+            </a:avLst>
+          </a:prstGeom>
+          <a:ln>
+            <a:prstDash val="dash"/>
+            <a:tailEnd type="arrow" w="lg" len="lg"/>
+          </a:ln>
+        </p:spPr>
+        <p:style>
+          <a:lnRef idx="1">
+            <a:schemeClr val="accent1"/>
+          </a:lnRef>
+          <a:fillRef idx="0">
+            <a:schemeClr val="accent1"/>
+          </a:fillRef>
+          <a:effectRef idx="0">
+            <a:schemeClr val="accent1"/>
+          </a:effectRef>
+          <a:fontRef idx="minor">
+            <a:schemeClr val="tx1"/>
+          </a:fontRef>
+        </p:style>
+      </p:cxnSp>
+      <p:cxnSp>
+        <p:nvCxnSpPr>
+          <p:cNvPr id="19" name="Connector: Curved 18">
+            <a:extLst>
+              <a:ext uri="{FF2B5EF4-FFF2-40B4-BE49-F238E27FC236}">
+                <a16:creationId xmlns="" xmlns:a16="http://schemas.microsoft.com/office/drawing/2014/main" id="{2FBC79EF-5E35-4E05-8803-3AF73A28C92F}"/>
+              </a:ext>
+            </a:extLst>
+          </p:cNvPr>
+          <p:cNvCxnSpPr>
+            <a:cxnSpLocks/>
+            <a:stCxn id="15" idx="3"/>
+            <a:endCxn id="9" idx="0"/>
+          </p:cNvCxnSpPr>
+          <p:nvPr/>
+        </p:nvCxnSpPr>
+        <p:spPr>
+          <a:xfrm>
+            <a:off x="4685085" y="1547891"/>
+            <a:ext cx="2037617" cy="476547"/>
+          </a:xfrm>
+          <a:prstGeom prst="curvedConnector2">
+            <a:avLst/>
+          </a:prstGeom>
+          <a:ln>
+            <a:prstDash val="dash"/>
+            <a:tailEnd type="arrow" w="lg" len="lg"/>
+          </a:ln>
+        </p:spPr>
+        <p:style>
+          <a:lnRef idx="1">
+            <a:schemeClr val="accent1"/>
+          </a:lnRef>
+          <a:fillRef idx="0">
+            <a:schemeClr val="accent1"/>
+          </a:fillRef>
+          <a:effectRef idx="0">
+            <a:schemeClr val="accent1"/>
+          </a:effectRef>
+          <a:fontRef idx="minor">
+            <a:schemeClr val="tx1"/>
+          </a:fontRef>
+        </p:style>
+      </p:cxnSp>
+      <p:cxnSp>
+        <p:nvCxnSpPr>
+          <p:cNvPr id="24" name="Connector: Curved 23">
+            <a:extLst>
+              <a:ext uri="{FF2B5EF4-FFF2-40B4-BE49-F238E27FC236}">
+                <a16:creationId xmlns="" xmlns:a16="http://schemas.microsoft.com/office/drawing/2014/main" id="{BE6E8495-EAF9-47A3-977B-5D2C8D412DD5}"/>
+              </a:ext>
+            </a:extLst>
+          </p:cNvPr>
+          <p:cNvCxnSpPr>
+            <a:cxnSpLocks/>
+            <a:stCxn id="9" idx="2"/>
+            <a:endCxn id="4" idx="3"/>
+          </p:cNvCxnSpPr>
+          <p:nvPr/>
+        </p:nvCxnSpPr>
+        <p:spPr>
+          <a:xfrm rot="5400000">
+            <a:off x="5359863" y="2035840"/>
+            <a:ext cx="683395" cy="2042285"/>
+          </a:xfrm>
+          <a:prstGeom prst="curvedConnector2">
+            <a:avLst/>
+          </a:prstGeom>
+          <a:ln>
+            <a:prstDash val="dash"/>
+            <a:tailEnd type="arrow" w="lg" len="lg"/>
+          </a:ln>
+        </p:spPr>
+        <p:style>
+          <a:lnRef idx="1">
+            <a:schemeClr val="accent1"/>
+          </a:lnRef>
+          <a:fillRef idx="0">
+            <a:schemeClr val="accent1"/>
+          </a:fillRef>
+          <a:effectRef idx="0">
+            <a:schemeClr val="accent1"/>
+          </a:effectRef>
+          <a:fontRef idx="minor">
+            <a:schemeClr val="tx1"/>
+          </a:fontRef>
+        </p:style>
+      </p:cxnSp>
+      <p:cxnSp>
+        <p:nvCxnSpPr>
+          <p:cNvPr id="31" name="Connector: Curved 30">
+            <a:extLst>
+              <a:ext uri="{FF2B5EF4-FFF2-40B4-BE49-F238E27FC236}">
+                <a16:creationId xmlns="" xmlns:a16="http://schemas.microsoft.com/office/drawing/2014/main" id="{F8EE246A-6C60-4FA3-A5F7-5FD3742399F7}"/>
+              </a:ext>
+            </a:extLst>
+          </p:cNvPr>
+          <p:cNvCxnSpPr>
+            <a:cxnSpLocks/>
+            <a:stCxn id="12" idx="2"/>
+            <a:endCxn id="10" idx="0"/>
+          </p:cNvCxnSpPr>
+          <p:nvPr/>
+        </p:nvCxnSpPr>
+        <p:spPr>
+          <a:xfrm rot="5400000">
+            <a:off x="9837413" y="4811148"/>
+            <a:ext cx="914041" cy="1"/>
+          </a:xfrm>
+          <a:prstGeom prst="curvedConnector3">
+            <a:avLst>
+              <a:gd name="adj1" fmla="val 50000"/>
+            </a:avLst>
+          </a:prstGeom>
+          <a:ln>
+            <a:prstDash val="dash"/>
+            <a:tailEnd type="arrow" w="lg" len="lg"/>
+          </a:ln>
+        </p:spPr>
+        <p:style>
+          <a:lnRef idx="1">
+            <a:schemeClr val="accent1"/>
+          </a:lnRef>
+          <a:fillRef idx="0">
+            <a:schemeClr val="accent1"/>
+          </a:fillRef>
+          <a:effectRef idx="0">
+            <a:schemeClr val="accent1"/>
+          </a:effectRef>
+          <a:fontRef idx="minor">
+            <a:schemeClr val="tx1"/>
+          </a:fontRef>
+        </p:style>
+      </p:cxnSp>
+      <p:cxnSp>
+        <p:nvCxnSpPr>
+          <p:cNvPr id="34" name="Connector: Curved 33">
+            <a:extLst>
+              <a:ext uri="{FF2B5EF4-FFF2-40B4-BE49-F238E27FC236}">
+                <a16:creationId xmlns="" xmlns:a16="http://schemas.microsoft.com/office/drawing/2014/main" id="{18F2C29F-2227-4AA4-8F29-568F54DCAE2B}"/>
+              </a:ext>
+            </a:extLst>
+          </p:cNvPr>
+          <p:cNvCxnSpPr>
+            <a:cxnSpLocks/>
+            <a:stCxn id="9" idx="2"/>
+            <a:endCxn id="11" idx="0"/>
+          </p:cNvCxnSpPr>
+          <p:nvPr/>
+        </p:nvCxnSpPr>
+        <p:spPr>
+          <a:xfrm rot="5400000">
+            <a:off x="5446260" y="3991727"/>
+            <a:ext cx="2552884" cy="12700"/>
+          </a:xfrm>
+          <a:prstGeom prst="curvedConnector3">
+            <a:avLst>
+              <a:gd name="adj1" fmla="val 50000"/>
+            </a:avLst>
+          </a:prstGeom>
+          <a:ln>
+            <a:prstDash val="dash"/>
+            <a:tailEnd type="arrow" w="lg" len="lg"/>
+          </a:ln>
+        </p:spPr>
+        <p:style>
+          <a:lnRef idx="1">
+            <a:schemeClr val="accent1"/>
+          </a:lnRef>
+          <a:fillRef idx="0">
+            <a:schemeClr val="accent1"/>
+          </a:fillRef>
+          <a:effectRef idx="0">
+            <a:schemeClr val="accent1"/>
+          </a:effectRef>
+          <a:fontRef idx="minor">
+            <a:schemeClr val="tx1"/>
+          </a:fontRef>
+        </p:style>
+      </p:cxnSp>
+      <p:cxnSp>
+        <p:nvCxnSpPr>
+          <p:cNvPr id="38" name="Connector: Curved 37">
+            <a:extLst>
+              <a:ext uri="{FF2B5EF4-FFF2-40B4-BE49-F238E27FC236}">
+                <a16:creationId xmlns="" xmlns:a16="http://schemas.microsoft.com/office/drawing/2014/main" id="{B7ACC004-2CE9-4C14-9EB0-56CB05770D71}"/>
+              </a:ext>
+            </a:extLst>
+          </p:cNvPr>
+          <p:cNvCxnSpPr>
+            <a:cxnSpLocks/>
+            <a:stCxn id="9" idx="2"/>
+            <a:endCxn id="12" idx="1"/>
+          </p:cNvCxnSpPr>
+          <p:nvPr/>
+        </p:nvCxnSpPr>
+        <p:spPr>
+          <a:xfrm rot="16200000" flipH="1">
+            <a:off x="7210716" y="2227271"/>
+            <a:ext cx="1293420" cy="2269448"/>
+          </a:xfrm>
+          <a:prstGeom prst="curvedConnector2">
+            <a:avLst/>
+          </a:prstGeom>
+          <a:ln>
+            <a:prstDash val="dash"/>
+            <a:tailEnd type="arrow" w="lg" len="lg"/>
+          </a:ln>
+        </p:spPr>
+        <p:style>
+          <a:lnRef idx="1">
+            <a:schemeClr val="accent1"/>
+          </a:lnRef>
+          <a:fillRef idx="0">
+            <a:schemeClr val="accent1"/>
+          </a:fillRef>
+          <a:effectRef idx="0">
+            <a:schemeClr val="accent1"/>
+          </a:effectRef>
+          <a:fontRef idx="minor">
+            <a:schemeClr val="tx1"/>
+          </a:fontRef>
+        </p:style>
+      </p:cxnSp>
+      <p:cxnSp>
+        <p:nvCxnSpPr>
+          <p:cNvPr id="45" name="Connector: Curved 44">
+            <a:extLst>
+              <a:ext uri="{FF2B5EF4-FFF2-40B4-BE49-F238E27FC236}">
+                <a16:creationId xmlns="" xmlns:a16="http://schemas.microsoft.com/office/drawing/2014/main" id="{326FFFD3-29E8-4568-9C85-C59AE4BE9FB7}"/>
+              </a:ext>
+            </a:extLst>
+          </p:cNvPr>
+          <p:cNvCxnSpPr>
+            <a:cxnSpLocks/>
+            <a:stCxn id="4" idx="2"/>
+            <a:endCxn id="14" idx="0"/>
+          </p:cNvCxnSpPr>
+          <p:nvPr/>
+        </p:nvCxnSpPr>
+        <p:spPr>
+          <a:xfrm rot="5400000">
+            <a:off x="2932528" y="4189710"/>
+            <a:ext cx="891214" cy="12700"/>
+          </a:xfrm>
+          <a:prstGeom prst="curvedConnector3">
+            <a:avLst>
+              <a:gd name="adj1" fmla="val 50000"/>
+            </a:avLst>
+          </a:prstGeom>
+          <a:ln>
+            <a:prstDash val="dash"/>
+            <a:tailEnd type="arrow" w="lg" len="lg"/>
+          </a:ln>
+        </p:spPr>
+        <p:style>
+          <a:lnRef idx="1">
+            <a:schemeClr val="accent1"/>
+          </a:lnRef>
+          <a:fillRef idx="0">
+            <a:schemeClr val="accent1"/>
+          </a:fillRef>
+          <a:effectRef idx="0">
+            <a:schemeClr val="accent1"/>
+          </a:effectRef>
+          <a:fontRef idx="minor">
+            <a:schemeClr val="tx1"/>
+          </a:fontRef>
+        </p:style>
+      </p:cxnSp>
+      <p:sp>
+        <p:nvSpPr>
+          <p:cNvPr id="48" name="Rectangle 47">
+            <a:extLst>
+              <a:ext uri="{FF2B5EF4-FFF2-40B4-BE49-F238E27FC236}">
+                <a16:creationId xmlns="" xmlns:a16="http://schemas.microsoft.com/office/drawing/2014/main" id="{EE301681-6BDF-4FD2-9EC5-D20399824C03}"/>
+              </a:ext>
+            </a:extLst>
+          </p:cNvPr>
+          <p:cNvSpPr/>
+          <p:nvPr/>
+        </p:nvSpPr>
+        <p:spPr>
+          <a:xfrm>
+            <a:off x="153696" y="3566657"/>
+            <a:ext cx="1080000" cy="411103"/>
+          </a:xfrm>
+          <a:prstGeom prst="rect">
+            <a:avLst/>
+          </a:prstGeom>
+        </p:spPr>
+        <p:style>
+          <a:lnRef idx="2">
+            <a:schemeClr val="accent1"/>
+          </a:lnRef>
+          <a:fillRef idx="1">
+            <a:schemeClr val="lt1"/>
+          </a:fillRef>
+          <a:effectRef idx="0">
+            <a:schemeClr val="accent1"/>
+          </a:effectRef>
+          <a:fontRef idx="minor">
+            <a:schemeClr val="dk1"/>
+          </a:fontRef>
+        </p:style>
+        <p:txBody>
+          <a:bodyPr rtlCol="0" anchor="ctr" anchorCtr="0"/>
+          <a:lstStyle/>
+          <a:p>
+            <a:pPr algn="ctr"/>
+            <a:r>
+              <a:rPr lang="en-GB" sz="1400" dirty="0"/>
+              <a:t>parent</a:t>
+            </a:r>
+          </a:p>
+          <a:p>
+            <a:pPr algn="ctr"/>
+            <a:r>
+              <a:rPr lang="en-GB" sz="1400" dirty="0"/>
+              <a:t>.</a:t>
+            </a:r>
+            <a:r>
+              <a:rPr lang="en-GB" sz="1400" dirty="0" err="1"/>
+              <a:t>pom</a:t>
+            </a:r>
+            <a:endParaRPr lang="en-GB" sz="1400" dirty="0"/>
+          </a:p>
+        </p:txBody>
+      </p:sp>
+      <p:sp>
+        <p:nvSpPr>
+          <p:cNvPr id="49" name="Rectangle 48">
+            <a:extLst>
+              <a:ext uri="{FF2B5EF4-FFF2-40B4-BE49-F238E27FC236}">
+                <a16:creationId xmlns="" xmlns:a16="http://schemas.microsoft.com/office/drawing/2014/main" id="{A8AA121E-7888-4A5A-9BBF-0326D03B9E03}"/>
+              </a:ext>
+            </a:extLst>
+          </p:cNvPr>
+          <p:cNvSpPr/>
+          <p:nvPr/>
+        </p:nvSpPr>
+        <p:spPr>
+          <a:xfrm>
+            <a:off x="153695" y="4086023"/>
+            <a:ext cx="1080000" cy="422240"/>
+          </a:xfrm>
+          <a:prstGeom prst="rect">
+            <a:avLst/>
+          </a:prstGeom>
+        </p:spPr>
+        <p:style>
+          <a:lnRef idx="2">
+            <a:schemeClr val="accent5">
+              <a:shade val="50000"/>
+            </a:schemeClr>
+          </a:lnRef>
+          <a:fillRef idx="1">
+            <a:schemeClr val="accent5"/>
+          </a:fillRef>
+          <a:effectRef idx="0">
+            <a:schemeClr val="accent5"/>
+          </a:effectRef>
+          <a:fontRef idx="minor">
+            <a:schemeClr val="lt1"/>
+          </a:fontRef>
+        </p:style>
+        <p:txBody>
+          <a:bodyPr rtlCol="0" anchor="ctr"/>
+          <a:lstStyle/>
+          <a:p>
+            <a:pPr algn="ctr"/>
+            <a:r>
+              <a:rPr lang="en-GB" sz="1400" dirty="0" err="1"/>
+              <a:t>webapp</a:t>
+            </a:r>
+            <a:r>
+              <a:rPr lang="en-GB" sz="1400" dirty="0"/>
+              <a:t/>
+            </a:r>
+            <a:br>
+              <a:rPr lang="en-GB" sz="1400" dirty="0"/>
+            </a:br>
+            <a:r>
+              <a:rPr lang="en-GB" sz="1400" dirty="0"/>
+              <a:t>.war</a:t>
+            </a:r>
+          </a:p>
+        </p:txBody>
+      </p:sp>
+      <p:sp>
+        <p:nvSpPr>
+          <p:cNvPr id="51" name="Rectangle 50">
+            <a:extLst>
+              <a:ext uri="{FF2B5EF4-FFF2-40B4-BE49-F238E27FC236}">
+                <a16:creationId xmlns="" xmlns:a16="http://schemas.microsoft.com/office/drawing/2014/main" id="{F5ADB6AC-2574-45A0-BBF2-72D3981B103D}"/>
+              </a:ext>
+            </a:extLst>
+          </p:cNvPr>
+          <p:cNvSpPr/>
+          <p:nvPr/>
+        </p:nvSpPr>
+        <p:spPr>
+          <a:xfrm>
+            <a:off x="153695" y="4616526"/>
+            <a:ext cx="1080000" cy="383056"/>
+          </a:xfrm>
+          <a:prstGeom prst="rect">
+            <a:avLst/>
+          </a:prstGeom>
+        </p:spPr>
+        <p:style>
+          <a:lnRef idx="2">
+            <a:schemeClr val="accent2">
+              <a:shade val="50000"/>
+            </a:schemeClr>
+          </a:lnRef>
+          <a:fillRef idx="1">
+            <a:schemeClr val="accent2"/>
+          </a:fillRef>
+          <a:effectRef idx="0">
+            <a:schemeClr val="accent2"/>
+          </a:effectRef>
+          <a:fontRef idx="minor">
+            <a:schemeClr val="lt1"/>
+          </a:fontRef>
+        </p:style>
+        <p:txBody>
+          <a:bodyPr rtlCol="0" anchor="ctr"/>
+          <a:lstStyle/>
+          <a:p>
+            <a:pPr algn="ctr"/>
+            <a:r>
+              <a:rPr lang="en-GB" sz="1400" dirty="0"/>
+              <a:t>app </a:t>
+            </a:r>
+            <a:r>
+              <a:rPr lang="en-GB" sz="1400" dirty="0" err="1"/>
+              <a:t>defn</a:t>
+            </a:r>
+            <a:endParaRPr lang="en-GB" sz="1400" dirty="0"/>
+          </a:p>
+          <a:p>
+            <a:pPr algn="ctr"/>
+            <a:r>
+              <a:rPr lang="en-GB" sz="1400" dirty="0"/>
+              <a:t>.jar</a:t>
+            </a:r>
+          </a:p>
+        </p:txBody>
+      </p:sp>
+      <p:sp>
+        <p:nvSpPr>
+          <p:cNvPr id="52" name="Rectangle 51">
+            <a:extLst>
+              <a:ext uri="{FF2B5EF4-FFF2-40B4-BE49-F238E27FC236}">
+                <a16:creationId xmlns="" xmlns:a16="http://schemas.microsoft.com/office/drawing/2014/main" id="{D362DFB8-D8E0-4F0B-A61A-69A210D62CC7}"/>
+              </a:ext>
+            </a:extLst>
+          </p:cNvPr>
+          <p:cNvSpPr/>
+          <p:nvPr/>
+        </p:nvSpPr>
+        <p:spPr>
+          <a:xfrm>
+            <a:off x="153695" y="5107845"/>
+            <a:ext cx="1080000" cy="399784"/>
+          </a:xfrm>
+          <a:prstGeom prst="rect">
+            <a:avLst/>
+          </a:prstGeom>
+        </p:spPr>
+        <p:style>
+          <a:lnRef idx="2">
+            <a:schemeClr val="accent6">
+              <a:shade val="50000"/>
+            </a:schemeClr>
+          </a:lnRef>
+          <a:fillRef idx="1">
+            <a:schemeClr val="accent6"/>
+          </a:fillRef>
+          <a:effectRef idx="0">
+            <a:schemeClr val="accent6"/>
+          </a:effectRef>
+          <a:fontRef idx="minor">
+            <a:schemeClr val="lt1"/>
+          </a:fontRef>
+        </p:style>
+        <p:txBody>
+          <a:bodyPr rtlCol="0" anchor="ctr"/>
+          <a:lstStyle/>
+          <a:p>
+            <a:pPr algn="ctr"/>
+            <a:r>
+              <a:rPr lang="en-GB" sz="1400" dirty="0"/>
+              <a:t>.</a:t>
+            </a:r>
+            <a:r>
+              <a:rPr lang="en-GB" sz="1400" dirty="0" err="1"/>
+              <a:t>dom</a:t>
+            </a:r>
+            <a:endParaRPr lang="en-GB" sz="1400" dirty="0"/>
+          </a:p>
+          <a:p>
+            <a:pPr algn="ctr"/>
+            <a:r>
+              <a:rPr lang="en-GB" sz="1400" dirty="0"/>
+              <a:t>.jar</a:t>
+            </a:r>
+          </a:p>
+        </p:txBody>
+      </p:sp>
+      <p:sp>
+        <p:nvSpPr>
+          <p:cNvPr id="54" name="Rectangle 53">
+            <a:extLst>
+              <a:ext uri="{FF2B5EF4-FFF2-40B4-BE49-F238E27FC236}">
+                <a16:creationId xmlns="" xmlns:a16="http://schemas.microsoft.com/office/drawing/2014/main" id="{9E80E87D-1602-437A-BDED-ACE256305F52}"/>
+              </a:ext>
+            </a:extLst>
+          </p:cNvPr>
+          <p:cNvSpPr/>
+          <p:nvPr/>
+        </p:nvSpPr>
+        <p:spPr>
+          <a:xfrm>
+            <a:off x="153695" y="6146397"/>
+            <a:ext cx="1080000" cy="404561"/>
+          </a:xfrm>
+          <a:prstGeom prst="rect">
+            <a:avLst/>
+          </a:prstGeom>
+        </p:spPr>
+        <p:style>
+          <a:lnRef idx="2">
+            <a:schemeClr val="accent3">
+              <a:shade val="50000"/>
+            </a:schemeClr>
+          </a:lnRef>
+          <a:fillRef idx="1">
+            <a:schemeClr val="accent3"/>
+          </a:fillRef>
+          <a:effectRef idx="0">
+            <a:schemeClr val="accent3"/>
+          </a:effectRef>
+          <a:fontRef idx="minor">
+            <a:schemeClr val="lt1"/>
+          </a:fontRef>
+        </p:style>
+        <p:txBody>
+          <a:bodyPr rtlCol="0" anchor="ctr"/>
+          <a:lstStyle/>
+          <a:p>
+            <a:pPr algn="ctr"/>
+            <a:r>
+              <a:rPr lang="en-GB" sz="1400" dirty="0"/>
+              <a:t>camel/</a:t>
+            </a:r>
+            <a:r>
+              <a:rPr lang="en-GB" sz="1400" dirty="0" err="1"/>
+              <a:t>dto</a:t>
+            </a:r>
+            <a:r>
+              <a:rPr lang="en-GB" sz="1400" dirty="0"/>
+              <a:t/>
+            </a:r>
+            <a:br>
+              <a:rPr lang="en-GB" sz="1400" dirty="0"/>
+            </a:br>
+            <a:r>
+              <a:rPr lang="en-GB" sz="1400" dirty="0"/>
+              <a:t>.jar</a:t>
+            </a:r>
+          </a:p>
+        </p:txBody>
+      </p:sp>
+      <p:sp>
+        <p:nvSpPr>
+          <p:cNvPr id="66" name="TextBox 65">
+            <a:extLst>
+              <a:ext uri="{FF2B5EF4-FFF2-40B4-BE49-F238E27FC236}">
+                <a16:creationId xmlns="" xmlns:a16="http://schemas.microsoft.com/office/drawing/2014/main" id="{DC55C7B9-8370-4BA5-8D4E-4632D29BB355}"/>
+              </a:ext>
+            </a:extLst>
+          </p:cNvPr>
+          <p:cNvSpPr txBox="1"/>
+          <p:nvPr/>
+        </p:nvSpPr>
+        <p:spPr>
+          <a:xfrm>
+            <a:off x="5258637" y="2953915"/>
+            <a:ext cx="899092" cy="307777"/>
+          </a:xfrm>
+          <a:prstGeom prst="rect">
+            <a:avLst/>
+          </a:prstGeom>
+          <a:noFill/>
+        </p:spPr>
+        <p:txBody>
+          <a:bodyPr wrap="none" rtlCol="0">
+            <a:spAutoFit/>
+          </a:bodyPr>
+          <a:lstStyle/>
+          <a:p>
+            <a:r>
+              <a:rPr lang="en-GB" sz="1400" dirty="0"/>
+              <a:t>“extends”</a:t>
+            </a:r>
+          </a:p>
+        </p:txBody>
+      </p:sp>
+      <p:sp>
+        <p:nvSpPr>
+          <p:cNvPr id="95" name="TextBox 94">
+            <a:extLst>
+              <a:ext uri="{FF2B5EF4-FFF2-40B4-BE49-F238E27FC236}">
+                <a16:creationId xmlns="" xmlns:a16="http://schemas.microsoft.com/office/drawing/2014/main" id="{946AB88C-9410-4E16-910D-9E11D567DD57}"/>
+              </a:ext>
+            </a:extLst>
+          </p:cNvPr>
+          <p:cNvSpPr txBox="1"/>
+          <p:nvPr/>
+        </p:nvSpPr>
+        <p:spPr>
+          <a:xfrm>
+            <a:off x="92350" y="2280410"/>
+            <a:ext cx="492827" cy="307777"/>
+          </a:xfrm>
+          <a:prstGeom prst="rect">
+            <a:avLst/>
+          </a:prstGeom>
+          <a:noFill/>
+        </p:spPr>
+        <p:txBody>
+          <a:bodyPr wrap="none" rtlCol="0">
+            <a:spAutoFit/>
+          </a:bodyPr>
+          <a:lstStyle/>
+          <a:p>
+            <a:r>
+              <a:rPr lang="en-GB" sz="1400" i="1" dirty="0"/>
+              <a:t>Key:</a:t>
+            </a:r>
+          </a:p>
+        </p:txBody>
+      </p:sp>
+      <p:sp>
+        <p:nvSpPr>
+          <p:cNvPr id="27" name="Rectangle 26">
+            <a:extLst>
+              <a:ext uri="{FF2B5EF4-FFF2-40B4-BE49-F238E27FC236}">
+                <a16:creationId xmlns="" xmlns:a16="http://schemas.microsoft.com/office/drawing/2014/main" id="{AAC83E29-BD97-4EEC-9AB8-EF2C15FBAF0B}"/>
+              </a:ext>
+            </a:extLst>
+          </p:cNvPr>
+          <p:cNvSpPr/>
+          <p:nvPr/>
+        </p:nvSpPr>
+        <p:spPr>
+          <a:xfrm>
+            <a:off x="2082203" y="5959016"/>
+            <a:ext cx="2604565" cy="690847"/>
+          </a:xfrm>
+          <a:prstGeom prst="rect">
+            <a:avLst/>
+          </a:prstGeom>
+        </p:spPr>
+        <p:style>
+          <a:lnRef idx="2">
+            <a:schemeClr val="accent5">
+              <a:shade val="50000"/>
+            </a:schemeClr>
+          </a:lnRef>
+          <a:fillRef idx="1">
+            <a:schemeClr val="accent5"/>
+          </a:fillRef>
+          <a:effectRef idx="0">
+            <a:schemeClr val="accent5"/>
+          </a:effectRef>
+          <a:fontRef idx="minor">
+            <a:schemeClr val="lt1"/>
+          </a:fontRef>
+        </p:style>
+        <p:txBody>
+          <a:bodyPr rtlCol="0" anchor="ctr"/>
+          <a:lstStyle/>
+          <a:p>
+            <a:pPr algn="ctr"/>
+            <a:r>
+              <a:rPr lang="en-GB" dirty="0" err="1"/>
+              <a:t>incode-domainapp</a:t>
+            </a:r>
+            <a:r>
+              <a:rPr lang="en-GB" dirty="0"/>
+              <a:t>-</a:t>
+            </a:r>
+          </a:p>
+          <a:p>
+            <a:pPr algn="ctr"/>
+            <a:r>
+              <a:rPr lang="en-GB" dirty="0"/>
+              <a:t>module-base</a:t>
+            </a:r>
+          </a:p>
+        </p:txBody>
+      </p:sp>
+      <p:cxnSp>
+        <p:nvCxnSpPr>
+          <p:cNvPr id="28" name="Connector: Curved 27">
+            <a:extLst>
+              <a:ext uri="{FF2B5EF4-FFF2-40B4-BE49-F238E27FC236}">
+                <a16:creationId xmlns="" xmlns:a16="http://schemas.microsoft.com/office/drawing/2014/main" id="{007CFC32-577B-44FD-9292-FCE2548F3D68}"/>
+              </a:ext>
+            </a:extLst>
+          </p:cNvPr>
+          <p:cNvCxnSpPr>
+            <a:cxnSpLocks/>
+            <a:stCxn id="14" idx="2"/>
+            <a:endCxn id="27" idx="0"/>
+          </p:cNvCxnSpPr>
+          <p:nvPr/>
+        </p:nvCxnSpPr>
+        <p:spPr>
+          <a:xfrm rot="16200000" flipH="1">
+            <a:off x="3064884" y="5639414"/>
+            <a:ext cx="632852" cy="6351"/>
+          </a:xfrm>
+          <a:prstGeom prst="curvedConnector3">
+            <a:avLst>
+              <a:gd name="adj1" fmla="val 50000"/>
+            </a:avLst>
+          </a:prstGeom>
+          <a:ln>
+            <a:prstDash val="dash"/>
+            <a:tailEnd type="arrow" w="lg" len="lg"/>
+          </a:ln>
+        </p:spPr>
+        <p:style>
+          <a:lnRef idx="1">
+            <a:schemeClr val="accent1"/>
+          </a:lnRef>
+          <a:fillRef idx="0">
+            <a:schemeClr val="accent1"/>
+          </a:fillRef>
+          <a:effectRef idx="0">
+            <a:schemeClr val="accent1"/>
+          </a:effectRef>
+          <a:fontRef idx="minor">
+            <a:schemeClr val="tx1"/>
+          </a:fontRef>
+        </p:style>
+      </p:cxnSp>
+      <p:cxnSp>
+        <p:nvCxnSpPr>
+          <p:cNvPr id="32" name="Connector: Curved 31">
+            <a:extLst>
+              <a:ext uri="{FF2B5EF4-FFF2-40B4-BE49-F238E27FC236}">
+                <a16:creationId xmlns="" xmlns:a16="http://schemas.microsoft.com/office/drawing/2014/main" id="{49133326-9AF8-4286-8C9B-2EB5BA79270C}"/>
+              </a:ext>
+            </a:extLst>
+          </p:cNvPr>
+          <p:cNvCxnSpPr>
+            <a:cxnSpLocks/>
+            <a:stCxn id="11" idx="2"/>
+            <a:endCxn id="27" idx="3"/>
+          </p:cNvCxnSpPr>
+          <p:nvPr/>
+        </p:nvCxnSpPr>
+        <p:spPr>
+          <a:xfrm rot="5400000">
+            <a:off x="5532023" y="5113761"/>
+            <a:ext cx="345424" cy="2035934"/>
+          </a:xfrm>
+          <a:prstGeom prst="curvedConnector2">
+            <a:avLst/>
+          </a:prstGeom>
+          <a:ln>
+            <a:prstDash val="dash"/>
+            <a:tailEnd type="arrow" w="lg" len="lg"/>
+          </a:ln>
+        </p:spPr>
+        <p:style>
+          <a:lnRef idx="1">
+            <a:schemeClr val="accent1"/>
+          </a:lnRef>
+          <a:fillRef idx="0">
+            <a:schemeClr val="accent1"/>
+          </a:fillRef>
+          <a:effectRef idx="0">
+            <a:schemeClr val="accent1"/>
+          </a:effectRef>
+          <a:fontRef idx="minor">
+            <a:schemeClr val="tx1"/>
+          </a:fontRef>
+        </p:style>
+      </p:cxnSp>
+      <p:sp>
+        <p:nvSpPr>
+          <p:cNvPr id="35" name="Rectangle 34">
+            <a:extLst>
+              <a:ext uri="{FF2B5EF4-FFF2-40B4-BE49-F238E27FC236}">
+                <a16:creationId xmlns="" xmlns:a16="http://schemas.microsoft.com/office/drawing/2014/main" id="{F054E78D-5EDF-4692-8237-C86FD5FFFDF3}"/>
+              </a:ext>
+            </a:extLst>
+          </p:cNvPr>
+          <p:cNvSpPr/>
+          <p:nvPr/>
+        </p:nvSpPr>
+        <p:spPr>
+          <a:xfrm>
+            <a:off x="153695" y="5615892"/>
+            <a:ext cx="1080000" cy="422240"/>
+          </a:xfrm>
+          <a:prstGeom prst="rect">
+            <a:avLst/>
+          </a:prstGeom>
+        </p:spPr>
+        <p:style>
+          <a:lnRef idx="2">
+            <a:schemeClr val="accent5">
+              <a:shade val="50000"/>
+            </a:schemeClr>
+          </a:lnRef>
+          <a:fillRef idx="1">
+            <a:schemeClr val="accent5"/>
+          </a:fillRef>
+          <a:effectRef idx="0">
+            <a:schemeClr val="accent5"/>
+          </a:effectRef>
+          <a:fontRef idx="minor">
+            <a:schemeClr val="lt1"/>
+          </a:fontRef>
+        </p:style>
+        <p:txBody>
+          <a:bodyPr rtlCol="0" anchor="ctr"/>
+          <a:lstStyle/>
+          <a:p>
+            <a:pPr algn="ctr"/>
+            <a:r>
+              <a:rPr lang="en-GB" sz="1400" dirty="0"/>
+              <a:t>base </a:t>
+            </a:r>
+            <a:r>
+              <a:rPr lang="en-GB" sz="1400" dirty="0" err="1"/>
+              <a:t>utils</a:t>
+            </a:r>
+            <a:r>
+              <a:rPr lang="en-GB" sz="1400" dirty="0"/>
+              <a:t/>
+            </a:r>
+            <a:br>
+              <a:rPr lang="en-GB" sz="1400" dirty="0"/>
+            </a:br>
+            <a:r>
+              <a:rPr lang="en-GB" sz="1400" dirty="0"/>
+              <a:t>.jar</a:t>
+            </a:r>
+          </a:p>
+        </p:txBody>
+      </p:sp>
+      <p:cxnSp>
+        <p:nvCxnSpPr>
+          <p:cNvPr id="36" name="Connector: Curved 35">
+            <a:extLst>
+              <a:ext uri="{FF2B5EF4-FFF2-40B4-BE49-F238E27FC236}">
+                <a16:creationId xmlns="" xmlns:a16="http://schemas.microsoft.com/office/drawing/2014/main" id="{B7BC151F-D659-417F-A783-51938BE4BEA8}"/>
+              </a:ext>
+            </a:extLst>
+          </p:cNvPr>
+          <p:cNvCxnSpPr>
+            <a:cxnSpLocks/>
+          </p:cNvCxnSpPr>
+          <p:nvPr/>
+        </p:nvCxnSpPr>
+        <p:spPr>
+          <a:xfrm rot="10800000">
+            <a:off x="125522" y="3326291"/>
+            <a:ext cx="396230" cy="6788"/>
+          </a:xfrm>
+          <a:prstGeom prst="curvedConnector3">
+            <a:avLst>
+              <a:gd name="adj1" fmla="val 50000"/>
+            </a:avLst>
+          </a:prstGeom>
+          <a:ln>
+            <a:prstDash val="dash"/>
+            <a:tailEnd type="arrow" w="lg" len="lg"/>
+          </a:ln>
+        </p:spPr>
+        <p:style>
+          <a:lnRef idx="1">
+            <a:schemeClr val="accent1"/>
+          </a:lnRef>
+          <a:fillRef idx="0">
+            <a:schemeClr val="accent1"/>
+          </a:fillRef>
+          <a:effectRef idx="0">
+            <a:schemeClr val="accent1"/>
+          </a:effectRef>
+          <a:fontRef idx="minor">
+            <a:schemeClr val="tx1"/>
+          </a:fontRef>
+        </p:style>
+      </p:cxnSp>
+      <p:sp>
+        <p:nvSpPr>
+          <p:cNvPr id="40" name="TextBox 39">
+            <a:extLst>
+              <a:ext uri="{FF2B5EF4-FFF2-40B4-BE49-F238E27FC236}">
+                <a16:creationId xmlns="" xmlns:a16="http://schemas.microsoft.com/office/drawing/2014/main" id="{8104B7EB-F2A1-4398-B999-ECC472E7BCF3}"/>
+              </a:ext>
+            </a:extLst>
+          </p:cNvPr>
+          <p:cNvSpPr txBox="1"/>
+          <p:nvPr/>
+        </p:nvSpPr>
+        <p:spPr>
+          <a:xfrm>
+            <a:off x="552592" y="3056824"/>
+            <a:ext cx="1083951" cy="523220"/>
+          </a:xfrm>
+          <a:prstGeom prst="rect">
+            <a:avLst/>
+          </a:prstGeom>
+          <a:noFill/>
+        </p:spPr>
+        <p:txBody>
+          <a:bodyPr wrap="none" rtlCol="0">
+            <a:spAutoFit/>
+          </a:bodyPr>
+          <a:lstStyle/>
+          <a:p>
+            <a:r>
+              <a:rPr lang="en-GB" sz="1400" dirty="0"/>
+              <a:t>maven</a:t>
+            </a:r>
+            <a:br>
+              <a:rPr lang="en-GB" sz="1400" dirty="0"/>
+            </a:br>
+            <a:r>
+              <a:rPr lang="en-GB" sz="1400" dirty="0"/>
+              <a:t>dependency</a:t>
+            </a:r>
+          </a:p>
+        </p:txBody>
+      </p:sp>
+      <p:sp>
+        <p:nvSpPr>
+          <p:cNvPr id="17" name="Flowchart: Document 16">
+            <a:extLst>
+              <a:ext uri="{FF2B5EF4-FFF2-40B4-BE49-F238E27FC236}">
+                <a16:creationId xmlns="" xmlns:a16="http://schemas.microsoft.com/office/drawing/2014/main" id="{1BF166FF-B4DB-41E3-9A74-DC0DAC98390D}"/>
+              </a:ext>
+            </a:extLst>
+          </p:cNvPr>
+          <p:cNvSpPr/>
+          <p:nvPr/>
+        </p:nvSpPr>
+        <p:spPr>
+          <a:xfrm>
+            <a:off x="6170006" y="87754"/>
+            <a:ext cx="1105390" cy="760209"/>
+          </a:xfrm>
+          <a:prstGeom prst="flowChartDocument">
+            <a:avLst/>
+          </a:prstGeom>
+        </p:spPr>
+        <p:style>
+          <a:lnRef idx="2">
+            <a:schemeClr val="accent1"/>
+          </a:lnRef>
+          <a:fillRef idx="1">
+            <a:schemeClr val="lt1"/>
+          </a:fillRef>
+          <a:effectRef idx="0">
+            <a:schemeClr val="accent1"/>
+          </a:effectRef>
+          <a:fontRef idx="minor">
+            <a:schemeClr val="dk1"/>
+          </a:fontRef>
+        </p:style>
+        <p:txBody>
+          <a:bodyPr rtlCol="0" anchor="ctr"/>
+          <a:lstStyle/>
+          <a:p>
+            <a:pPr algn="ctr"/>
+            <a:r>
+              <a:rPr lang="en-GB" dirty="0"/>
+              <a:t>web.xml</a:t>
+            </a:r>
+          </a:p>
+        </p:txBody>
+      </p:sp>
+      <p:cxnSp>
+        <p:nvCxnSpPr>
+          <p:cNvPr id="42" name="Connector: Curved 41">
+            <a:extLst>
+              <a:ext uri="{FF2B5EF4-FFF2-40B4-BE49-F238E27FC236}">
+                <a16:creationId xmlns="" xmlns:a16="http://schemas.microsoft.com/office/drawing/2014/main" id="{71DA3FF6-075C-4197-9416-C83BC0D386E8}"/>
+              </a:ext>
+            </a:extLst>
+          </p:cNvPr>
+          <p:cNvCxnSpPr>
+            <a:cxnSpLocks/>
+            <a:stCxn id="17" idx="1"/>
+            <a:endCxn id="16" idx="0"/>
+          </p:cNvCxnSpPr>
+          <p:nvPr/>
+        </p:nvCxnSpPr>
+        <p:spPr>
+          <a:xfrm rot="10800000" flipV="1">
+            <a:off x="3382804" y="467859"/>
+            <a:ext cx="2787202" cy="380104"/>
+          </a:xfrm>
+          <a:prstGeom prst="curvedConnector2">
+            <a:avLst/>
+          </a:prstGeom>
+          <a:ln>
+            <a:prstDash val="lgDashDot"/>
+            <a:tailEnd type="arrow" w="lg" len="lg"/>
+          </a:ln>
+        </p:spPr>
+        <p:style>
+          <a:lnRef idx="1">
+            <a:schemeClr val="accent1"/>
+          </a:lnRef>
+          <a:fillRef idx="0">
+            <a:schemeClr val="accent1"/>
+          </a:fillRef>
+          <a:effectRef idx="0">
+            <a:schemeClr val="accent1"/>
+          </a:effectRef>
+          <a:fontRef idx="minor">
+            <a:schemeClr val="tx1"/>
+          </a:fontRef>
+        </p:style>
+      </p:cxnSp>
+      <p:cxnSp>
+        <p:nvCxnSpPr>
+          <p:cNvPr id="73" name="Connector: Curved 72">
+            <a:extLst>
+              <a:ext uri="{FF2B5EF4-FFF2-40B4-BE49-F238E27FC236}">
+                <a16:creationId xmlns="" xmlns:a16="http://schemas.microsoft.com/office/drawing/2014/main" id="{BDCFE337-ECA9-4F4B-894B-5B9210753B6A}"/>
+              </a:ext>
+            </a:extLst>
+          </p:cNvPr>
+          <p:cNvCxnSpPr>
+            <a:cxnSpLocks/>
+            <a:stCxn id="17" idx="3"/>
+            <a:endCxn id="112" idx="0"/>
+          </p:cNvCxnSpPr>
+          <p:nvPr/>
+        </p:nvCxnSpPr>
+        <p:spPr>
+          <a:xfrm>
+            <a:off x="7275396" y="467859"/>
+            <a:ext cx="2959597" cy="1957289"/>
+          </a:xfrm>
+          <a:prstGeom prst="curvedConnector2">
+            <a:avLst/>
+          </a:prstGeom>
+          <a:ln>
+            <a:prstDash val="lgDashDot"/>
+            <a:tailEnd type="arrow" w="lg" len="lg"/>
+          </a:ln>
+        </p:spPr>
+        <p:style>
+          <a:lnRef idx="1">
+            <a:schemeClr val="accent1"/>
+          </a:lnRef>
+          <a:fillRef idx="0">
+            <a:schemeClr val="accent1"/>
+          </a:fillRef>
+          <a:effectRef idx="0">
+            <a:schemeClr val="accent1"/>
+          </a:effectRef>
+          <a:fontRef idx="minor">
+            <a:schemeClr val="tx1"/>
+          </a:fontRef>
+        </p:style>
+      </p:cxnSp>
+      <p:cxnSp>
+        <p:nvCxnSpPr>
+          <p:cNvPr id="81" name="Connector: Curved 80">
+            <a:extLst>
+              <a:ext uri="{FF2B5EF4-FFF2-40B4-BE49-F238E27FC236}">
+                <a16:creationId xmlns="" xmlns:a16="http://schemas.microsoft.com/office/drawing/2014/main" id="{E0DBBBB3-E178-4C40-9E51-8AC6789AE499}"/>
+              </a:ext>
+            </a:extLst>
+          </p:cNvPr>
+          <p:cNvCxnSpPr>
+            <a:cxnSpLocks/>
+          </p:cNvCxnSpPr>
+          <p:nvPr/>
+        </p:nvCxnSpPr>
+        <p:spPr>
+          <a:xfrm rot="10800000">
+            <a:off x="156772" y="2895238"/>
+            <a:ext cx="396230" cy="6788"/>
+          </a:xfrm>
+          <a:prstGeom prst="curvedConnector3">
+            <a:avLst>
+              <a:gd name="adj1" fmla="val 81186"/>
+            </a:avLst>
+          </a:prstGeom>
+          <a:ln>
+            <a:prstDash val="lgDashDot"/>
+            <a:tailEnd type="arrow" w="lg" len="lg"/>
+          </a:ln>
+        </p:spPr>
+        <p:style>
+          <a:lnRef idx="1">
+            <a:schemeClr val="accent1"/>
+          </a:lnRef>
+          <a:fillRef idx="0">
+            <a:schemeClr val="accent1"/>
+          </a:fillRef>
+          <a:effectRef idx="0">
+            <a:schemeClr val="accent1"/>
+          </a:effectRef>
+          <a:fontRef idx="minor">
+            <a:schemeClr val="tx1"/>
+          </a:fontRef>
+        </p:style>
+      </p:cxnSp>
+      <p:sp>
+        <p:nvSpPr>
+          <p:cNvPr id="83" name="TextBox 82">
+            <a:extLst>
+              <a:ext uri="{FF2B5EF4-FFF2-40B4-BE49-F238E27FC236}">
+                <a16:creationId xmlns="" xmlns:a16="http://schemas.microsoft.com/office/drawing/2014/main" id="{5F7004B3-D2B5-41DE-9626-D8782E719A5C}"/>
+              </a:ext>
+            </a:extLst>
+          </p:cNvPr>
+          <p:cNvSpPr txBox="1"/>
+          <p:nvPr/>
+        </p:nvSpPr>
+        <p:spPr>
+          <a:xfrm>
+            <a:off x="556708" y="2591378"/>
+            <a:ext cx="1008096" cy="523220"/>
+          </a:xfrm>
+          <a:prstGeom prst="rect">
+            <a:avLst/>
+          </a:prstGeom>
+          <a:noFill/>
+        </p:spPr>
+        <p:txBody>
+          <a:bodyPr wrap="none" rtlCol="0">
+            <a:spAutoFit/>
+          </a:bodyPr>
+          <a:lstStyle/>
+          <a:p>
+            <a:r>
+              <a:rPr lang="en-GB" sz="1400" dirty="0"/>
+              <a:t>web.xml</a:t>
+            </a:r>
+            <a:br>
+              <a:rPr lang="en-GB" sz="1400" dirty="0"/>
+            </a:br>
+            <a:r>
+              <a:rPr lang="en-GB" sz="1400" dirty="0"/>
+              <a:t>declaration</a:t>
+            </a:r>
+          </a:p>
+        </p:txBody>
+      </p:sp>
+      <p:sp>
+        <p:nvSpPr>
+          <p:cNvPr id="84" name="TextBox 83">
+            <a:extLst>
+              <a:ext uri="{FF2B5EF4-FFF2-40B4-BE49-F238E27FC236}">
+                <a16:creationId xmlns="" xmlns:a16="http://schemas.microsoft.com/office/drawing/2014/main" id="{46342F55-5205-4C6F-81BD-4A1BFFAFE65C}"/>
+              </a:ext>
+            </a:extLst>
+          </p:cNvPr>
+          <p:cNvSpPr txBox="1"/>
+          <p:nvPr/>
+        </p:nvSpPr>
+        <p:spPr>
+          <a:xfrm>
+            <a:off x="2717586" y="218897"/>
+            <a:ext cx="1824410" cy="307777"/>
+          </a:xfrm>
+          <a:prstGeom prst="rect">
+            <a:avLst/>
+          </a:prstGeom>
+          <a:noFill/>
+        </p:spPr>
+        <p:txBody>
+          <a:bodyPr wrap="none" rtlCol="0">
+            <a:spAutoFit/>
+          </a:bodyPr>
+          <a:lstStyle/>
+          <a:p>
+            <a:r>
+              <a:rPr lang="en-GB" sz="1400" dirty="0"/>
+              <a:t>Bootstraps Apache Isis</a:t>
+            </a:r>
+          </a:p>
+        </p:txBody>
+      </p:sp>
+      <p:sp>
+        <p:nvSpPr>
+          <p:cNvPr id="86" name="TextBox 85">
+            <a:extLst>
+              <a:ext uri="{FF2B5EF4-FFF2-40B4-BE49-F238E27FC236}">
+                <a16:creationId xmlns="" xmlns:a16="http://schemas.microsoft.com/office/drawing/2014/main" id="{3F73D5FF-B89C-4BF6-9D26-63687EA8AE9D}"/>
+              </a:ext>
+            </a:extLst>
+          </p:cNvPr>
+          <p:cNvSpPr txBox="1"/>
+          <p:nvPr/>
+        </p:nvSpPr>
+        <p:spPr>
+          <a:xfrm>
+            <a:off x="9395858" y="230809"/>
+            <a:ext cx="2297296" cy="523220"/>
+          </a:xfrm>
+          <a:prstGeom prst="rect">
+            <a:avLst/>
+          </a:prstGeom>
+          <a:noFill/>
+        </p:spPr>
+        <p:txBody>
+          <a:bodyPr wrap="none" rtlCol="0">
+            <a:spAutoFit/>
+          </a:bodyPr>
+          <a:lstStyle/>
+          <a:p>
+            <a:r>
+              <a:rPr lang="en-GB" sz="1400" dirty="0"/>
+              <a:t>Bootstraps Embedded Camel</a:t>
+            </a:r>
+            <a:br>
+              <a:rPr lang="en-GB" sz="1400" dirty="0"/>
+            </a:br>
+            <a:r>
+              <a:rPr lang="en-GB" sz="1400" dirty="0"/>
+              <a:t>(+ Spring + </a:t>
+            </a:r>
+            <a:r>
+              <a:rPr lang="en-GB" sz="1400" dirty="0" err="1"/>
+              <a:t>ActiveMQ</a:t>
+            </a:r>
+            <a:r>
+              <a:rPr lang="en-GB" sz="1400" dirty="0"/>
+              <a:t>)</a:t>
+            </a:r>
+          </a:p>
+        </p:txBody>
+      </p:sp>
+      <p:cxnSp>
+        <p:nvCxnSpPr>
+          <p:cNvPr id="41" name="Connector: Curved 40">
+            <a:extLst>
+              <a:ext uri="{FF2B5EF4-FFF2-40B4-BE49-F238E27FC236}">
+                <a16:creationId xmlns="" xmlns:a16="http://schemas.microsoft.com/office/drawing/2014/main" id="{69136D57-9160-416D-B3F9-878F1C369BCD}"/>
+              </a:ext>
+            </a:extLst>
+          </p:cNvPr>
+          <p:cNvCxnSpPr>
+            <a:cxnSpLocks/>
+            <a:stCxn id="12" idx="2"/>
+            <a:endCxn id="14" idx="3"/>
+          </p:cNvCxnSpPr>
+          <p:nvPr/>
+        </p:nvCxnSpPr>
+        <p:spPr>
+          <a:xfrm rot="5400000">
+            <a:off x="7174119" y="1860426"/>
+            <a:ext cx="626613" cy="5614016"/>
+          </a:xfrm>
+          <a:prstGeom prst="curvedConnector2">
+            <a:avLst/>
+          </a:prstGeom>
+          <a:ln>
+            <a:prstDash val="dash"/>
+            <a:tailEnd type="arrow" w="lg" len="lg"/>
+          </a:ln>
+        </p:spPr>
+        <p:style>
+          <a:lnRef idx="1">
+            <a:schemeClr val="accent1"/>
+          </a:lnRef>
+          <a:fillRef idx="0">
+            <a:schemeClr val="accent1"/>
+          </a:fillRef>
+          <a:effectRef idx="0">
+            <a:schemeClr val="accent1"/>
+          </a:effectRef>
+          <a:fontRef idx="minor">
+            <a:schemeClr val="tx1"/>
+          </a:fontRef>
+        </p:style>
+      </p:cxnSp>
+      <p:cxnSp>
+        <p:nvCxnSpPr>
+          <p:cNvPr id="106" name="Connector: Curved 105">
+            <a:extLst>
+              <a:ext uri="{FF2B5EF4-FFF2-40B4-BE49-F238E27FC236}">
+                <a16:creationId xmlns="" xmlns:a16="http://schemas.microsoft.com/office/drawing/2014/main" id="{38519E07-9814-45DE-8F54-B74E8EFEB8F7}"/>
+              </a:ext>
+            </a:extLst>
+          </p:cNvPr>
+          <p:cNvCxnSpPr>
+            <a:cxnSpLocks/>
+            <a:stCxn id="4" idx="2"/>
+            <a:endCxn id="12" idx="1"/>
+          </p:cNvCxnSpPr>
+          <p:nvPr/>
+        </p:nvCxnSpPr>
+        <p:spPr>
+          <a:xfrm rot="16200000" flipH="1">
+            <a:off x="6052841" y="1069396"/>
+            <a:ext cx="264602" cy="5614015"/>
+          </a:xfrm>
+          <a:prstGeom prst="curvedConnector2">
+            <a:avLst/>
+          </a:prstGeom>
+          <a:ln>
+            <a:prstDash val="dash"/>
+            <a:tailEnd type="arrow" w="lg" len="lg"/>
+          </a:ln>
+        </p:spPr>
+        <p:style>
+          <a:lnRef idx="1">
+            <a:schemeClr val="accent1"/>
+          </a:lnRef>
+          <a:fillRef idx="0">
+            <a:schemeClr val="accent1"/>
+          </a:fillRef>
+          <a:effectRef idx="0">
+            <a:schemeClr val="accent1"/>
+          </a:effectRef>
+          <a:fontRef idx="minor">
+            <a:schemeClr val="tx1"/>
+          </a:fontRef>
+        </p:style>
+      </p:cxnSp>
+      <p:sp>
+        <p:nvSpPr>
+          <p:cNvPr id="110" name="TextBox 109">
+            <a:extLst>
+              <a:ext uri="{FF2B5EF4-FFF2-40B4-BE49-F238E27FC236}">
+                <a16:creationId xmlns="" xmlns:a16="http://schemas.microsoft.com/office/drawing/2014/main" id="{8856B0F9-F83E-45D3-8CAF-995CA4A37218}"/>
+              </a:ext>
+            </a:extLst>
+          </p:cNvPr>
+          <p:cNvSpPr txBox="1"/>
+          <p:nvPr/>
+        </p:nvSpPr>
+        <p:spPr>
+          <a:xfrm>
+            <a:off x="4661306" y="1581985"/>
+            <a:ext cx="902042" cy="307777"/>
+          </a:xfrm>
+          <a:prstGeom prst="rect">
+            <a:avLst/>
+          </a:prstGeom>
+          <a:noFill/>
+        </p:spPr>
+        <p:txBody>
+          <a:bodyPr wrap="none" rtlCol="0">
+            <a:spAutoFit/>
+          </a:bodyPr>
+          <a:lstStyle/>
+          <a:p>
+            <a:r>
+              <a:rPr lang="en-GB" sz="1400" dirty="0"/>
+              <a:t>(optional)</a:t>
+            </a:r>
+          </a:p>
+        </p:txBody>
+      </p:sp>
+      <p:sp>
+        <p:nvSpPr>
+          <p:cNvPr id="46" name="TextBox 45">
+            <a:extLst>
+              <a:ext uri="{FF2B5EF4-FFF2-40B4-BE49-F238E27FC236}">
+                <a16:creationId xmlns="" xmlns:a16="http://schemas.microsoft.com/office/drawing/2014/main" id="{D7630F3E-F103-4873-9F6A-6A9F01A8DE6C}"/>
+              </a:ext>
+            </a:extLst>
+          </p:cNvPr>
+          <p:cNvSpPr txBox="1"/>
+          <p:nvPr/>
+        </p:nvSpPr>
+        <p:spPr>
+          <a:xfrm>
+            <a:off x="3977910" y="3907111"/>
+            <a:ext cx="902042" cy="307777"/>
+          </a:xfrm>
+          <a:prstGeom prst="rect">
+            <a:avLst/>
+          </a:prstGeom>
+          <a:noFill/>
+        </p:spPr>
+        <p:txBody>
+          <a:bodyPr wrap="none" rtlCol="0">
+            <a:spAutoFit/>
+          </a:bodyPr>
+          <a:lstStyle/>
+          <a:p>
+            <a:r>
+              <a:rPr lang="en-GB" sz="1400" dirty="0"/>
+              <a:t>(optional)</a:t>
+            </a:r>
+          </a:p>
+        </p:txBody>
+      </p:sp>
+    </p:spTree>
+    <p:extLst>
+      <p:ext uri="{BB962C8B-B14F-4D97-AF65-F5344CB8AC3E}">
+        <p14:creationId xmlns:p14="http://schemas.microsoft.com/office/powerpoint/2010/main" val="2913824081"/>
       </p:ext>
     </p:extLst>
   </p:cSld>
@@ -6804,7 +8409,7 @@
   <a:extraClrSchemeLst/>
   <a:extLst>
     <a:ext uri="{05A4C25C-085E-4340-85A3-A5531E510DB2}">
-      <thm15:themeFamily xmlns:thm15="http://schemas.microsoft.com/office/thememl/2012/main" xmlns="" name="Office Theme" id="{62F939B6-93AF-4DB8-9C6B-D6C7DFDC589F}" vid="{4A3C46E8-61CC-4603-A589-7422A47A8E4A}"/>
+      <thm15:themeFamily xmlns="" xmlns:thm15="http://schemas.microsoft.com/office/thememl/2012/main" name="Office Theme" id="{62F939B6-93AF-4DB8-9C6B-D6C7DFDC589F}" vid="{4A3C46E8-61CC-4603-A589-7422A47A8E4A}"/>
     </a:ext>
   </a:extLst>
 </a:theme>
